--- a/Презентация.pptx
+++ b/Презентация.pptx
@@ -6,7 +6,7 @@
     <p:sldMasterId id="2147483684" r:id="rId2"/>
   </p:sldMasterIdLst>
   <p:notesMasterIdLst>
-    <p:notesMasterId r:id="rId15"/>
+    <p:notesMasterId r:id="rId16"/>
   </p:notesMasterIdLst>
   <p:sldIdLst>
     <p:sldId id="256" r:id="rId3"/>
@@ -21,25 +21,26 @@
     <p:sldId id="288" r:id="rId12"/>
     <p:sldId id="289" r:id="rId13"/>
     <p:sldId id="279" r:id="rId14"/>
+    <p:sldId id="291" r:id="rId15"/>
   </p:sldIdLst>
   <p:sldSz cx="12190413" cy="6859588"/>
   <p:notesSz cx="6858000" cy="9144000"/>
   <p:embeddedFontLst>
     <p:embeddedFont>
       <p:font typeface="Lato" panose="020F0502020204030203" pitchFamily="34" charset="0"/>
-      <p:regular r:id="rId16"/>
+      <p:regular r:id="rId17"/>
     </p:embeddedFont>
     <p:embeddedFont>
       <p:font typeface="Microsoft Sans Serif" panose="020B0604020202020204" pitchFamily="34" charset="0"/>
-      <p:regular r:id="rId17"/>
+      <p:regular r:id="rId18"/>
     </p:embeddedFont>
     <p:embeddedFont>
       <p:font typeface="Roboto" panose="02000000000000000000" pitchFamily="2" charset="0"/>
-      <p:regular r:id="rId18"/>
+      <p:regular r:id="rId19"/>
     </p:embeddedFont>
   </p:embeddedFontLst>
   <p:custDataLst>
-    <p:tags r:id="rId19"/>
+    <p:tags r:id="rId20"/>
   </p:custDataLst>
   <p:defaultTextStyle>
     <a:defPPr>
@@ -2973,8 +2974,8 @@
 <file path=ppt/diagrams/data3.xml><?xml version="1.0" encoding="utf-8"?>
 <dgm:dataModel xmlns:dgm="http://schemas.openxmlformats.org/drawingml/2006/diagram" xmlns:a="http://schemas.openxmlformats.org/drawingml/2006/main">
   <dgm:ptLst>
-    <dgm:pt modelId="{9CE0DD1C-3E78-41E9-A790-6DB7459B5E46}" type="doc">
-      <dgm:prSet loTypeId="urn:microsoft.com/office/officeart/2005/8/layout/hList1" loCatId="list" qsTypeId="urn:microsoft.com/office/officeart/2005/8/quickstyle/simple1" qsCatId="simple" csTypeId="urn:microsoft.com/office/officeart/2005/8/colors/accent1_2" csCatId="accent1" phldr="1"/>
+    <dgm:pt modelId="{B9CF47C3-F3B3-4076-AD64-298787B198DC}" type="doc">
+      <dgm:prSet loTypeId="urn:microsoft.com/office/officeart/2005/8/layout/default" loCatId="list" qsTypeId="urn:microsoft.com/office/officeart/2005/8/quickstyle/simple1" qsCatId="simple" csTypeId="urn:microsoft.com/office/officeart/2005/8/colors/accent1_2" csCatId="accent1" phldr="1"/>
       <dgm:spPr/>
       <dgm:t>
         <a:bodyPr/>
@@ -2984,1307 +2985,421 @@
         </a:p>
       </dgm:t>
     </dgm:pt>
-    <dgm:pt modelId="{58BC04E9-5800-4AA6-BA7B-7124297B8AA1}">
+    <dgm:pt modelId="{8AE5FC50-E2E4-42AA-B063-DB0AE5B244CE}">
       <dgm:prSet phldrT="[Текст]" custT="1"/>
       <dgm:spPr>
         <a:solidFill>
           <a:srgbClr val="FF9933"/>
         </a:solidFill>
-        <a:ln>
-          <a:noFill/>
-        </a:ln>
       </dgm:spPr>
       <dgm:t>
         <a:bodyPr/>
         <a:lstStyle/>
         <a:p>
-          <a:pPr>
-            <a:lnSpc>
-              <a:spcPct val="100000"/>
-            </a:lnSpc>
-            <a:spcBef>
-              <a:spcPts val="0"/>
-            </a:spcBef>
-            <a:spcAft>
-              <a:spcPts val="0"/>
-            </a:spcAft>
-          </a:pPr>
           <a:r>
-            <a:rPr lang="ru-RU" sz="1600" dirty="0">
-              <a:latin typeface="Roboto" panose="02000000000000000000" pitchFamily="2" charset="0"/>
-              <a:ea typeface="Roboto" panose="02000000000000000000" pitchFamily="2" charset="0"/>
-              <a:cs typeface="Roboto" panose="02000000000000000000" pitchFamily="2" charset="0"/>
-            </a:rPr>
+            <a:rPr lang="ru-RU" sz="2800" dirty="0"/>
             <a:t>Добавление</a:t>
           </a:r>
         </a:p>
       </dgm:t>
     </dgm:pt>
-    <dgm:pt modelId="{DDCE9B50-C417-424F-A1B5-FEEC13EB523D}" type="parTrans" cxnId="{C61F2EE7-6FD7-4822-A6E8-AD7C469D410D}">
+    <dgm:pt modelId="{C1CF4684-5972-495A-963D-2A26DF401662}" type="parTrans" cxnId="{BF7B18C6-1BB8-4359-B3F4-114EC1C5A41B}">
       <dgm:prSet/>
       <dgm:spPr/>
       <dgm:t>
         <a:bodyPr/>
         <a:lstStyle/>
         <a:p>
-          <a:pPr>
-            <a:lnSpc>
-              <a:spcPct val="100000"/>
-            </a:lnSpc>
-            <a:spcBef>
-              <a:spcPts val="0"/>
-            </a:spcBef>
-            <a:spcAft>
-              <a:spcPts val="0"/>
-            </a:spcAft>
-          </a:pPr>
-          <a:endParaRPr lang="ru-RU" sz="1600">
-            <a:latin typeface="Roboto" panose="02000000000000000000" pitchFamily="2" charset="0"/>
-            <a:ea typeface="Roboto" panose="02000000000000000000" pitchFamily="2" charset="0"/>
-            <a:cs typeface="Roboto" panose="02000000000000000000" pitchFamily="2" charset="0"/>
-          </a:endParaRPr>
+          <a:endParaRPr lang="ru-RU" sz="2800"/>
         </a:p>
       </dgm:t>
     </dgm:pt>
-    <dgm:pt modelId="{B7094885-E44D-405A-995E-1649A83FBC0C}" type="sibTrans" cxnId="{C61F2EE7-6FD7-4822-A6E8-AD7C469D410D}">
+    <dgm:pt modelId="{276E8D0F-A6C2-4506-B74C-81CC46406430}" type="sibTrans" cxnId="{BF7B18C6-1BB8-4359-B3F4-114EC1C5A41B}">
       <dgm:prSet/>
       <dgm:spPr/>
       <dgm:t>
         <a:bodyPr/>
         <a:lstStyle/>
         <a:p>
-          <a:pPr>
-            <a:lnSpc>
-              <a:spcPct val="100000"/>
-            </a:lnSpc>
-            <a:spcBef>
-              <a:spcPts val="0"/>
-            </a:spcBef>
-            <a:spcAft>
-              <a:spcPts val="0"/>
-            </a:spcAft>
-          </a:pPr>
-          <a:endParaRPr lang="ru-RU" sz="1600">
-            <a:latin typeface="Roboto" panose="02000000000000000000" pitchFamily="2" charset="0"/>
-            <a:ea typeface="Roboto" panose="02000000000000000000" pitchFamily="2" charset="0"/>
-            <a:cs typeface="Roboto" panose="02000000000000000000" pitchFamily="2" charset="0"/>
-          </a:endParaRPr>
+          <a:endParaRPr lang="ru-RU" sz="2800"/>
         </a:p>
       </dgm:t>
     </dgm:pt>
-    <dgm:pt modelId="{AEE50632-B300-4E66-9750-40E173DB9560}">
+    <dgm:pt modelId="{BFDD6536-CFF6-4302-8AAB-06DC7422C4CD}">
       <dgm:prSet phldrT="[Текст]" custT="1"/>
       <dgm:spPr>
-        <a:ln>
-          <a:noFill/>
-        </a:ln>
+        <a:solidFill>
+          <a:srgbClr val="FF9933"/>
+        </a:solidFill>
       </dgm:spPr>
       <dgm:t>
         <a:bodyPr/>
         <a:lstStyle/>
         <a:p>
-          <a:pPr marL="0" indent="0" algn="l">
-            <a:lnSpc>
-              <a:spcPct val="100000"/>
-            </a:lnSpc>
-            <a:spcBef>
-              <a:spcPts val="0"/>
-            </a:spcBef>
-            <a:spcAft>
-              <a:spcPts val="0"/>
-            </a:spcAft>
-            <a:buNone/>
-          </a:pPr>
           <a:r>
-            <a:rPr lang="ru-RU" sz="1600" dirty="0">
-              <a:latin typeface="Roboto" panose="02000000000000000000" pitchFamily="2" charset="0"/>
-              <a:ea typeface="Roboto" panose="02000000000000000000" pitchFamily="2" charset="0"/>
-              <a:cs typeface="Roboto" panose="02000000000000000000" pitchFamily="2" charset="0"/>
-            </a:rPr>
-            <a:t>Возможность внесения новых данных</a:t>
+            <a:rPr lang="ru-RU" sz="2300" dirty="0"/>
+            <a:t>Редактирование</a:t>
           </a:r>
         </a:p>
       </dgm:t>
     </dgm:pt>
-    <dgm:pt modelId="{C4F69D18-66E4-4B85-B9B3-FE7E1FF98CE8}" type="parTrans" cxnId="{C7906879-1196-4331-866D-D8B4E919D19D}">
+    <dgm:pt modelId="{B2AA040D-7DEF-4A14-8590-3E5204DA9BD4}" type="parTrans" cxnId="{D6A001A5-AD8B-4CCB-81C8-523E222B6F49}">
       <dgm:prSet/>
       <dgm:spPr/>
       <dgm:t>
         <a:bodyPr/>
         <a:lstStyle/>
         <a:p>
-          <a:pPr>
-            <a:lnSpc>
-              <a:spcPct val="100000"/>
-            </a:lnSpc>
-            <a:spcBef>
-              <a:spcPts val="0"/>
-            </a:spcBef>
-            <a:spcAft>
-              <a:spcPts val="0"/>
-            </a:spcAft>
-          </a:pPr>
-          <a:endParaRPr lang="ru-RU" sz="1600">
-            <a:latin typeface="Roboto" panose="02000000000000000000" pitchFamily="2" charset="0"/>
-            <a:ea typeface="Roboto" panose="02000000000000000000" pitchFamily="2" charset="0"/>
-            <a:cs typeface="Roboto" panose="02000000000000000000" pitchFamily="2" charset="0"/>
-          </a:endParaRPr>
+          <a:endParaRPr lang="ru-RU" sz="2800"/>
         </a:p>
       </dgm:t>
     </dgm:pt>
-    <dgm:pt modelId="{5782CB0B-7677-4DDC-AC66-E422B2810509}" type="sibTrans" cxnId="{C7906879-1196-4331-866D-D8B4E919D19D}">
+    <dgm:pt modelId="{D62AE058-EAFF-4F3E-AD1D-66FF4E23CF45}" type="sibTrans" cxnId="{D6A001A5-AD8B-4CCB-81C8-523E222B6F49}">
       <dgm:prSet/>
       <dgm:spPr/>
       <dgm:t>
         <a:bodyPr/>
         <a:lstStyle/>
         <a:p>
-          <a:pPr>
-            <a:lnSpc>
-              <a:spcPct val="100000"/>
-            </a:lnSpc>
-            <a:spcBef>
-              <a:spcPts val="0"/>
-            </a:spcBef>
-            <a:spcAft>
-              <a:spcPts val="0"/>
-            </a:spcAft>
-          </a:pPr>
-          <a:endParaRPr lang="ru-RU" sz="1600">
-            <a:latin typeface="Roboto" panose="02000000000000000000" pitchFamily="2" charset="0"/>
-            <a:ea typeface="Roboto" panose="02000000000000000000" pitchFamily="2" charset="0"/>
-            <a:cs typeface="Roboto" panose="02000000000000000000" pitchFamily="2" charset="0"/>
-          </a:endParaRPr>
+          <a:endParaRPr lang="ru-RU" sz="2800"/>
         </a:p>
       </dgm:t>
     </dgm:pt>
-    <dgm:pt modelId="{2B839337-63AB-43E5-B288-D36C3B25C06B}">
+    <dgm:pt modelId="{A43F3074-0A4C-400E-BA73-799DAF8357B8}">
       <dgm:prSet phldrT="[Текст]" custT="1"/>
       <dgm:spPr>
         <a:solidFill>
           <a:srgbClr val="FF9933"/>
         </a:solidFill>
-        <a:ln>
-          <a:noFill/>
-        </a:ln>
       </dgm:spPr>
       <dgm:t>
         <a:bodyPr/>
         <a:lstStyle/>
         <a:p>
-          <a:pPr>
-            <a:lnSpc>
-              <a:spcPct val="100000"/>
-            </a:lnSpc>
-            <a:spcBef>
-              <a:spcPts val="0"/>
-            </a:spcBef>
-            <a:spcAft>
-              <a:spcPts val="0"/>
-            </a:spcAft>
-          </a:pPr>
           <a:r>
-            <a:rPr lang="ru-RU" sz="1500" dirty="0">
-              <a:latin typeface="Roboto" panose="02000000000000000000" pitchFamily="2" charset="0"/>
-              <a:ea typeface="Roboto" panose="02000000000000000000" pitchFamily="2" charset="0"/>
-              <a:cs typeface="Roboto" panose="02000000000000000000" pitchFamily="2" charset="0"/>
-            </a:rPr>
-            <a:t>Редактирование</a:t>
+            <a:rPr lang="ru-RU" sz="2800" dirty="0"/>
+            <a:t>Удаление</a:t>
           </a:r>
         </a:p>
       </dgm:t>
     </dgm:pt>
-    <dgm:pt modelId="{63AE4659-3E78-4A6F-8799-15C2EE78844F}" type="parTrans" cxnId="{025EBE7B-CE63-4832-8BE7-CFA700D746E0}">
+    <dgm:pt modelId="{7497E92E-9095-4E8A-BE90-2533FBE8B716}" type="parTrans" cxnId="{336B0EAB-4B36-49B7-ABF0-40CFD0C546FA}">
       <dgm:prSet/>
       <dgm:spPr/>
       <dgm:t>
         <a:bodyPr/>
         <a:lstStyle/>
         <a:p>
-          <a:pPr>
-            <a:lnSpc>
-              <a:spcPct val="100000"/>
-            </a:lnSpc>
-            <a:spcBef>
-              <a:spcPts val="0"/>
-            </a:spcBef>
-            <a:spcAft>
-              <a:spcPts val="0"/>
-            </a:spcAft>
-          </a:pPr>
-          <a:endParaRPr lang="ru-RU" sz="1600">
-            <a:latin typeface="Roboto" panose="02000000000000000000" pitchFamily="2" charset="0"/>
-            <a:ea typeface="Roboto" panose="02000000000000000000" pitchFamily="2" charset="0"/>
-            <a:cs typeface="Roboto" panose="02000000000000000000" pitchFamily="2" charset="0"/>
-          </a:endParaRPr>
+          <a:endParaRPr lang="ru-RU" sz="2800"/>
         </a:p>
       </dgm:t>
     </dgm:pt>
-    <dgm:pt modelId="{C9D06331-4684-4EF0-9D54-3DA1784F62C2}" type="sibTrans" cxnId="{025EBE7B-CE63-4832-8BE7-CFA700D746E0}">
+    <dgm:pt modelId="{DA0E7D6D-F788-4295-91CF-A79026B48001}" type="sibTrans" cxnId="{336B0EAB-4B36-49B7-ABF0-40CFD0C546FA}">
       <dgm:prSet/>
       <dgm:spPr/>
       <dgm:t>
         <a:bodyPr/>
         <a:lstStyle/>
         <a:p>
-          <a:pPr>
-            <a:lnSpc>
-              <a:spcPct val="100000"/>
-            </a:lnSpc>
-            <a:spcBef>
-              <a:spcPts val="0"/>
-            </a:spcBef>
-            <a:spcAft>
-              <a:spcPts val="0"/>
-            </a:spcAft>
-          </a:pPr>
-          <a:endParaRPr lang="ru-RU" sz="1600">
-            <a:latin typeface="Roboto" panose="02000000000000000000" pitchFamily="2" charset="0"/>
-            <a:ea typeface="Roboto" panose="02000000000000000000" pitchFamily="2" charset="0"/>
-            <a:cs typeface="Roboto" panose="02000000000000000000" pitchFamily="2" charset="0"/>
-          </a:endParaRPr>
+          <a:endParaRPr lang="ru-RU" sz="2800"/>
         </a:p>
       </dgm:t>
     </dgm:pt>
-    <dgm:pt modelId="{B9F618EC-1C10-4EC2-9773-64E3367A7B6A}">
+    <dgm:pt modelId="{7F64E64F-AEFD-4DC9-A4F9-3A380E17D296}">
       <dgm:prSet phldrT="[Текст]" custT="1"/>
       <dgm:spPr>
         <a:solidFill>
-          <a:srgbClr val="F9D8D1">
-            <a:alpha val="90000"/>
-          </a:srgbClr>
+          <a:srgbClr val="FF9933"/>
         </a:solidFill>
-        <a:ln>
-          <a:noFill/>
-        </a:ln>
       </dgm:spPr>
       <dgm:t>
         <a:bodyPr/>
         <a:lstStyle/>
         <a:p>
-          <a:pPr marL="0" indent="0">
-            <a:lnSpc>
-              <a:spcPct val="100000"/>
-            </a:lnSpc>
-            <a:spcBef>
-              <a:spcPts val="0"/>
-            </a:spcBef>
-            <a:spcAft>
-              <a:spcPts val="0"/>
-            </a:spcAft>
-            <a:buNone/>
-          </a:pPr>
           <a:r>
-            <a:rPr lang="ru-RU" sz="1600" dirty="0">
-              <a:latin typeface="Roboto" panose="02000000000000000000" pitchFamily="2" charset="0"/>
-              <a:ea typeface="Roboto" panose="02000000000000000000" pitchFamily="2" charset="0"/>
-              <a:cs typeface="Roboto" panose="02000000000000000000" pitchFamily="2" charset="0"/>
-            </a:rPr>
-            <a:t>Возможность фильтрования данных по критериям</a:t>
+            <a:rPr lang="ru-RU" sz="2800" dirty="0"/>
+            <a:t>Поиск</a:t>
           </a:r>
         </a:p>
       </dgm:t>
     </dgm:pt>
-    <dgm:pt modelId="{24199DD5-6F12-4FA6-AD5A-49C36258FCEC}" type="parTrans" cxnId="{35FF419F-7379-4C79-9CAC-C1739BB7A4DF}">
+    <dgm:pt modelId="{62099C12-6A6C-4086-8940-4C222ACD301C}" type="parTrans" cxnId="{248C4463-8CB9-45B0-A226-119747024528}">
       <dgm:prSet/>
       <dgm:spPr/>
       <dgm:t>
         <a:bodyPr/>
         <a:lstStyle/>
         <a:p>
-          <a:pPr>
-            <a:lnSpc>
-              <a:spcPct val="100000"/>
-            </a:lnSpc>
-            <a:spcBef>
-              <a:spcPts val="0"/>
-            </a:spcBef>
-            <a:spcAft>
-              <a:spcPts val="0"/>
-            </a:spcAft>
-          </a:pPr>
-          <a:endParaRPr lang="ru-RU" sz="1600">
-            <a:latin typeface="Roboto" panose="02000000000000000000" pitchFamily="2" charset="0"/>
-            <a:ea typeface="Roboto" panose="02000000000000000000" pitchFamily="2" charset="0"/>
-            <a:cs typeface="Roboto" panose="02000000000000000000" pitchFamily="2" charset="0"/>
-          </a:endParaRPr>
+          <a:endParaRPr lang="ru-RU" sz="2800"/>
         </a:p>
       </dgm:t>
     </dgm:pt>
-    <dgm:pt modelId="{881BFB4C-8AB8-4334-A549-E1B36EABE3D8}" type="sibTrans" cxnId="{35FF419F-7379-4C79-9CAC-C1739BB7A4DF}">
+    <dgm:pt modelId="{D6A67F0E-BF3D-45A3-A041-71C19CBC5AB8}" type="sibTrans" cxnId="{248C4463-8CB9-45B0-A226-119747024528}">
       <dgm:prSet/>
       <dgm:spPr/>
       <dgm:t>
         <a:bodyPr/>
         <a:lstStyle/>
         <a:p>
-          <a:pPr>
-            <a:lnSpc>
-              <a:spcPct val="100000"/>
-            </a:lnSpc>
-            <a:spcBef>
-              <a:spcPts val="0"/>
-            </a:spcBef>
-            <a:spcAft>
-              <a:spcPts val="0"/>
-            </a:spcAft>
-          </a:pPr>
-          <a:endParaRPr lang="ru-RU" sz="1600">
-            <a:latin typeface="Roboto" panose="02000000000000000000" pitchFamily="2" charset="0"/>
-            <a:ea typeface="Roboto" panose="02000000000000000000" pitchFamily="2" charset="0"/>
-            <a:cs typeface="Roboto" panose="02000000000000000000" pitchFamily="2" charset="0"/>
-          </a:endParaRPr>
+          <a:endParaRPr lang="ru-RU" sz="2800"/>
         </a:p>
       </dgm:t>
     </dgm:pt>
-    <dgm:pt modelId="{3893A901-B1AC-4D3D-9537-CBFCDF2BFEA4}">
+    <dgm:pt modelId="{7B64759E-8DD5-4C4F-9A73-FECDED52DEE5}">
       <dgm:prSet phldrT="[Текст]" custT="1"/>
       <dgm:spPr>
         <a:solidFill>
           <a:srgbClr val="FF9933"/>
         </a:solidFill>
-        <a:ln>
-          <a:noFill/>
-        </a:ln>
       </dgm:spPr>
       <dgm:t>
         <a:bodyPr/>
         <a:lstStyle/>
         <a:p>
-          <a:pPr>
-            <a:lnSpc>
-              <a:spcPct val="100000"/>
-            </a:lnSpc>
-            <a:spcBef>
-              <a:spcPts val="0"/>
-            </a:spcBef>
-            <a:spcAft>
-              <a:spcPts val="0"/>
-            </a:spcAft>
-          </a:pPr>
           <a:r>
-            <a:rPr lang="ru-RU" sz="1600" dirty="0">
-              <a:latin typeface="Roboto" panose="02000000000000000000" pitchFamily="2" charset="0"/>
-              <a:ea typeface="Roboto" panose="02000000000000000000" pitchFamily="2" charset="0"/>
-              <a:cs typeface="Roboto" panose="02000000000000000000" pitchFamily="2" charset="0"/>
-            </a:rPr>
-            <a:t>Удаление</a:t>
+            <a:rPr lang="ru-RU" sz="2800" dirty="0"/>
+            <a:t>Сортировка</a:t>
           </a:r>
         </a:p>
       </dgm:t>
     </dgm:pt>
-    <dgm:pt modelId="{AE3EC05F-18AC-4E33-B992-6FF91E600206}" type="parTrans" cxnId="{808279B8-9037-469A-B539-A0D30E019825}">
+    <dgm:pt modelId="{C36CBE77-70A7-45B7-B2AE-A58AE0064E91}" type="parTrans" cxnId="{6A80D76D-E295-4768-A3A2-116C25225B22}">
       <dgm:prSet/>
       <dgm:spPr/>
       <dgm:t>
         <a:bodyPr/>
         <a:lstStyle/>
         <a:p>
-          <a:pPr>
-            <a:lnSpc>
-              <a:spcPct val="100000"/>
-            </a:lnSpc>
-            <a:spcBef>
-              <a:spcPts val="0"/>
-            </a:spcBef>
-            <a:spcAft>
-              <a:spcPts val="0"/>
-            </a:spcAft>
-          </a:pPr>
-          <a:endParaRPr lang="ru-RU" sz="1600">
-            <a:latin typeface="Roboto" panose="02000000000000000000" pitchFamily="2" charset="0"/>
-            <a:ea typeface="Roboto" panose="02000000000000000000" pitchFamily="2" charset="0"/>
-            <a:cs typeface="Roboto" panose="02000000000000000000" pitchFamily="2" charset="0"/>
-          </a:endParaRPr>
+          <a:endParaRPr lang="ru-RU" sz="2800"/>
         </a:p>
       </dgm:t>
     </dgm:pt>
-    <dgm:pt modelId="{DEF9784A-51A2-40AB-911E-025141CBA0A9}" type="sibTrans" cxnId="{808279B8-9037-469A-B539-A0D30E019825}">
+    <dgm:pt modelId="{589AD04A-C55E-4E47-8477-569FB1723ED1}" type="sibTrans" cxnId="{6A80D76D-E295-4768-A3A2-116C25225B22}">
       <dgm:prSet/>
       <dgm:spPr/>
       <dgm:t>
         <a:bodyPr/>
         <a:lstStyle/>
         <a:p>
-          <a:pPr>
-            <a:lnSpc>
-              <a:spcPct val="100000"/>
-            </a:lnSpc>
-            <a:spcBef>
-              <a:spcPts val="0"/>
-            </a:spcBef>
-            <a:spcAft>
-              <a:spcPts val="0"/>
-            </a:spcAft>
-          </a:pPr>
-          <a:endParaRPr lang="ru-RU" sz="1600">
-            <a:latin typeface="Roboto" panose="02000000000000000000" pitchFamily="2" charset="0"/>
-            <a:ea typeface="Roboto" panose="02000000000000000000" pitchFamily="2" charset="0"/>
-            <a:cs typeface="Roboto" panose="02000000000000000000" pitchFamily="2" charset="0"/>
-          </a:endParaRPr>
+          <a:endParaRPr lang="ru-RU" sz="2800"/>
         </a:p>
       </dgm:t>
     </dgm:pt>
-    <dgm:pt modelId="{AE85D0E5-D5E9-4354-9DAF-671E9A84F72B}">
+    <dgm:pt modelId="{BFA25E0A-7AC8-4BDE-B79B-9CFCD8FFCC86}">
       <dgm:prSet phldrT="[Текст]" custT="1"/>
       <dgm:spPr>
         <a:solidFill>
           <a:srgbClr val="FF9933"/>
         </a:solidFill>
-        <a:ln>
-          <a:noFill/>
-        </a:ln>
       </dgm:spPr>
       <dgm:t>
         <a:bodyPr/>
         <a:lstStyle/>
         <a:p>
-          <a:pPr>
-            <a:lnSpc>
-              <a:spcPct val="100000"/>
-            </a:lnSpc>
-            <a:spcBef>
-              <a:spcPts val="0"/>
-            </a:spcBef>
-            <a:spcAft>
-              <a:spcPts val="0"/>
-            </a:spcAft>
-          </a:pPr>
           <a:r>
-            <a:rPr lang="ru-RU" sz="1600" dirty="0">
-              <a:latin typeface="Roboto" panose="02000000000000000000" pitchFamily="2" charset="0"/>
-              <a:ea typeface="Roboto" panose="02000000000000000000" pitchFamily="2" charset="0"/>
-              <a:cs typeface="Roboto" panose="02000000000000000000" pitchFamily="2" charset="0"/>
-            </a:rPr>
-            <a:t>Поиск</a:t>
+            <a:rPr lang="ru-RU" sz="2400" dirty="0"/>
+            <a:t>Автоматический подсчет</a:t>
           </a:r>
         </a:p>
       </dgm:t>
     </dgm:pt>
-    <dgm:pt modelId="{EAC1865E-BA28-442F-AA4C-D57F43A9D8F0}" type="parTrans" cxnId="{F8580921-6FE4-4A5F-9815-F91AF1C1865F}">
+    <dgm:pt modelId="{093A8FBD-C69C-4E17-AFAF-77D17816CC1B}" type="parTrans" cxnId="{18D2D6A5-3347-4931-BC24-ECB45BE0257A}">
       <dgm:prSet/>
       <dgm:spPr/>
       <dgm:t>
         <a:bodyPr/>
         <a:lstStyle/>
         <a:p>
-          <a:pPr>
-            <a:lnSpc>
-              <a:spcPct val="100000"/>
-            </a:lnSpc>
-            <a:spcBef>
-              <a:spcPts val="0"/>
-            </a:spcBef>
-            <a:spcAft>
-              <a:spcPts val="0"/>
-            </a:spcAft>
-          </a:pPr>
-          <a:endParaRPr lang="ru-RU" sz="1600">
-            <a:latin typeface="Roboto" panose="02000000000000000000" pitchFamily="2" charset="0"/>
-            <a:ea typeface="Roboto" panose="02000000000000000000" pitchFamily="2" charset="0"/>
-            <a:cs typeface="Roboto" panose="02000000000000000000" pitchFamily="2" charset="0"/>
-          </a:endParaRPr>
+          <a:endParaRPr lang="ru-RU" sz="2800"/>
         </a:p>
       </dgm:t>
     </dgm:pt>
-    <dgm:pt modelId="{4A2683C8-D566-4FAD-BDD9-7FD72BC60D09}" type="sibTrans" cxnId="{F8580921-6FE4-4A5F-9815-F91AF1C1865F}">
+    <dgm:pt modelId="{23294921-10A8-4837-B5F3-A36252C1EEAA}" type="sibTrans" cxnId="{18D2D6A5-3347-4931-BC24-ECB45BE0257A}">
       <dgm:prSet/>
       <dgm:spPr/>
       <dgm:t>
         <a:bodyPr/>
         <a:lstStyle/>
         <a:p>
-          <a:pPr>
-            <a:lnSpc>
-              <a:spcPct val="100000"/>
-            </a:lnSpc>
-            <a:spcBef>
-              <a:spcPts val="0"/>
-            </a:spcBef>
-            <a:spcAft>
-              <a:spcPts val="0"/>
-            </a:spcAft>
-          </a:pPr>
-          <a:endParaRPr lang="ru-RU" sz="1600">
-            <a:latin typeface="Roboto" panose="02000000000000000000" pitchFamily="2" charset="0"/>
-            <a:ea typeface="Roboto" panose="02000000000000000000" pitchFamily="2" charset="0"/>
-            <a:cs typeface="Roboto" panose="02000000000000000000" pitchFamily="2" charset="0"/>
-          </a:endParaRPr>
+          <a:endParaRPr lang="ru-RU" sz="2800"/>
         </a:p>
       </dgm:t>
     </dgm:pt>
-    <dgm:pt modelId="{9E46B0D9-5C90-494A-9BF0-C6BEC0C2B437}">
+    <dgm:pt modelId="{2E9E3097-0DBC-4AE5-83A8-F0CE18700DC1}">
       <dgm:prSet phldrT="[Текст]" custT="1"/>
       <dgm:spPr>
-        <a:ln>
-          <a:noFill/>
-        </a:ln>
+        <a:solidFill>
+          <a:srgbClr val="FF9933"/>
+        </a:solidFill>
       </dgm:spPr>
       <dgm:t>
         <a:bodyPr/>
         <a:lstStyle/>
         <a:p>
-          <a:pPr marL="0" lvl="1" indent="0" algn="l" defTabSz="444500">
-            <a:lnSpc>
-              <a:spcPct val="100000"/>
-            </a:lnSpc>
-            <a:spcBef>
-              <a:spcPts val="0"/>
-            </a:spcBef>
-            <a:spcAft>
-              <a:spcPts val="0"/>
-            </a:spcAft>
-            <a:buNone/>
-          </a:pPr>
           <a:r>
-            <a:rPr lang="ru-RU" sz="1600" kern="1200" dirty="0">
-              <a:solidFill>
-                <a:srgbClr val="4D4D4D">
-                  <a:hueOff val="0"/>
-                  <a:satOff val="0"/>
-                  <a:lumOff val="0"/>
-                  <a:alphaOff val="0"/>
-                </a:srgbClr>
-              </a:solidFill>
-              <a:latin typeface="Roboto" panose="02000000000000000000" pitchFamily="2" charset="0"/>
-              <a:ea typeface="Roboto" panose="02000000000000000000" pitchFamily="2" charset="0"/>
-              <a:cs typeface="Roboto" panose="02000000000000000000" pitchFamily="2" charset="0"/>
-            </a:rPr>
-            <a:t>Возможность изменения имеющихся данных</a:t>
+            <a:rPr lang="ru-RU" sz="2800" dirty="0"/>
+            <a:t>Фильтрация</a:t>
           </a:r>
         </a:p>
       </dgm:t>
     </dgm:pt>
-    <dgm:pt modelId="{068AC4F2-DB49-4877-A07A-651D77F4F334}" type="parTrans" cxnId="{C3BE20D9-A4B2-4C3B-98C5-D8202C650EAD}">
+    <dgm:pt modelId="{421BAAF6-473D-4534-84E5-1D0B17C79D99}" type="parTrans" cxnId="{D256F0C7-CF9B-4BBF-861A-CC27B356CB2B}">
       <dgm:prSet/>
       <dgm:spPr/>
       <dgm:t>
         <a:bodyPr/>
         <a:lstStyle/>
         <a:p>
-          <a:pPr>
-            <a:lnSpc>
-              <a:spcPct val="100000"/>
-            </a:lnSpc>
-            <a:spcBef>
-              <a:spcPts val="0"/>
-            </a:spcBef>
-            <a:spcAft>
-              <a:spcPts val="0"/>
-            </a:spcAft>
-          </a:pPr>
-          <a:endParaRPr lang="ru-RU" sz="1600">
-            <a:latin typeface="Roboto" panose="02000000000000000000" pitchFamily="2" charset="0"/>
-            <a:ea typeface="Roboto" panose="02000000000000000000" pitchFamily="2" charset="0"/>
-            <a:cs typeface="Roboto" panose="02000000000000000000" pitchFamily="2" charset="0"/>
-          </a:endParaRPr>
+          <a:endParaRPr lang="ru-RU" sz="2800"/>
         </a:p>
       </dgm:t>
     </dgm:pt>
-    <dgm:pt modelId="{0C974C7B-DBD4-4CDE-B121-B976EB114475}" type="sibTrans" cxnId="{C3BE20D9-A4B2-4C3B-98C5-D8202C650EAD}">
+    <dgm:pt modelId="{C0E99E7C-52EE-4FCC-A2F9-DF478858673A}" type="sibTrans" cxnId="{D256F0C7-CF9B-4BBF-861A-CC27B356CB2B}">
       <dgm:prSet/>
       <dgm:spPr/>
       <dgm:t>
         <a:bodyPr/>
         <a:lstStyle/>
         <a:p>
-          <a:pPr>
-            <a:lnSpc>
-              <a:spcPct val="100000"/>
-            </a:lnSpc>
-            <a:spcBef>
-              <a:spcPts val="0"/>
-            </a:spcBef>
-            <a:spcAft>
-              <a:spcPts val="0"/>
-            </a:spcAft>
-          </a:pPr>
-          <a:endParaRPr lang="ru-RU" sz="1600">
-            <a:latin typeface="Roboto" panose="02000000000000000000" pitchFamily="2" charset="0"/>
-            <a:ea typeface="Roboto" panose="02000000000000000000" pitchFamily="2" charset="0"/>
-            <a:cs typeface="Roboto" panose="02000000000000000000" pitchFamily="2" charset="0"/>
-          </a:endParaRPr>
+          <a:endParaRPr lang="ru-RU" sz="2800"/>
         </a:p>
       </dgm:t>
     </dgm:pt>
-    <dgm:pt modelId="{B2D0135D-F1A2-4360-B48A-1BC681DD5B6A}">
+    <dgm:pt modelId="{438DDA95-2BE2-43FE-A730-9C51B04ADFF7}">
       <dgm:prSet phldrT="[Текст]" custT="1"/>
       <dgm:spPr>
-        <a:ln>
-          <a:noFill/>
-        </a:ln>
+        <a:solidFill>
+          <a:srgbClr val="FF9933"/>
+        </a:solidFill>
       </dgm:spPr>
       <dgm:t>
         <a:bodyPr/>
         <a:lstStyle/>
         <a:p>
-          <a:pPr marL="0" indent="0">
-            <a:lnSpc>
-              <a:spcPct val="100000"/>
-            </a:lnSpc>
-            <a:spcBef>
-              <a:spcPts val="0"/>
-            </a:spcBef>
-            <a:spcAft>
-              <a:spcPts val="0"/>
-            </a:spcAft>
-            <a:buNone/>
-          </a:pPr>
           <a:r>
-            <a:rPr lang="ru-RU" sz="1600" dirty="0">
-              <a:latin typeface="Roboto" panose="02000000000000000000" pitchFamily="2" charset="0"/>
-              <a:ea typeface="Roboto" panose="02000000000000000000" pitchFamily="2" charset="0"/>
-              <a:cs typeface="Roboto" panose="02000000000000000000" pitchFamily="2" charset="0"/>
-            </a:rPr>
-            <a:t>Возможность поиска данных по ключевым словам</a:t>
+            <a:rPr lang="ru-RU" sz="2500" dirty="0"/>
+            <a:t>Формирование отчета</a:t>
           </a:r>
         </a:p>
       </dgm:t>
     </dgm:pt>
-    <dgm:pt modelId="{7307BD36-A6BB-416E-8BA2-57C18BE9A607}" type="parTrans" cxnId="{3D7E6D7C-D54B-4617-B00F-DF6A0EC81618}">
+    <dgm:pt modelId="{2DF98103-1C2C-44E1-8097-B01DA9E31776}" type="parTrans" cxnId="{5B01C846-2E65-4642-A8A0-ED3D128F5529}">
       <dgm:prSet/>
       <dgm:spPr/>
       <dgm:t>
         <a:bodyPr/>
         <a:lstStyle/>
         <a:p>
-          <a:pPr>
-            <a:lnSpc>
-              <a:spcPct val="100000"/>
-            </a:lnSpc>
-            <a:spcBef>
-              <a:spcPts val="0"/>
-            </a:spcBef>
-            <a:spcAft>
-              <a:spcPts val="0"/>
-            </a:spcAft>
-          </a:pPr>
-          <a:endParaRPr lang="ru-RU" sz="1600">
-            <a:latin typeface="Roboto" panose="02000000000000000000" pitchFamily="2" charset="0"/>
-            <a:ea typeface="Roboto" panose="02000000000000000000" pitchFamily="2" charset="0"/>
-            <a:cs typeface="Roboto" panose="02000000000000000000" pitchFamily="2" charset="0"/>
-          </a:endParaRPr>
+          <a:endParaRPr lang="ru-RU" sz="2800"/>
         </a:p>
       </dgm:t>
     </dgm:pt>
-    <dgm:pt modelId="{1CFB4E1D-3DF2-4E2B-9156-BB4C330CF2FC}" type="sibTrans" cxnId="{3D7E6D7C-D54B-4617-B00F-DF6A0EC81618}">
+    <dgm:pt modelId="{B90224A2-0D58-480D-83BC-ECC88CFB355A}" type="sibTrans" cxnId="{5B01C846-2E65-4642-A8A0-ED3D128F5529}">
       <dgm:prSet/>
       <dgm:spPr/>
       <dgm:t>
         <a:bodyPr/>
         <a:lstStyle/>
         <a:p>
-          <a:pPr>
-            <a:lnSpc>
-              <a:spcPct val="100000"/>
-            </a:lnSpc>
-            <a:spcBef>
-              <a:spcPts val="0"/>
-            </a:spcBef>
-            <a:spcAft>
-              <a:spcPts val="0"/>
-            </a:spcAft>
-          </a:pPr>
-          <a:endParaRPr lang="ru-RU" sz="1600">
-            <a:latin typeface="Roboto" panose="02000000000000000000" pitchFamily="2" charset="0"/>
-            <a:ea typeface="Roboto" panose="02000000000000000000" pitchFamily="2" charset="0"/>
-            <a:cs typeface="Roboto" panose="02000000000000000000" pitchFamily="2" charset="0"/>
-          </a:endParaRPr>
+          <a:endParaRPr lang="ru-RU" sz="2800"/>
         </a:p>
       </dgm:t>
     </dgm:pt>
-    <dgm:pt modelId="{7576158F-1545-47E5-8877-188AE42F382F}">
-      <dgm:prSet phldrT="[Текст]" custT="1"/>
-      <dgm:spPr>
-        <a:solidFill>
-          <a:srgbClr val="F9D8D1">
-            <a:alpha val="90000"/>
-          </a:srgbClr>
-        </a:solidFill>
-        <a:ln>
-          <a:noFill/>
-        </a:ln>
-      </dgm:spPr>
-      <dgm:t>
-        <a:bodyPr/>
-        <a:lstStyle/>
-        <a:p>
-          <a:pPr marL="0" indent="0">
-            <a:lnSpc>
-              <a:spcPct val="100000"/>
-            </a:lnSpc>
-            <a:spcBef>
-              <a:spcPts val="0"/>
-            </a:spcBef>
-            <a:spcAft>
-              <a:spcPts val="0"/>
-            </a:spcAft>
-            <a:buNone/>
-          </a:pPr>
-          <a:r>
-            <a:rPr lang="ru-RU" sz="1600" dirty="0">
-              <a:latin typeface="Roboto" panose="02000000000000000000" pitchFamily="2" charset="0"/>
-              <a:ea typeface="Roboto" panose="02000000000000000000" pitchFamily="2" charset="0"/>
-              <a:cs typeface="Roboto" panose="02000000000000000000" pitchFamily="2" charset="0"/>
-            </a:rPr>
-            <a:t>Возможность сортирования данных по критерию</a:t>
-          </a:r>
-        </a:p>
-      </dgm:t>
-    </dgm:pt>
-    <dgm:pt modelId="{FE4259F8-1BC9-4C61-89F3-49CFDADEB3B9}" type="parTrans" cxnId="{F47D7EBE-DEDA-477F-944E-420B5EDCB644}">
-      <dgm:prSet/>
-      <dgm:spPr/>
-      <dgm:t>
-        <a:bodyPr/>
-        <a:lstStyle/>
-        <a:p>
-          <a:pPr>
-            <a:lnSpc>
-              <a:spcPct val="100000"/>
-            </a:lnSpc>
-            <a:spcBef>
-              <a:spcPts val="0"/>
-            </a:spcBef>
-            <a:spcAft>
-              <a:spcPts val="0"/>
-            </a:spcAft>
-          </a:pPr>
-          <a:endParaRPr lang="ru-RU" sz="1600">
-            <a:latin typeface="Roboto" panose="02000000000000000000" pitchFamily="2" charset="0"/>
-            <a:ea typeface="Roboto" panose="02000000000000000000" pitchFamily="2" charset="0"/>
-            <a:cs typeface="Roboto" panose="02000000000000000000" pitchFamily="2" charset="0"/>
-          </a:endParaRPr>
-        </a:p>
-      </dgm:t>
-    </dgm:pt>
-    <dgm:pt modelId="{FB5D5F96-9DE6-4253-9F4B-98B3A5937D16}" type="sibTrans" cxnId="{F47D7EBE-DEDA-477F-944E-420B5EDCB644}">
-      <dgm:prSet/>
-      <dgm:spPr/>
-      <dgm:t>
-        <a:bodyPr/>
-        <a:lstStyle/>
-        <a:p>
-          <a:pPr>
-            <a:lnSpc>
-              <a:spcPct val="100000"/>
-            </a:lnSpc>
-            <a:spcBef>
-              <a:spcPts val="0"/>
-            </a:spcBef>
-            <a:spcAft>
-              <a:spcPts val="0"/>
-            </a:spcAft>
-          </a:pPr>
-          <a:endParaRPr lang="ru-RU" sz="1600">
-            <a:latin typeface="Roboto" panose="02000000000000000000" pitchFamily="2" charset="0"/>
-            <a:ea typeface="Roboto" panose="02000000000000000000" pitchFamily="2" charset="0"/>
-            <a:cs typeface="Roboto" panose="02000000000000000000" pitchFamily="2" charset="0"/>
-          </a:endParaRPr>
-        </a:p>
-      </dgm:t>
-    </dgm:pt>
-    <dgm:pt modelId="{14ECF912-1538-4CD0-886F-D64ABA8F2779}">
-      <dgm:prSet phldrT="[Текст]" custT="1"/>
-      <dgm:spPr>
-        <a:solidFill>
-          <a:srgbClr val="FF9933"/>
-        </a:solidFill>
-        <a:ln>
-          <a:noFill/>
-        </a:ln>
-      </dgm:spPr>
-      <dgm:t>
-        <a:bodyPr/>
-        <a:lstStyle/>
-        <a:p>
-          <a:pPr>
-            <a:lnSpc>
-              <a:spcPct val="100000"/>
-            </a:lnSpc>
-            <a:spcBef>
-              <a:spcPts val="0"/>
-            </a:spcBef>
-            <a:spcAft>
-              <a:spcPts val="0"/>
-            </a:spcAft>
-          </a:pPr>
-          <a:r>
-            <a:rPr lang="ru-RU" sz="1600" dirty="0">
-              <a:latin typeface="Roboto" panose="02000000000000000000" pitchFamily="2" charset="0"/>
-              <a:ea typeface="Roboto" panose="02000000000000000000" pitchFamily="2" charset="0"/>
-              <a:cs typeface="Roboto" panose="02000000000000000000" pitchFamily="2" charset="0"/>
-            </a:rPr>
-            <a:t>Сортировка</a:t>
-          </a:r>
-        </a:p>
-      </dgm:t>
-    </dgm:pt>
-    <dgm:pt modelId="{BC0210F0-46B4-41BF-992C-3916B7332C9B}" type="parTrans" cxnId="{BC732001-9C2D-4165-8F40-69CBC98E02E6}">
-      <dgm:prSet/>
-      <dgm:spPr/>
-      <dgm:t>
-        <a:bodyPr/>
-        <a:lstStyle/>
-        <a:p>
-          <a:pPr>
-            <a:lnSpc>
-              <a:spcPct val="100000"/>
-            </a:lnSpc>
-            <a:spcBef>
-              <a:spcPts val="0"/>
-            </a:spcBef>
-            <a:spcAft>
-              <a:spcPts val="0"/>
-            </a:spcAft>
-          </a:pPr>
-          <a:endParaRPr lang="ru-RU" sz="1600">
-            <a:latin typeface="Roboto" panose="02000000000000000000" pitchFamily="2" charset="0"/>
-            <a:ea typeface="Roboto" panose="02000000000000000000" pitchFamily="2" charset="0"/>
-            <a:cs typeface="Roboto" panose="02000000000000000000" pitchFamily="2" charset="0"/>
-          </a:endParaRPr>
-        </a:p>
-      </dgm:t>
-    </dgm:pt>
-    <dgm:pt modelId="{EA7C1027-5BAC-4D10-98D4-B9A0A86618E2}" type="sibTrans" cxnId="{BC732001-9C2D-4165-8F40-69CBC98E02E6}">
-      <dgm:prSet/>
-      <dgm:spPr/>
-      <dgm:t>
-        <a:bodyPr/>
-        <a:lstStyle/>
-        <a:p>
-          <a:pPr>
-            <a:lnSpc>
-              <a:spcPct val="100000"/>
-            </a:lnSpc>
-            <a:spcBef>
-              <a:spcPts val="0"/>
-            </a:spcBef>
-            <a:spcAft>
-              <a:spcPts val="0"/>
-            </a:spcAft>
-          </a:pPr>
-          <a:endParaRPr lang="ru-RU" sz="1600">
-            <a:latin typeface="Roboto" panose="02000000000000000000" pitchFamily="2" charset="0"/>
-            <a:ea typeface="Roboto" panose="02000000000000000000" pitchFamily="2" charset="0"/>
-            <a:cs typeface="Roboto" panose="02000000000000000000" pitchFamily="2" charset="0"/>
-          </a:endParaRPr>
-        </a:p>
-      </dgm:t>
-    </dgm:pt>
-    <dgm:pt modelId="{07B3BADB-6FB2-4B73-9395-39A42CC5C546}">
-      <dgm:prSet phldrT="[Текст]" custT="1"/>
-      <dgm:spPr>
-        <a:solidFill>
-          <a:srgbClr val="FF9933"/>
-        </a:solidFill>
-        <a:ln>
-          <a:noFill/>
-        </a:ln>
-      </dgm:spPr>
-      <dgm:t>
-        <a:bodyPr/>
-        <a:lstStyle/>
-        <a:p>
-          <a:pPr>
-            <a:lnSpc>
-              <a:spcPct val="100000"/>
-            </a:lnSpc>
-            <a:spcBef>
-              <a:spcPts val="0"/>
-            </a:spcBef>
-            <a:spcAft>
-              <a:spcPts val="0"/>
-            </a:spcAft>
-          </a:pPr>
-          <a:r>
-            <a:rPr lang="ru-RU" sz="1600" dirty="0">
-              <a:latin typeface="Roboto" panose="02000000000000000000" pitchFamily="2" charset="0"/>
-              <a:ea typeface="Roboto" panose="02000000000000000000" pitchFamily="2" charset="0"/>
-              <a:cs typeface="Roboto" panose="02000000000000000000" pitchFamily="2" charset="0"/>
-            </a:rPr>
-            <a:t>Фильтрация</a:t>
-          </a:r>
-        </a:p>
-      </dgm:t>
-    </dgm:pt>
-    <dgm:pt modelId="{C1572E02-ABFA-4CDA-9CE1-2922445467C6}" type="parTrans" cxnId="{3A86FC17-ED19-46E4-9DC9-85D11E9E86AE}">
-      <dgm:prSet/>
-      <dgm:spPr/>
-      <dgm:t>
-        <a:bodyPr/>
-        <a:lstStyle/>
-        <a:p>
-          <a:pPr>
-            <a:lnSpc>
-              <a:spcPct val="100000"/>
-            </a:lnSpc>
-            <a:spcBef>
-              <a:spcPts val="0"/>
-            </a:spcBef>
-            <a:spcAft>
-              <a:spcPts val="0"/>
-            </a:spcAft>
-          </a:pPr>
-          <a:endParaRPr lang="ru-RU" sz="1600">
-            <a:latin typeface="Roboto" panose="02000000000000000000" pitchFamily="2" charset="0"/>
-            <a:ea typeface="Roboto" panose="02000000000000000000" pitchFamily="2" charset="0"/>
-            <a:cs typeface="Roboto" panose="02000000000000000000" pitchFamily="2" charset="0"/>
-          </a:endParaRPr>
-        </a:p>
-      </dgm:t>
-    </dgm:pt>
-    <dgm:pt modelId="{60B231ED-C00D-49F9-B5D9-A50D0A221AF1}" type="sibTrans" cxnId="{3A86FC17-ED19-46E4-9DC9-85D11E9E86AE}">
-      <dgm:prSet/>
-      <dgm:spPr/>
-      <dgm:t>
-        <a:bodyPr/>
-        <a:lstStyle/>
-        <a:p>
-          <a:pPr>
-            <a:lnSpc>
-              <a:spcPct val="100000"/>
-            </a:lnSpc>
-            <a:spcBef>
-              <a:spcPts val="0"/>
-            </a:spcBef>
-            <a:spcAft>
-              <a:spcPts val="0"/>
-            </a:spcAft>
-          </a:pPr>
-          <a:endParaRPr lang="ru-RU" sz="1600">
-            <a:latin typeface="Roboto" panose="02000000000000000000" pitchFamily="2" charset="0"/>
-            <a:ea typeface="Roboto" panose="02000000000000000000" pitchFamily="2" charset="0"/>
-            <a:cs typeface="Roboto" panose="02000000000000000000" pitchFamily="2" charset="0"/>
-          </a:endParaRPr>
-        </a:p>
-      </dgm:t>
-    </dgm:pt>
-    <dgm:pt modelId="{B2019B4E-BA0C-4614-8874-AFD5D37CCD67}">
-      <dgm:prSet phldrT="[Текст]" custT="1"/>
-      <dgm:spPr>
-        <a:ln>
-          <a:noFill/>
-        </a:ln>
-      </dgm:spPr>
-      <dgm:t>
-        <a:bodyPr/>
-        <a:lstStyle/>
-        <a:p>
-          <a:pPr marL="0" indent="0">
-            <a:lnSpc>
-              <a:spcPct val="100000"/>
-            </a:lnSpc>
-            <a:spcBef>
-              <a:spcPts val="0"/>
-            </a:spcBef>
-            <a:spcAft>
-              <a:spcPts val="0"/>
-            </a:spcAft>
-            <a:buNone/>
-          </a:pPr>
-          <a:r>
-            <a:rPr lang="ru-RU" sz="1600" dirty="0">
-              <a:latin typeface="Roboto" panose="02000000000000000000" pitchFamily="2" charset="0"/>
-              <a:ea typeface="Roboto" panose="02000000000000000000" pitchFamily="2" charset="0"/>
-              <a:cs typeface="Roboto" panose="02000000000000000000" pitchFamily="2" charset="0"/>
-            </a:rPr>
-            <a:t>Возможность удаления данных</a:t>
-          </a:r>
-        </a:p>
-      </dgm:t>
-    </dgm:pt>
-    <dgm:pt modelId="{C70D16BC-060E-4D6B-B367-EED5B7E2F3B7}" type="parTrans" cxnId="{4947A782-796D-434A-9127-B0DA44C297A9}">
-      <dgm:prSet/>
-      <dgm:spPr/>
-      <dgm:t>
-        <a:bodyPr/>
-        <a:lstStyle/>
-        <a:p>
-          <a:pPr>
-            <a:lnSpc>
-              <a:spcPct val="100000"/>
-            </a:lnSpc>
-            <a:spcBef>
-              <a:spcPts val="0"/>
-            </a:spcBef>
-            <a:spcAft>
-              <a:spcPts val="0"/>
-            </a:spcAft>
-          </a:pPr>
-          <a:endParaRPr lang="ru-RU" sz="1600">
-            <a:latin typeface="Roboto" panose="02000000000000000000" pitchFamily="2" charset="0"/>
-            <a:ea typeface="Roboto" panose="02000000000000000000" pitchFamily="2" charset="0"/>
-            <a:cs typeface="Roboto" panose="02000000000000000000" pitchFamily="2" charset="0"/>
-          </a:endParaRPr>
-        </a:p>
-      </dgm:t>
-    </dgm:pt>
-    <dgm:pt modelId="{F13D9547-D246-4BD3-A67E-E431D0991FB3}" type="sibTrans" cxnId="{4947A782-796D-434A-9127-B0DA44C297A9}">
-      <dgm:prSet/>
-      <dgm:spPr/>
-      <dgm:t>
-        <a:bodyPr/>
-        <a:lstStyle/>
-        <a:p>
-          <a:pPr>
-            <a:lnSpc>
-              <a:spcPct val="100000"/>
-            </a:lnSpc>
-            <a:spcBef>
-              <a:spcPts val="0"/>
-            </a:spcBef>
-            <a:spcAft>
-              <a:spcPts val="0"/>
-            </a:spcAft>
-          </a:pPr>
-          <a:endParaRPr lang="ru-RU" sz="1600">
-            <a:latin typeface="Roboto" panose="02000000000000000000" pitchFamily="2" charset="0"/>
-            <a:ea typeface="Roboto" panose="02000000000000000000" pitchFamily="2" charset="0"/>
-            <a:cs typeface="Roboto" panose="02000000000000000000" pitchFamily="2" charset="0"/>
-          </a:endParaRPr>
-        </a:p>
-      </dgm:t>
-    </dgm:pt>
-    <dgm:pt modelId="{DF454A0A-7218-4F64-8054-33E8DFBD45D5}">
-      <dgm:prSet custT="1"/>
-      <dgm:spPr>
-        <a:ln>
-          <a:noFill/>
-        </a:ln>
-      </dgm:spPr>
-      <dgm:t>
-        <a:bodyPr/>
-        <a:lstStyle/>
-        <a:p>
-          <a:pPr marL="0" indent="0">
-            <a:lnSpc>
-              <a:spcPct val="100000"/>
-            </a:lnSpc>
-            <a:spcBef>
-              <a:spcPts val="0"/>
-            </a:spcBef>
-            <a:spcAft>
-              <a:spcPts val="0"/>
-            </a:spcAft>
-            <a:buNone/>
-          </a:pPr>
-          <a:endParaRPr lang="ru-RU" sz="1600" dirty="0">
-            <a:latin typeface="Roboto" panose="02000000000000000000" pitchFamily="2" charset="0"/>
-            <a:ea typeface="Roboto" panose="02000000000000000000" pitchFamily="2" charset="0"/>
-            <a:cs typeface="Roboto" panose="02000000000000000000" pitchFamily="2" charset="0"/>
-          </a:endParaRPr>
-        </a:p>
-      </dgm:t>
-    </dgm:pt>
-    <dgm:pt modelId="{E50DE3DB-9508-4D38-80A4-E8E3AC152EC0}" type="parTrans" cxnId="{017C10BD-4CC0-4478-A57F-9108A23D76BB}">
-      <dgm:prSet/>
-      <dgm:spPr/>
-      <dgm:t>
-        <a:bodyPr/>
-        <a:lstStyle/>
-        <a:p>
-          <a:pPr>
-            <a:lnSpc>
-              <a:spcPct val="100000"/>
-            </a:lnSpc>
-            <a:spcBef>
-              <a:spcPts val="0"/>
-            </a:spcBef>
-            <a:spcAft>
-              <a:spcPts val="0"/>
-            </a:spcAft>
-          </a:pPr>
-          <a:endParaRPr lang="ru-RU" sz="1600">
-            <a:latin typeface="Roboto" panose="02000000000000000000" pitchFamily="2" charset="0"/>
-            <a:ea typeface="Roboto" panose="02000000000000000000" pitchFamily="2" charset="0"/>
-            <a:cs typeface="Roboto" panose="02000000000000000000" pitchFamily="2" charset="0"/>
-          </a:endParaRPr>
-        </a:p>
-      </dgm:t>
-    </dgm:pt>
-    <dgm:pt modelId="{FDA68199-CBF6-4D31-B319-ADFF8FCFE218}" type="sibTrans" cxnId="{017C10BD-4CC0-4478-A57F-9108A23D76BB}">
-      <dgm:prSet/>
-      <dgm:spPr/>
-      <dgm:t>
-        <a:bodyPr/>
-        <a:lstStyle/>
-        <a:p>
-          <a:pPr>
-            <a:lnSpc>
-              <a:spcPct val="100000"/>
-            </a:lnSpc>
-            <a:spcBef>
-              <a:spcPts val="0"/>
-            </a:spcBef>
-            <a:spcAft>
-              <a:spcPts val="0"/>
-            </a:spcAft>
-          </a:pPr>
-          <a:endParaRPr lang="ru-RU" sz="1600">
-            <a:latin typeface="Roboto" panose="02000000000000000000" pitchFamily="2" charset="0"/>
-            <a:ea typeface="Roboto" panose="02000000000000000000" pitchFamily="2" charset="0"/>
-            <a:cs typeface="Roboto" panose="02000000000000000000" pitchFamily="2" charset="0"/>
-          </a:endParaRPr>
-        </a:p>
-      </dgm:t>
-    </dgm:pt>
-    <dgm:pt modelId="{8A07EE79-0078-40B0-BFD1-03BFBD015C42}" type="pres">
-      <dgm:prSet presAssocID="{9CE0DD1C-3E78-41E9-A790-6DB7459B5E46}" presName="Name0" presStyleCnt="0">
+    <dgm:pt modelId="{CD378E29-7821-4E63-BFA5-08392A808BAC}" type="pres">
+      <dgm:prSet presAssocID="{B9CF47C3-F3B3-4076-AD64-298787B198DC}" presName="diagram" presStyleCnt="0">
         <dgm:presLayoutVars>
           <dgm:dir/>
-          <dgm:animLvl val="lvl"/>
           <dgm:resizeHandles val="exact"/>
         </dgm:presLayoutVars>
       </dgm:prSet>
       <dgm:spPr/>
     </dgm:pt>
-    <dgm:pt modelId="{921E474E-DF3F-43E2-B59C-38561C172F9F}" type="pres">
-      <dgm:prSet presAssocID="{58BC04E9-5800-4AA6-BA7B-7124297B8AA1}" presName="composite" presStyleCnt="0"/>
-      <dgm:spPr/>
-    </dgm:pt>
-    <dgm:pt modelId="{B638280B-DDD8-4676-B152-07816F45B1BC}" type="pres">
-      <dgm:prSet presAssocID="{58BC04E9-5800-4AA6-BA7B-7124297B8AA1}" presName="parTx" presStyleLbl="alignNode1" presStyleIdx="0" presStyleCnt="6">
-        <dgm:presLayoutVars>
-          <dgm:chMax val="0"/>
-          <dgm:chPref val="0"/>
-          <dgm:bulletEnabled val="1"/>
-        </dgm:presLayoutVars>
-      </dgm:prSet>
-      <dgm:spPr/>
-    </dgm:pt>
-    <dgm:pt modelId="{1B695FA3-1F9C-4AFC-A3A7-04258C474A34}" type="pres">
-      <dgm:prSet presAssocID="{58BC04E9-5800-4AA6-BA7B-7124297B8AA1}" presName="desTx" presStyleLbl="alignAccFollowNode1" presStyleIdx="0" presStyleCnt="6">
+    <dgm:pt modelId="{E269AA8F-8475-4CC2-9CD7-B60F5843B27D}" type="pres">
+      <dgm:prSet presAssocID="{8AE5FC50-E2E4-42AA-B063-DB0AE5B244CE}" presName="node" presStyleLbl="node1" presStyleIdx="0" presStyleCnt="8">
         <dgm:presLayoutVars>
           <dgm:bulletEnabled val="1"/>
         </dgm:presLayoutVars>
       </dgm:prSet>
       <dgm:spPr/>
     </dgm:pt>
-    <dgm:pt modelId="{01CDEDF8-4D9F-4191-8625-325C10B435CB}" type="pres">
-      <dgm:prSet presAssocID="{B7094885-E44D-405A-995E-1649A83FBC0C}" presName="space" presStyleCnt="0"/>
+    <dgm:pt modelId="{54E724F0-60D0-4CE9-9357-814256C97C9C}" type="pres">
+      <dgm:prSet presAssocID="{276E8D0F-A6C2-4506-B74C-81CC46406430}" presName="sibTrans" presStyleCnt="0"/>
       <dgm:spPr/>
     </dgm:pt>
-    <dgm:pt modelId="{8596367C-5791-4E1D-BC5F-7F83123AAF03}" type="pres">
-      <dgm:prSet presAssocID="{2B839337-63AB-43E5-B288-D36C3B25C06B}" presName="composite" presStyleCnt="0"/>
-      <dgm:spPr/>
-    </dgm:pt>
-    <dgm:pt modelId="{536B36E1-3738-438C-87E2-6CCE21B7E3BE}" type="pres">
-      <dgm:prSet presAssocID="{2B839337-63AB-43E5-B288-D36C3B25C06B}" presName="parTx" presStyleLbl="alignNode1" presStyleIdx="1" presStyleCnt="6">
-        <dgm:presLayoutVars>
-          <dgm:chMax val="0"/>
-          <dgm:chPref val="0"/>
-          <dgm:bulletEnabled val="1"/>
-        </dgm:presLayoutVars>
-      </dgm:prSet>
-      <dgm:spPr/>
-    </dgm:pt>
-    <dgm:pt modelId="{FA9DEC27-2D10-4D18-AF78-FB9CB7F2D45C}" type="pres">
-      <dgm:prSet presAssocID="{2B839337-63AB-43E5-B288-D36C3B25C06B}" presName="desTx" presStyleLbl="alignAccFollowNode1" presStyleIdx="1" presStyleCnt="6">
+    <dgm:pt modelId="{0EED200A-54A7-4F54-8CCB-3ACA85418EC5}" type="pres">
+      <dgm:prSet presAssocID="{BFDD6536-CFF6-4302-8AAB-06DC7422C4CD}" presName="node" presStyleLbl="node1" presStyleIdx="1" presStyleCnt="8">
         <dgm:presLayoutVars>
           <dgm:bulletEnabled val="1"/>
         </dgm:presLayoutVars>
       </dgm:prSet>
       <dgm:spPr/>
     </dgm:pt>
-    <dgm:pt modelId="{68A992B3-1680-477E-9BD3-3B5275ED8ECF}" type="pres">
-      <dgm:prSet presAssocID="{C9D06331-4684-4EF0-9D54-3DA1784F62C2}" presName="space" presStyleCnt="0"/>
+    <dgm:pt modelId="{BC1AF722-7CFB-44AC-8B34-A529591951C5}" type="pres">
+      <dgm:prSet presAssocID="{D62AE058-EAFF-4F3E-AD1D-66FF4E23CF45}" presName="sibTrans" presStyleCnt="0"/>
       <dgm:spPr/>
     </dgm:pt>
-    <dgm:pt modelId="{A5E473DC-C3B0-4A83-A3B7-5B2591B4CFC9}" type="pres">
-      <dgm:prSet presAssocID="{3893A901-B1AC-4D3D-9537-CBFCDF2BFEA4}" presName="composite" presStyleCnt="0"/>
-      <dgm:spPr/>
-    </dgm:pt>
-    <dgm:pt modelId="{769B08D7-987A-4C21-BA1D-B363FC3933D8}" type="pres">
-      <dgm:prSet presAssocID="{3893A901-B1AC-4D3D-9537-CBFCDF2BFEA4}" presName="parTx" presStyleLbl="alignNode1" presStyleIdx="2" presStyleCnt="6">
-        <dgm:presLayoutVars>
-          <dgm:chMax val="0"/>
-          <dgm:chPref val="0"/>
-          <dgm:bulletEnabled val="1"/>
-        </dgm:presLayoutVars>
-      </dgm:prSet>
-      <dgm:spPr/>
-    </dgm:pt>
-    <dgm:pt modelId="{3929DDE7-8BF8-45CB-A373-58140828A69C}" type="pres">
-      <dgm:prSet presAssocID="{3893A901-B1AC-4D3D-9537-CBFCDF2BFEA4}" presName="desTx" presStyleLbl="alignAccFollowNode1" presStyleIdx="2" presStyleCnt="6">
+    <dgm:pt modelId="{CE9A5F9F-DA15-47B0-8B5B-783E7296835A}" type="pres">
+      <dgm:prSet presAssocID="{A43F3074-0A4C-400E-BA73-799DAF8357B8}" presName="node" presStyleLbl="node1" presStyleIdx="2" presStyleCnt="8">
         <dgm:presLayoutVars>
           <dgm:bulletEnabled val="1"/>
         </dgm:presLayoutVars>
       </dgm:prSet>
       <dgm:spPr/>
     </dgm:pt>
-    <dgm:pt modelId="{E6BF8AFA-068B-4B85-87A3-10024AE63F27}" type="pres">
-      <dgm:prSet presAssocID="{DEF9784A-51A2-40AB-911E-025141CBA0A9}" presName="space" presStyleCnt="0"/>
+    <dgm:pt modelId="{ADE82F63-FE89-4139-9BDB-E3DFDA8C818F}" type="pres">
+      <dgm:prSet presAssocID="{DA0E7D6D-F788-4295-91CF-A79026B48001}" presName="sibTrans" presStyleCnt="0"/>
       <dgm:spPr/>
     </dgm:pt>
-    <dgm:pt modelId="{1AB0F872-CA3C-4B96-9792-2218EBBABC04}" type="pres">
-      <dgm:prSet presAssocID="{AE85D0E5-D5E9-4354-9DAF-671E9A84F72B}" presName="composite" presStyleCnt="0"/>
-      <dgm:spPr/>
-    </dgm:pt>
-    <dgm:pt modelId="{425EE077-74C2-4863-989E-903BD3C49E79}" type="pres">
-      <dgm:prSet presAssocID="{AE85D0E5-D5E9-4354-9DAF-671E9A84F72B}" presName="parTx" presStyleLbl="alignNode1" presStyleIdx="3" presStyleCnt="6">
-        <dgm:presLayoutVars>
-          <dgm:chMax val="0"/>
-          <dgm:chPref val="0"/>
-          <dgm:bulletEnabled val="1"/>
-        </dgm:presLayoutVars>
-      </dgm:prSet>
-      <dgm:spPr/>
-    </dgm:pt>
-    <dgm:pt modelId="{09A45F08-B745-4F2E-8B50-9A66160CD233}" type="pres">
-      <dgm:prSet presAssocID="{AE85D0E5-D5E9-4354-9DAF-671E9A84F72B}" presName="desTx" presStyleLbl="alignAccFollowNode1" presStyleIdx="3" presStyleCnt="6">
+    <dgm:pt modelId="{110A3CB5-48D1-4982-A32A-749AEC194503}" type="pres">
+      <dgm:prSet presAssocID="{7F64E64F-AEFD-4DC9-A4F9-3A380E17D296}" presName="node" presStyleLbl="node1" presStyleIdx="3" presStyleCnt="8">
         <dgm:presLayoutVars>
           <dgm:bulletEnabled val="1"/>
         </dgm:presLayoutVars>
       </dgm:prSet>
       <dgm:spPr/>
     </dgm:pt>
-    <dgm:pt modelId="{529FC144-1F38-457E-8355-4A16D0659711}" type="pres">
-      <dgm:prSet presAssocID="{4A2683C8-D566-4FAD-BDD9-7FD72BC60D09}" presName="space" presStyleCnt="0"/>
+    <dgm:pt modelId="{8E329A4C-6344-40B1-99AE-6078EEF55551}" type="pres">
+      <dgm:prSet presAssocID="{D6A67F0E-BF3D-45A3-A041-71C19CBC5AB8}" presName="sibTrans" presStyleCnt="0"/>
       <dgm:spPr/>
     </dgm:pt>
-    <dgm:pt modelId="{8379A8CA-E33D-46E6-BA02-6F08EAACD028}" type="pres">
-      <dgm:prSet presAssocID="{14ECF912-1538-4CD0-886F-D64ABA8F2779}" presName="composite" presStyleCnt="0"/>
-      <dgm:spPr/>
-    </dgm:pt>
-    <dgm:pt modelId="{B6360353-E10D-4DE8-8DFB-34495E320BE7}" type="pres">
-      <dgm:prSet presAssocID="{14ECF912-1538-4CD0-886F-D64ABA8F2779}" presName="parTx" presStyleLbl="alignNode1" presStyleIdx="4" presStyleCnt="6">
-        <dgm:presLayoutVars>
-          <dgm:chMax val="0"/>
-          <dgm:chPref val="0"/>
-          <dgm:bulletEnabled val="1"/>
-        </dgm:presLayoutVars>
-      </dgm:prSet>
-      <dgm:spPr/>
-    </dgm:pt>
-    <dgm:pt modelId="{92876A7C-E7EA-46F3-AC06-601C3A35B1DC}" type="pres">
-      <dgm:prSet presAssocID="{14ECF912-1538-4CD0-886F-D64ABA8F2779}" presName="desTx" presStyleLbl="alignAccFollowNode1" presStyleIdx="4" presStyleCnt="6">
+    <dgm:pt modelId="{A1B2C123-A03A-4F09-8954-DAB722ACD22D}" type="pres">
+      <dgm:prSet presAssocID="{7B64759E-8DD5-4C4F-9A73-FECDED52DEE5}" presName="node" presStyleLbl="node1" presStyleIdx="4" presStyleCnt="8">
         <dgm:presLayoutVars>
           <dgm:bulletEnabled val="1"/>
         </dgm:presLayoutVars>
       </dgm:prSet>
       <dgm:spPr/>
     </dgm:pt>
-    <dgm:pt modelId="{D834366A-A909-4895-9A17-E4950186AC62}" type="pres">
-      <dgm:prSet presAssocID="{EA7C1027-5BAC-4D10-98D4-B9A0A86618E2}" presName="space" presStyleCnt="0"/>
+    <dgm:pt modelId="{BB005422-5F1D-4DB1-B025-15A3A4FEC512}" type="pres">
+      <dgm:prSet presAssocID="{589AD04A-C55E-4E47-8477-569FB1723ED1}" presName="sibTrans" presStyleCnt="0"/>
       <dgm:spPr/>
     </dgm:pt>
-    <dgm:pt modelId="{6F0E0480-E4CC-4B4B-A902-09A6595182C0}" type="pres">
-      <dgm:prSet presAssocID="{07B3BADB-6FB2-4B73-9395-39A42CC5C546}" presName="composite" presStyleCnt="0"/>
-      <dgm:spPr/>
-    </dgm:pt>
-    <dgm:pt modelId="{7DE1910B-4301-4261-AF13-326DB917A39B}" type="pres">
-      <dgm:prSet presAssocID="{07B3BADB-6FB2-4B73-9395-39A42CC5C546}" presName="parTx" presStyleLbl="alignNode1" presStyleIdx="5" presStyleCnt="6">
+    <dgm:pt modelId="{8C9B0AEB-D869-4E5D-8D68-7FF878FAAF73}" type="pres">
+      <dgm:prSet presAssocID="{2E9E3097-0DBC-4AE5-83A8-F0CE18700DC1}" presName="node" presStyleLbl="node1" presStyleIdx="5" presStyleCnt="8">
         <dgm:presLayoutVars>
-          <dgm:chMax val="0"/>
-          <dgm:chPref val="0"/>
           <dgm:bulletEnabled val="1"/>
         </dgm:presLayoutVars>
       </dgm:prSet>
       <dgm:spPr/>
     </dgm:pt>
-    <dgm:pt modelId="{F1F7A45A-478D-4255-B9DA-5007A561E6D3}" type="pres">
-      <dgm:prSet presAssocID="{07B3BADB-6FB2-4B73-9395-39A42CC5C546}" presName="desTx" presStyleLbl="alignAccFollowNode1" presStyleIdx="5" presStyleCnt="6">
+    <dgm:pt modelId="{168BF026-2254-4516-B175-18B2B8EB9C50}" type="pres">
+      <dgm:prSet presAssocID="{C0E99E7C-52EE-4FCC-A2F9-DF478858673A}" presName="sibTrans" presStyleCnt="0"/>
+      <dgm:spPr/>
+    </dgm:pt>
+    <dgm:pt modelId="{E1A00944-15CE-425B-84AC-10C745328DBA}" type="pres">
+      <dgm:prSet presAssocID="{BFA25E0A-7AC8-4BDE-B79B-9CFCD8FFCC86}" presName="node" presStyleLbl="node1" presStyleIdx="6" presStyleCnt="8">
+        <dgm:presLayoutVars>
+          <dgm:bulletEnabled val="1"/>
+        </dgm:presLayoutVars>
+      </dgm:prSet>
+      <dgm:spPr/>
+    </dgm:pt>
+    <dgm:pt modelId="{B0DFA2DA-BFB5-49DC-947D-EF4097BE4EF3}" type="pres">
+      <dgm:prSet presAssocID="{23294921-10A8-4837-B5F3-A36252C1EEAA}" presName="sibTrans" presStyleCnt="0"/>
+      <dgm:spPr/>
+    </dgm:pt>
+    <dgm:pt modelId="{1EB7980F-2192-493C-A97F-07AF142FD65A}" type="pres">
+      <dgm:prSet presAssocID="{438DDA95-2BE2-43FE-A730-9C51B04ADFF7}" presName="node" presStyleLbl="node1" presStyleIdx="7" presStyleCnt="8">
         <dgm:presLayoutVars>
           <dgm:bulletEnabled val="1"/>
         </dgm:presLayoutVars>
@@ -4293,56 +3408,38 @@
     </dgm:pt>
   </dgm:ptLst>
   <dgm:cxnLst>
-    <dgm:cxn modelId="{BC732001-9C2D-4165-8F40-69CBC98E02E6}" srcId="{9CE0DD1C-3E78-41E9-A790-6DB7459B5E46}" destId="{14ECF912-1538-4CD0-886F-D64ABA8F2779}" srcOrd="4" destOrd="0" parTransId="{BC0210F0-46B4-41BF-992C-3916B7332C9B}" sibTransId="{EA7C1027-5BAC-4D10-98D4-B9A0A86618E2}"/>
-    <dgm:cxn modelId="{8C6D0B08-617A-4985-8B69-429593B0DCA7}" type="presOf" srcId="{58BC04E9-5800-4AA6-BA7B-7124297B8AA1}" destId="{B638280B-DDD8-4676-B152-07816F45B1BC}" srcOrd="0" destOrd="0" presId="urn:microsoft.com/office/officeart/2005/8/layout/hList1"/>
-    <dgm:cxn modelId="{EF82BA09-042B-45E4-9AF1-1300BAF42894}" type="presOf" srcId="{B9F618EC-1C10-4EC2-9773-64E3367A7B6A}" destId="{F1F7A45A-478D-4255-B9DA-5007A561E6D3}" srcOrd="0" destOrd="0" presId="urn:microsoft.com/office/officeart/2005/8/layout/hList1"/>
-    <dgm:cxn modelId="{C4E19112-4791-4134-A0D4-A289923692B9}" type="presOf" srcId="{DF454A0A-7218-4F64-8054-33E8DFBD45D5}" destId="{3929DDE7-8BF8-45CB-A373-58140828A69C}" srcOrd="0" destOrd="1" presId="urn:microsoft.com/office/officeart/2005/8/layout/hList1"/>
-    <dgm:cxn modelId="{5A292015-9EB7-42DC-8509-ECEDEE1CF381}" type="presOf" srcId="{7576158F-1545-47E5-8877-188AE42F382F}" destId="{92876A7C-E7EA-46F3-AC06-601C3A35B1DC}" srcOrd="0" destOrd="0" presId="urn:microsoft.com/office/officeart/2005/8/layout/hList1"/>
-    <dgm:cxn modelId="{3A86FC17-ED19-46E4-9DC9-85D11E9E86AE}" srcId="{9CE0DD1C-3E78-41E9-A790-6DB7459B5E46}" destId="{07B3BADB-6FB2-4B73-9395-39A42CC5C546}" srcOrd="5" destOrd="0" parTransId="{C1572E02-ABFA-4CDA-9CE1-2922445467C6}" sibTransId="{60B231ED-C00D-49F9-B5D9-A50D0A221AF1}"/>
-    <dgm:cxn modelId="{F8580921-6FE4-4A5F-9815-F91AF1C1865F}" srcId="{9CE0DD1C-3E78-41E9-A790-6DB7459B5E46}" destId="{AE85D0E5-D5E9-4354-9DAF-671E9A84F72B}" srcOrd="3" destOrd="0" parTransId="{EAC1865E-BA28-442F-AA4C-D57F43A9D8F0}" sibTransId="{4A2683C8-D566-4FAD-BDD9-7FD72BC60D09}"/>
-    <dgm:cxn modelId="{54DA512B-F053-4C97-AD32-B250B1A4681B}" type="presOf" srcId="{B2019B4E-BA0C-4614-8874-AFD5D37CCD67}" destId="{3929DDE7-8BF8-45CB-A373-58140828A69C}" srcOrd="0" destOrd="0" presId="urn:microsoft.com/office/officeart/2005/8/layout/hList1"/>
-    <dgm:cxn modelId="{7DB9452E-A854-4EB7-A4D4-A2B7AA7679C9}" type="presOf" srcId="{B2D0135D-F1A2-4360-B48A-1BC681DD5B6A}" destId="{09A45F08-B745-4F2E-8B50-9A66160CD233}" srcOrd="0" destOrd="0" presId="urn:microsoft.com/office/officeart/2005/8/layout/hList1"/>
-    <dgm:cxn modelId="{211BD76B-93C2-4BD6-A82C-325847FE2D71}" type="presOf" srcId="{9CE0DD1C-3E78-41E9-A790-6DB7459B5E46}" destId="{8A07EE79-0078-40B0-BFD1-03BFBD015C42}" srcOrd="0" destOrd="0" presId="urn:microsoft.com/office/officeart/2005/8/layout/hList1"/>
-    <dgm:cxn modelId="{23B95B4C-EE69-474D-BEFB-29444838FA56}" type="presOf" srcId="{AE85D0E5-D5E9-4354-9DAF-671E9A84F72B}" destId="{425EE077-74C2-4863-989E-903BD3C49E79}" srcOrd="0" destOrd="0" presId="urn:microsoft.com/office/officeart/2005/8/layout/hList1"/>
-    <dgm:cxn modelId="{56003F73-310A-4890-8E09-D3375CBEF625}" type="presOf" srcId="{07B3BADB-6FB2-4B73-9395-39A42CC5C546}" destId="{7DE1910B-4301-4261-AF13-326DB917A39B}" srcOrd="0" destOrd="0" presId="urn:microsoft.com/office/officeart/2005/8/layout/hList1"/>
-    <dgm:cxn modelId="{C7906879-1196-4331-866D-D8B4E919D19D}" srcId="{58BC04E9-5800-4AA6-BA7B-7124297B8AA1}" destId="{AEE50632-B300-4E66-9750-40E173DB9560}" srcOrd="0" destOrd="0" parTransId="{C4F69D18-66E4-4B85-B9B3-FE7E1FF98CE8}" sibTransId="{5782CB0B-7677-4DDC-AC66-E422B2810509}"/>
-    <dgm:cxn modelId="{025EBE7B-CE63-4832-8BE7-CFA700D746E0}" srcId="{9CE0DD1C-3E78-41E9-A790-6DB7459B5E46}" destId="{2B839337-63AB-43E5-B288-D36C3B25C06B}" srcOrd="1" destOrd="0" parTransId="{63AE4659-3E78-4A6F-8799-15C2EE78844F}" sibTransId="{C9D06331-4684-4EF0-9D54-3DA1784F62C2}"/>
-    <dgm:cxn modelId="{3D7E6D7C-D54B-4617-B00F-DF6A0EC81618}" srcId="{AE85D0E5-D5E9-4354-9DAF-671E9A84F72B}" destId="{B2D0135D-F1A2-4360-B48A-1BC681DD5B6A}" srcOrd="0" destOrd="0" parTransId="{7307BD36-A6BB-416E-8BA2-57C18BE9A607}" sibTransId="{1CFB4E1D-3DF2-4E2B-9156-BB4C330CF2FC}"/>
-    <dgm:cxn modelId="{4947A782-796D-434A-9127-B0DA44C297A9}" srcId="{3893A901-B1AC-4D3D-9537-CBFCDF2BFEA4}" destId="{B2019B4E-BA0C-4614-8874-AFD5D37CCD67}" srcOrd="0" destOrd="0" parTransId="{C70D16BC-060E-4D6B-B367-EED5B7E2F3B7}" sibTransId="{F13D9547-D246-4BD3-A67E-E431D0991FB3}"/>
-    <dgm:cxn modelId="{ACFFA394-9F2B-4A18-A7B0-83904AB2D9E6}" type="presOf" srcId="{9E46B0D9-5C90-494A-9BF0-C6BEC0C2B437}" destId="{FA9DEC27-2D10-4D18-AF78-FB9CB7F2D45C}" srcOrd="0" destOrd="0" presId="urn:microsoft.com/office/officeart/2005/8/layout/hList1"/>
-    <dgm:cxn modelId="{35FF419F-7379-4C79-9CAC-C1739BB7A4DF}" srcId="{07B3BADB-6FB2-4B73-9395-39A42CC5C546}" destId="{B9F618EC-1C10-4EC2-9773-64E3367A7B6A}" srcOrd="0" destOrd="0" parTransId="{24199DD5-6F12-4FA6-AD5A-49C36258FCEC}" sibTransId="{881BFB4C-8AB8-4334-A549-E1B36EABE3D8}"/>
-    <dgm:cxn modelId="{808279B8-9037-469A-B539-A0D30E019825}" srcId="{9CE0DD1C-3E78-41E9-A790-6DB7459B5E46}" destId="{3893A901-B1AC-4D3D-9537-CBFCDF2BFEA4}" srcOrd="2" destOrd="0" parTransId="{AE3EC05F-18AC-4E33-B992-6FF91E600206}" sibTransId="{DEF9784A-51A2-40AB-911E-025141CBA0A9}"/>
-    <dgm:cxn modelId="{017C10BD-4CC0-4478-A57F-9108A23D76BB}" srcId="{3893A901-B1AC-4D3D-9537-CBFCDF2BFEA4}" destId="{DF454A0A-7218-4F64-8054-33E8DFBD45D5}" srcOrd="1" destOrd="0" parTransId="{E50DE3DB-9508-4D38-80A4-E8E3AC152EC0}" sibTransId="{FDA68199-CBF6-4D31-B319-ADFF8FCFE218}"/>
-    <dgm:cxn modelId="{F47D7EBE-DEDA-477F-944E-420B5EDCB644}" srcId="{14ECF912-1538-4CD0-886F-D64ABA8F2779}" destId="{7576158F-1545-47E5-8877-188AE42F382F}" srcOrd="0" destOrd="0" parTransId="{FE4259F8-1BC9-4C61-89F3-49CFDADEB3B9}" sibTransId="{FB5D5F96-9DE6-4253-9F4B-98B3A5937D16}"/>
-    <dgm:cxn modelId="{B2E04FD4-1819-4B58-96C0-B6924292FAC4}" type="presOf" srcId="{2B839337-63AB-43E5-B288-D36C3B25C06B}" destId="{536B36E1-3738-438C-87E2-6CCE21B7E3BE}" srcOrd="0" destOrd="0" presId="urn:microsoft.com/office/officeart/2005/8/layout/hList1"/>
-    <dgm:cxn modelId="{C3BE20D9-A4B2-4C3B-98C5-D8202C650EAD}" srcId="{2B839337-63AB-43E5-B288-D36C3B25C06B}" destId="{9E46B0D9-5C90-494A-9BF0-C6BEC0C2B437}" srcOrd="0" destOrd="0" parTransId="{068AC4F2-DB49-4877-A07A-651D77F4F334}" sibTransId="{0C974C7B-DBD4-4CDE-B121-B976EB114475}"/>
-    <dgm:cxn modelId="{60225FDD-B984-4239-BD73-F50BD954057F}" type="presOf" srcId="{3893A901-B1AC-4D3D-9537-CBFCDF2BFEA4}" destId="{769B08D7-987A-4C21-BA1D-B363FC3933D8}" srcOrd="0" destOrd="0" presId="urn:microsoft.com/office/officeart/2005/8/layout/hList1"/>
-    <dgm:cxn modelId="{C61F2EE7-6FD7-4822-A6E8-AD7C469D410D}" srcId="{9CE0DD1C-3E78-41E9-A790-6DB7459B5E46}" destId="{58BC04E9-5800-4AA6-BA7B-7124297B8AA1}" srcOrd="0" destOrd="0" parTransId="{DDCE9B50-C417-424F-A1B5-FEEC13EB523D}" sibTransId="{B7094885-E44D-405A-995E-1649A83FBC0C}"/>
-    <dgm:cxn modelId="{4B3462F5-A453-482B-8E0A-51D5E1EA42C2}" type="presOf" srcId="{AEE50632-B300-4E66-9750-40E173DB9560}" destId="{1B695FA3-1F9C-4AFC-A3A7-04258C474A34}" srcOrd="0" destOrd="0" presId="urn:microsoft.com/office/officeart/2005/8/layout/hList1"/>
-    <dgm:cxn modelId="{EF4FCBFC-FDED-40CA-97D7-383296DA7D36}" type="presOf" srcId="{14ECF912-1538-4CD0-886F-D64ABA8F2779}" destId="{B6360353-E10D-4DE8-8DFB-34495E320BE7}" srcOrd="0" destOrd="0" presId="urn:microsoft.com/office/officeart/2005/8/layout/hList1"/>
-    <dgm:cxn modelId="{0A878F0F-F2C8-46FE-BC37-80AB13604806}" type="presParOf" srcId="{8A07EE79-0078-40B0-BFD1-03BFBD015C42}" destId="{921E474E-DF3F-43E2-B59C-38561C172F9F}" srcOrd="0" destOrd="0" presId="urn:microsoft.com/office/officeart/2005/8/layout/hList1"/>
-    <dgm:cxn modelId="{F13F8920-A47B-4ECD-9CE5-BA50853C0172}" type="presParOf" srcId="{921E474E-DF3F-43E2-B59C-38561C172F9F}" destId="{B638280B-DDD8-4676-B152-07816F45B1BC}" srcOrd="0" destOrd="0" presId="urn:microsoft.com/office/officeart/2005/8/layout/hList1"/>
-    <dgm:cxn modelId="{5CD75856-5B88-4DB1-8C7F-5426452B9CD4}" type="presParOf" srcId="{921E474E-DF3F-43E2-B59C-38561C172F9F}" destId="{1B695FA3-1F9C-4AFC-A3A7-04258C474A34}" srcOrd="1" destOrd="0" presId="urn:microsoft.com/office/officeart/2005/8/layout/hList1"/>
-    <dgm:cxn modelId="{6764E3F1-3D14-448E-8A65-743BE8061EF4}" type="presParOf" srcId="{8A07EE79-0078-40B0-BFD1-03BFBD015C42}" destId="{01CDEDF8-4D9F-4191-8625-325C10B435CB}" srcOrd="1" destOrd="0" presId="urn:microsoft.com/office/officeart/2005/8/layout/hList1"/>
-    <dgm:cxn modelId="{CCBEA310-FBCA-4337-9017-552E9E67C956}" type="presParOf" srcId="{8A07EE79-0078-40B0-BFD1-03BFBD015C42}" destId="{8596367C-5791-4E1D-BC5F-7F83123AAF03}" srcOrd="2" destOrd="0" presId="urn:microsoft.com/office/officeart/2005/8/layout/hList1"/>
-    <dgm:cxn modelId="{CFA9E640-0C66-4AEE-BB11-96FCB8C42652}" type="presParOf" srcId="{8596367C-5791-4E1D-BC5F-7F83123AAF03}" destId="{536B36E1-3738-438C-87E2-6CCE21B7E3BE}" srcOrd="0" destOrd="0" presId="urn:microsoft.com/office/officeart/2005/8/layout/hList1"/>
-    <dgm:cxn modelId="{B2BF3F2D-F601-433C-B884-CAF89BFB97EE}" type="presParOf" srcId="{8596367C-5791-4E1D-BC5F-7F83123AAF03}" destId="{FA9DEC27-2D10-4D18-AF78-FB9CB7F2D45C}" srcOrd="1" destOrd="0" presId="urn:microsoft.com/office/officeart/2005/8/layout/hList1"/>
-    <dgm:cxn modelId="{FDDE3FE9-89BF-4ADA-B84B-6255B271648E}" type="presParOf" srcId="{8A07EE79-0078-40B0-BFD1-03BFBD015C42}" destId="{68A992B3-1680-477E-9BD3-3B5275ED8ECF}" srcOrd="3" destOrd="0" presId="urn:microsoft.com/office/officeart/2005/8/layout/hList1"/>
-    <dgm:cxn modelId="{1D25F279-76C7-4C79-A89C-BB45DE936909}" type="presParOf" srcId="{8A07EE79-0078-40B0-BFD1-03BFBD015C42}" destId="{A5E473DC-C3B0-4A83-A3B7-5B2591B4CFC9}" srcOrd="4" destOrd="0" presId="urn:microsoft.com/office/officeart/2005/8/layout/hList1"/>
-    <dgm:cxn modelId="{33CCF7A7-059B-48B6-A909-2587779D0DD9}" type="presParOf" srcId="{A5E473DC-C3B0-4A83-A3B7-5B2591B4CFC9}" destId="{769B08D7-987A-4C21-BA1D-B363FC3933D8}" srcOrd="0" destOrd="0" presId="urn:microsoft.com/office/officeart/2005/8/layout/hList1"/>
-    <dgm:cxn modelId="{62042BCC-C1F6-4920-94D2-CA2F80009871}" type="presParOf" srcId="{A5E473DC-C3B0-4A83-A3B7-5B2591B4CFC9}" destId="{3929DDE7-8BF8-45CB-A373-58140828A69C}" srcOrd="1" destOrd="0" presId="urn:microsoft.com/office/officeart/2005/8/layout/hList1"/>
-    <dgm:cxn modelId="{F3FBE332-3E7B-438B-B185-B20C8FF8AC70}" type="presParOf" srcId="{8A07EE79-0078-40B0-BFD1-03BFBD015C42}" destId="{E6BF8AFA-068B-4B85-87A3-10024AE63F27}" srcOrd="5" destOrd="0" presId="urn:microsoft.com/office/officeart/2005/8/layout/hList1"/>
-    <dgm:cxn modelId="{FBD99222-6EED-4A17-B198-4F59E4BF9DC7}" type="presParOf" srcId="{8A07EE79-0078-40B0-BFD1-03BFBD015C42}" destId="{1AB0F872-CA3C-4B96-9792-2218EBBABC04}" srcOrd="6" destOrd="0" presId="urn:microsoft.com/office/officeart/2005/8/layout/hList1"/>
-    <dgm:cxn modelId="{75F24314-6A7F-4EC8-8AB7-1E2015531D87}" type="presParOf" srcId="{1AB0F872-CA3C-4B96-9792-2218EBBABC04}" destId="{425EE077-74C2-4863-989E-903BD3C49E79}" srcOrd="0" destOrd="0" presId="urn:microsoft.com/office/officeart/2005/8/layout/hList1"/>
-    <dgm:cxn modelId="{0B49CEAD-6478-4124-8219-D9B947866DF8}" type="presParOf" srcId="{1AB0F872-CA3C-4B96-9792-2218EBBABC04}" destId="{09A45F08-B745-4F2E-8B50-9A66160CD233}" srcOrd="1" destOrd="0" presId="urn:microsoft.com/office/officeart/2005/8/layout/hList1"/>
-    <dgm:cxn modelId="{7BD15874-0093-40DC-8C61-72237B861261}" type="presParOf" srcId="{8A07EE79-0078-40B0-BFD1-03BFBD015C42}" destId="{529FC144-1F38-457E-8355-4A16D0659711}" srcOrd="7" destOrd="0" presId="urn:microsoft.com/office/officeart/2005/8/layout/hList1"/>
-    <dgm:cxn modelId="{D1B66939-0EA8-4974-9437-5CCA59D4C289}" type="presParOf" srcId="{8A07EE79-0078-40B0-BFD1-03BFBD015C42}" destId="{8379A8CA-E33D-46E6-BA02-6F08EAACD028}" srcOrd="8" destOrd="0" presId="urn:microsoft.com/office/officeart/2005/8/layout/hList1"/>
-    <dgm:cxn modelId="{C8841360-050E-407F-9FFD-C17674ECE5BB}" type="presParOf" srcId="{8379A8CA-E33D-46E6-BA02-6F08EAACD028}" destId="{B6360353-E10D-4DE8-8DFB-34495E320BE7}" srcOrd="0" destOrd="0" presId="urn:microsoft.com/office/officeart/2005/8/layout/hList1"/>
-    <dgm:cxn modelId="{74274E22-FE0E-4A6F-8769-5C08148634C2}" type="presParOf" srcId="{8379A8CA-E33D-46E6-BA02-6F08EAACD028}" destId="{92876A7C-E7EA-46F3-AC06-601C3A35B1DC}" srcOrd="1" destOrd="0" presId="urn:microsoft.com/office/officeart/2005/8/layout/hList1"/>
-    <dgm:cxn modelId="{72357970-3782-43F3-A91D-617C0F0873C2}" type="presParOf" srcId="{8A07EE79-0078-40B0-BFD1-03BFBD015C42}" destId="{D834366A-A909-4895-9A17-E4950186AC62}" srcOrd="9" destOrd="0" presId="urn:microsoft.com/office/officeart/2005/8/layout/hList1"/>
-    <dgm:cxn modelId="{5D116468-D2CD-4F1C-8BA0-7ADC40BECA2E}" type="presParOf" srcId="{8A07EE79-0078-40B0-BFD1-03BFBD015C42}" destId="{6F0E0480-E4CC-4B4B-A902-09A6595182C0}" srcOrd="10" destOrd="0" presId="urn:microsoft.com/office/officeart/2005/8/layout/hList1"/>
-    <dgm:cxn modelId="{6D592947-F9F3-4430-B4B6-A7A85BC2C364}" type="presParOf" srcId="{6F0E0480-E4CC-4B4B-A902-09A6595182C0}" destId="{7DE1910B-4301-4261-AF13-326DB917A39B}" srcOrd="0" destOrd="0" presId="urn:microsoft.com/office/officeart/2005/8/layout/hList1"/>
-    <dgm:cxn modelId="{F494AEAC-BE1E-45AB-923C-C20DE4F88966}" type="presParOf" srcId="{6F0E0480-E4CC-4B4B-A902-09A6595182C0}" destId="{F1F7A45A-478D-4255-B9DA-5007A561E6D3}" srcOrd="1" destOrd="0" presId="urn:microsoft.com/office/officeart/2005/8/layout/hList1"/>
+    <dgm:cxn modelId="{189D7004-3D71-4429-90A1-E497DA363815}" type="presOf" srcId="{7B64759E-8DD5-4C4F-9A73-FECDED52DEE5}" destId="{A1B2C123-A03A-4F09-8954-DAB722ACD22D}" srcOrd="0" destOrd="0" presId="urn:microsoft.com/office/officeart/2005/8/layout/default"/>
+    <dgm:cxn modelId="{90507311-5FF2-459B-9C5F-8F6AAA62E518}" type="presOf" srcId="{B9CF47C3-F3B3-4076-AD64-298787B198DC}" destId="{CD378E29-7821-4E63-BFA5-08392A808BAC}" srcOrd="0" destOrd="0" presId="urn:microsoft.com/office/officeart/2005/8/layout/default"/>
+    <dgm:cxn modelId="{80B25B15-9539-4930-B6D3-3EE8625B3C96}" type="presOf" srcId="{2E9E3097-0DBC-4AE5-83A8-F0CE18700DC1}" destId="{8C9B0AEB-D869-4E5D-8D68-7FF878FAAF73}" srcOrd="0" destOrd="0" presId="urn:microsoft.com/office/officeart/2005/8/layout/default"/>
+    <dgm:cxn modelId="{248C4463-8CB9-45B0-A226-119747024528}" srcId="{B9CF47C3-F3B3-4076-AD64-298787B198DC}" destId="{7F64E64F-AEFD-4DC9-A4F9-3A380E17D296}" srcOrd="3" destOrd="0" parTransId="{62099C12-6A6C-4086-8940-4C222ACD301C}" sibTransId="{D6A67F0E-BF3D-45A3-A041-71C19CBC5AB8}"/>
+    <dgm:cxn modelId="{5B01C846-2E65-4642-A8A0-ED3D128F5529}" srcId="{B9CF47C3-F3B3-4076-AD64-298787B198DC}" destId="{438DDA95-2BE2-43FE-A730-9C51B04ADFF7}" srcOrd="7" destOrd="0" parTransId="{2DF98103-1C2C-44E1-8097-B01DA9E31776}" sibTransId="{B90224A2-0D58-480D-83BC-ECC88CFB355A}"/>
+    <dgm:cxn modelId="{39EBDF47-5C9B-48B6-8E04-6D7F656D0022}" type="presOf" srcId="{7F64E64F-AEFD-4DC9-A4F9-3A380E17D296}" destId="{110A3CB5-48D1-4982-A32A-749AEC194503}" srcOrd="0" destOrd="0" presId="urn:microsoft.com/office/officeart/2005/8/layout/default"/>
+    <dgm:cxn modelId="{F60F8F69-858A-4425-8BAE-555BE4AC6DAF}" type="presOf" srcId="{BFDD6536-CFF6-4302-8AAB-06DC7422C4CD}" destId="{0EED200A-54A7-4F54-8CCB-3ACA85418EC5}" srcOrd="0" destOrd="0" presId="urn:microsoft.com/office/officeart/2005/8/layout/default"/>
+    <dgm:cxn modelId="{6A80D76D-E295-4768-A3A2-116C25225B22}" srcId="{B9CF47C3-F3B3-4076-AD64-298787B198DC}" destId="{7B64759E-8DD5-4C4F-9A73-FECDED52DEE5}" srcOrd="4" destOrd="0" parTransId="{C36CBE77-70A7-45B7-B2AE-A58AE0064E91}" sibTransId="{589AD04A-C55E-4E47-8477-569FB1723ED1}"/>
+    <dgm:cxn modelId="{3C8F1A75-B933-434B-8277-26F6B692CEC1}" type="presOf" srcId="{BFA25E0A-7AC8-4BDE-B79B-9CFCD8FFCC86}" destId="{E1A00944-15CE-425B-84AC-10C745328DBA}" srcOrd="0" destOrd="0" presId="urn:microsoft.com/office/officeart/2005/8/layout/default"/>
+    <dgm:cxn modelId="{45A3EB80-D208-46EE-831A-F9B59EA3EB02}" type="presOf" srcId="{A43F3074-0A4C-400E-BA73-799DAF8357B8}" destId="{CE9A5F9F-DA15-47B0-8B5B-783E7296835A}" srcOrd="0" destOrd="0" presId="urn:microsoft.com/office/officeart/2005/8/layout/default"/>
+    <dgm:cxn modelId="{D6A001A5-AD8B-4CCB-81C8-523E222B6F49}" srcId="{B9CF47C3-F3B3-4076-AD64-298787B198DC}" destId="{BFDD6536-CFF6-4302-8AAB-06DC7422C4CD}" srcOrd="1" destOrd="0" parTransId="{B2AA040D-7DEF-4A14-8590-3E5204DA9BD4}" sibTransId="{D62AE058-EAFF-4F3E-AD1D-66FF4E23CF45}"/>
+    <dgm:cxn modelId="{18D2D6A5-3347-4931-BC24-ECB45BE0257A}" srcId="{B9CF47C3-F3B3-4076-AD64-298787B198DC}" destId="{BFA25E0A-7AC8-4BDE-B79B-9CFCD8FFCC86}" srcOrd="6" destOrd="0" parTransId="{093A8FBD-C69C-4E17-AFAF-77D17816CC1B}" sibTransId="{23294921-10A8-4837-B5F3-A36252C1EEAA}"/>
+    <dgm:cxn modelId="{336B0EAB-4B36-49B7-ABF0-40CFD0C546FA}" srcId="{B9CF47C3-F3B3-4076-AD64-298787B198DC}" destId="{A43F3074-0A4C-400E-BA73-799DAF8357B8}" srcOrd="2" destOrd="0" parTransId="{7497E92E-9095-4E8A-BE90-2533FBE8B716}" sibTransId="{DA0E7D6D-F788-4295-91CF-A79026B48001}"/>
+    <dgm:cxn modelId="{3A69E9AE-AF19-433C-B2A2-93F29D838A4B}" type="presOf" srcId="{438DDA95-2BE2-43FE-A730-9C51B04ADFF7}" destId="{1EB7980F-2192-493C-A97F-07AF142FD65A}" srcOrd="0" destOrd="0" presId="urn:microsoft.com/office/officeart/2005/8/layout/default"/>
+    <dgm:cxn modelId="{C858F9BD-873F-4C27-B2B8-C574C71A5699}" type="presOf" srcId="{8AE5FC50-E2E4-42AA-B063-DB0AE5B244CE}" destId="{E269AA8F-8475-4CC2-9CD7-B60F5843B27D}" srcOrd="0" destOrd="0" presId="urn:microsoft.com/office/officeart/2005/8/layout/default"/>
+    <dgm:cxn modelId="{BF7B18C6-1BB8-4359-B3F4-114EC1C5A41B}" srcId="{B9CF47C3-F3B3-4076-AD64-298787B198DC}" destId="{8AE5FC50-E2E4-42AA-B063-DB0AE5B244CE}" srcOrd="0" destOrd="0" parTransId="{C1CF4684-5972-495A-963D-2A26DF401662}" sibTransId="{276E8D0F-A6C2-4506-B74C-81CC46406430}"/>
+    <dgm:cxn modelId="{D256F0C7-CF9B-4BBF-861A-CC27B356CB2B}" srcId="{B9CF47C3-F3B3-4076-AD64-298787B198DC}" destId="{2E9E3097-0DBC-4AE5-83A8-F0CE18700DC1}" srcOrd="5" destOrd="0" parTransId="{421BAAF6-473D-4534-84E5-1D0B17C79D99}" sibTransId="{C0E99E7C-52EE-4FCC-A2F9-DF478858673A}"/>
+    <dgm:cxn modelId="{1259D3E7-10FA-4297-BBD4-A41CF5257F26}" type="presParOf" srcId="{CD378E29-7821-4E63-BFA5-08392A808BAC}" destId="{E269AA8F-8475-4CC2-9CD7-B60F5843B27D}" srcOrd="0" destOrd="0" presId="urn:microsoft.com/office/officeart/2005/8/layout/default"/>
+    <dgm:cxn modelId="{25803A1F-CF7C-484E-BF65-3D247F8A7CCB}" type="presParOf" srcId="{CD378E29-7821-4E63-BFA5-08392A808BAC}" destId="{54E724F0-60D0-4CE9-9357-814256C97C9C}" srcOrd="1" destOrd="0" presId="urn:microsoft.com/office/officeart/2005/8/layout/default"/>
+    <dgm:cxn modelId="{6E5B2084-A13F-448E-8191-89E397705CAB}" type="presParOf" srcId="{CD378E29-7821-4E63-BFA5-08392A808BAC}" destId="{0EED200A-54A7-4F54-8CCB-3ACA85418EC5}" srcOrd="2" destOrd="0" presId="urn:microsoft.com/office/officeart/2005/8/layout/default"/>
+    <dgm:cxn modelId="{4C4DD5E7-0A2C-426C-9EBE-1E1429FAE59A}" type="presParOf" srcId="{CD378E29-7821-4E63-BFA5-08392A808BAC}" destId="{BC1AF722-7CFB-44AC-8B34-A529591951C5}" srcOrd="3" destOrd="0" presId="urn:microsoft.com/office/officeart/2005/8/layout/default"/>
+    <dgm:cxn modelId="{7F178BB1-72E0-418F-A783-BDB89AE0A02B}" type="presParOf" srcId="{CD378E29-7821-4E63-BFA5-08392A808BAC}" destId="{CE9A5F9F-DA15-47B0-8B5B-783E7296835A}" srcOrd="4" destOrd="0" presId="urn:microsoft.com/office/officeart/2005/8/layout/default"/>
+    <dgm:cxn modelId="{4BACDFBC-D2A6-4D30-9204-40CB2161D3B9}" type="presParOf" srcId="{CD378E29-7821-4E63-BFA5-08392A808BAC}" destId="{ADE82F63-FE89-4139-9BDB-E3DFDA8C818F}" srcOrd="5" destOrd="0" presId="urn:microsoft.com/office/officeart/2005/8/layout/default"/>
+    <dgm:cxn modelId="{0AFC4507-B85D-4E5A-89DC-DBCBF62ACC5D}" type="presParOf" srcId="{CD378E29-7821-4E63-BFA5-08392A808BAC}" destId="{110A3CB5-48D1-4982-A32A-749AEC194503}" srcOrd="6" destOrd="0" presId="urn:microsoft.com/office/officeart/2005/8/layout/default"/>
+    <dgm:cxn modelId="{CDDEC50B-4277-4AB6-AE42-DC2B3AB65C1C}" type="presParOf" srcId="{CD378E29-7821-4E63-BFA5-08392A808BAC}" destId="{8E329A4C-6344-40B1-99AE-6078EEF55551}" srcOrd="7" destOrd="0" presId="urn:microsoft.com/office/officeart/2005/8/layout/default"/>
+    <dgm:cxn modelId="{F7F2A72C-41F2-4D3D-922C-8A69364C3E91}" type="presParOf" srcId="{CD378E29-7821-4E63-BFA5-08392A808BAC}" destId="{A1B2C123-A03A-4F09-8954-DAB722ACD22D}" srcOrd="8" destOrd="0" presId="urn:microsoft.com/office/officeart/2005/8/layout/default"/>
+    <dgm:cxn modelId="{A45E6017-7A3F-429D-A0B8-69B073218C5C}" type="presParOf" srcId="{CD378E29-7821-4E63-BFA5-08392A808BAC}" destId="{BB005422-5F1D-4DB1-B025-15A3A4FEC512}" srcOrd="9" destOrd="0" presId="urn:microsoft.com/office/officeart/2005/8/layout/default"/>
+    <dgm:cxn modelId="{FC7E52DD-2CE5-459B-B1FE-4F5100BEF900}" type="presParOf" srcId="{CD378E29-7821-4E63-BFA5-08392A808BAC}" destId="{8C9B0AEB-D869-4E5D-8D68-7FF878FAAF73}" srcOrd="10" destOrd="0" presId="urn:microsoft.com/office/officeart/2005/8/layout/default"/>
+    <dgm:cxn modelId="{29913D06-36FC-4138-8643-C18EC15AF6F6}" type="presParOf" srcId="{CD378E29-7821-4E63-BFA5-08392A808BAC}" destId="{168BF026-2254-4516-B175-18B2B8EB9C50}" srcOrd="11" destOrd="0" presId="urn:microsoft.com/office/officeart/2005/8/layout/default"/>
+    <dgm:cxn modelId="{C420B087-AB07-45CC-BDD8-F0CCEB30176F}" type="presParOf" srcId="{CD378E29-7821-4E63-BFA5-08392A808BAC}" destId="{E1A00944-15CE-425B-84AC-10C745328DBA}" srcOrd="12" destOrd="0" presId="urn:microsoft.com/office/officeart/2005/8/layout/default"/>
+    <dgm:cxn modelId="{3C5B472A-C8C2-4050-85C5-50F2CC722E86}" type="presParOf" srcId="{CD378E29-7821-4E63-BFA5-08392A808BAC}" destId="{B0DFA2DA-BFB5-49DC-947D-EF4097BE4EF3}" srcOrd="13" destOrd="0" presId="urn:microsoft.com/office/officeart/2005/8/layout/default"/>
+    <dgm:cxn modelId="{5C6E0F4A-F6F7-4596-A1FA-2CA79EE33DA3}" type="presParOf" srcId="{CD378E29-7821-4E63-BFA5-08392A808BAC}" destId="{1EB7980F-2192-493C-A97F-07AF142FD65A}" srcOrd="14" destOrd="0" presId="urn:microsoft.com/office/officeart/2005/8/layout/default"/>
   </dgm:cxnLst>
   <dgm:bg/>
   <dgm:whole/>
@@ -4369,8 +3466,8 @@
       </dsp:nvSpPr>
       <dsp:spPr>
         <a:xfrm>
-          <a:off x="591308" y="98"/>
-          <a:ext cx="2702164" cy="1621298"/>
+          <a:off x="678400" y="113"/>
+          <a:ext cx="3100157" cy="1860094"/>
         </a:xfrm>
         <a:prstGeom prst="rect">
           <a:avLst/>
@@ -4434,8 +3531,8 @@
         </a:p>
       </dsp:txBody>
       <dsp:txXfrm>
-        <a:off x="591308" y="98"/>
-        <a:ext cx="2702164" cy="1621298"/>
+        <a:off x="678400" y="113"/>
+        <a:ext cx="3100157" cy="1860094"/>
       </dsp:txXfrm>
     </dsp:sp>
     <dsp:sp modelId="{C01538A1-AE31-4656-AA9F-05DFE102E809}">
@@ -4445,8 +3542,8 @@
       </dsp:nvSpPr>
       <dsp:spPr>
         <a:xfrm>
-          <a:off x="3563688" y="98"/>
-          <a:ext cx="2702164" cy="1621298"/>
+          <a:off x="4088573" y="113"/>
+          <a:ext cx="3100157" cy="1860094"/>
         </a:xfrm>
         <a:prstGeom prst="rect">
           <a:avLst/>
@@ -4510,8 +3607,8 @@
         </a:p>
       </dsp:txBody>
       <dsp:txXfrm>
-        <a:off x="3563688" y="98"/>
-        <a:ext cx="2702164" cy="1621298"/>
+        <a:off x="4088573" y="113"/>
+        <a:ext cx="3100157" cy="1860094"/>
       </dsp:txXfrm>
     </dsp:sp>
     <dsp:sp modelId="{D8683840-30A9-460A-9419-D990B68653E5}">
@@ -4521,8 +3618,8 @@
       </dsp:nvSpPr>
       <dsp:spPr>
         <a:xfrm>
-          <a:off x="6536069" y="98"/>
-          <a:ext cx="2702164" cy="1621298"/>
+          <a:off x="7498746" y="113"/>
+          <a:ext cx="3100157" cy="1860094"/>
         </a:xfrm>
         <a:prstGeom prst="rect">
           <a:avLst/>
@@ -4586,8 +3683,8 @@
         </a:p>
       </dsp:txBody>
       <dsp:txXfrm>
-        <a:off x="6536069" y="98"/>
-        <a:ext cx="2702164" cy="1621298"/>
+        <a:off x="7498746" y="113"/>
+        <a:ext cx="3100157" cy="1860094"/>
       </dsp:txXfrm>
     </dsp:sp>
     <dsp:sp modelId="{3DA00E25-CFD7-4EA9-B16C-DF99A5F67EF5}">
@@ -4597,8 +3694,8 @@
       </dsp:nvSpPr>
       <dsp:spPr>
         <a:xfrm>
-          <a:off x="2077498" y="1891613"/>
-          <a:ext cx="2702164" cy="1621298"/>
+          <a:off x="2383486" y="2170223"/>
+          <a:ext cx="3100157" cy="1860094"/>
         </a:xfrm>
         <a:prstGeom prst="rect">
           <a:avLst/>
@@ -4662,8 +3759,8 @@
         </a:p>
       </dsp:txBody>
       <dsp:txXfrm>
-        <a:off x="2077498" y="1891613"/>
-        <a:ext cx="2702164" cy="1621298"/>
+        <a:off x="2383486" y="2170223"/>
+        <a:ext cx="3100157" cy="1860094"/>
       </dsp:txXfrm>
     </dsp:sp>
     <dsp:sp modelId="{5465BB48-C438-4854-BC20-3F4269A49BA7}">
@@ -4673,8 +3770,8 @@
       </dsp:nvSpPr>
       <dsp:spPr>
         <a:xfrm>
-          <a:off x="5049879" y="1891613"/>
-          <a:ext cx="2702164" cy="1621298"/>
+          <a:off x="5793659" y="2170223"/>
+          <a:ext cx="3100157" cy="1860094"/>
         </a:xfrm>
         <a:prstGeom prst="rect">
           <a:avLst/>
@@ -4738,8 +3835,8 @@
         </a:p>
       </dsp:txBody>
       <dsp:txXfrm>
-        <a:off x="5049879" y="1891613"/>
-        <a:ext cx="2702164" cy="1621298"/>
+        <a:off x="5793659" y="2170223"/>
+        <a:ext cx="3100157" cy="1860094"/>
       </dsp:txXfrm>
     </dsp:sp>
   </dsp:spTree>
@@ -4761,10 +3858,174 @@
       </dsp:nvSpPr>
       <dsp:spPr>
         <a:xfrm>
-          <a:off x="0" y="68958"/>
-          <a:ext cx="8126942" cy="1113840"/>
+          <a:off x="0" y="94574"/>
+          <a:ext cx="9392675" cy="1272960"/>
         </a:xfrm>
         <a:prstGeom prst="roundRect">
+          <a:avLst/>
+        </a:prstGeom>
+        <a:solidFill>
+          <a:srgbClr val="FF9933"/>
+        </a:solidFill>
+        <a:ln w="25400" cap="flat" cmpd="sng" algn="ctr">
+          <a:solidFill>
+            <a:schemeClr val="lt1">
+              <a:hueOff val="0"/>
+              <a:satOff val="0"/>
+              <a:lumOff val="0"/>
+              <a:alphaOff val="0"/>
+            </a:schemeClr>
+          </a:solidFill>
+          <a:prstDash val="solid"/>
+        </a:ln>
+        <a:effectLst/>
+      </dsp:spPr>
+      <dsp:style>
+        <a:lnRef idx="2">
+          <a:scrgbClr r="0" g="0" b="0"/>
+        </a:lnRef>
+        <a:fillRef idx="1">
+          <a:scrgbClr r="0" g="0" b="0"/>
+        </a:fillRef>
+        <a:effectRef idx="0">
+          <a:scrgbClr r="0" g="0" b="0"/>
+        </a:effectRef>
+        <a:fontRef idx="minor">
+          <a:schemeClr val="lt1"/>
+        </a:fontRef>
+      </dsp:style>
+      <dsp:txBody>
+        <a:bodyPr spcFirstLastPara="0" vert="horz" wrap="square" lIns="121920" tIns="121920" rIns="121920" bIns="121920" numCol="1" spcCol="1270" anchor="ctr" anchorCtr="0">
+          <a:noAutofit/>
+        </a:bodyPr>
+        <a:lstStyle/>
+        <a:p>
+          <a:pPr marL="0" lvl="0" indent="0" algn="ctr" defTabSz="1422400">
+            <a:lnSpc>
+              <a:spcPct val="90000"/>
+            </a:lnSpc>
+            <a:spcBef>
+              <a:spcPct val="0"/>
+            </a:spcBef>
+            <a:spcAft>
+              <a:spcPct val="35000"/>
+            </a:spcAft>
+            <a:buNone/>
+          </a:pPr>
+          <a:r>
+            <a:rPr lang="ru-RU" sz="3200" kern="1200" dirty="0">
+              <a:latin typeface="Roboto" panose="02000000000000000000" pitchFamily="2" charset="0"/>
+              <a:ea typeface="Roboto" panose="02000000000000000000" pitchFamily="2" charset="0"/>
+              <a:cs typeface="Roboto" panose="02000000000000000000" pitchFamily="2" charset="0"/>
+            </a:rPr>
+            <a:t>Разработанное приложение предназначено для бухгалтера предприятия.</a:t>
+          </a:r>
+        </a:p>
+      </dsp:txBody>
+      <dsp:txXfrm>
+        <a:off x="62141" y="156715"/>
+        <a:ext cx="9268393" cy="1148678"/>
+      </dsp:txXfrm>
+    </dsp:sp>
+    <dsp:sp modelId="{8C07BB67-AA15-4BEA-8562-124819712629}">
+      <dsp:nvSpPr>
+        <dsp:cNvPr id="0" name=""/>
+        <dsp:cNvSpPr/>
+      </dsp:nvSpPr>
+      <dsp:spPr>
+        <a:xfrm>
+          <a:off x="0" y="1459694"/>
+          <a:ext cx="9392675" cy="1272960"/>
+        </a:xfrm>
+        <a:prstGeom prst="roundRect">
+          <a:avLst/>
+        </a:prstGeom>
+        <a:solidFill>
+          <a:srgbClr val="FF9933"/>
+        </a:solidFill>
+        <a:ln w="25400" cap="flat" cmpd="sng" algn="ctr">
+          <a:solidFill>
+            <a:schemeClr val="lt1">
+              <a:hueOff val="0"/>
+              <a:satOff val="0"/>
+              <a:lumOff val="0"/>
+              <a:alphaOff val="0"/>
+            </a:schemeClr>
+          </a:solidFill>
+          <a:prstDash val="solid"/>
+        </a:ln>
+        <a:effectLst/>
+      </dsp:spPr>
+      <dsp:style>
+        <a:lnRef idx="2">
+          <a:scrgbClr r="0" g="0" b="0"/>
+        </a:lnRef>
+        <a:fillRef idx="1">
+          <a:scrgbClr r="0" g="0" b="0"/>
+        </a:fillRef>
+        <a:effectRef idx="0">
+          <a:scrgbClr r="0" g="0" b="0"/>
+        </a:effectRef>
+        <a:fontRef idx="minor">
+          <a:schemeClr val="lt1"/>
+        </a:fontRef>
+      </dsp:style>
+      <dsp:txBody>
+        <a:bodyPr spcFirstLastPara="0" vert="horz" wrap="square" lIns="121920" tIns="121920" rIns="121920" bIns="121920" numCol="1" spcCol="1270" anchor="ctr" anchorCtr="0">
+          <a:noAutofit/>
+        </a:bodyPr>
+        <a:lstStyle/>
+        <a:p>
+          <a:pPr marL="0" lvl="0" indent="0" algn="ctr" defTabSz="1422400">
+            <a:lnSpc>
+              <a:spcPct val="90000"/>
+            </a:lnSpc>
+            <a:spcBef>
+              <a:spcPct val="0"/>
+            </a:spcBef>
+            <a:spcAft>
+              <a:spcPct val="35000"/>
+            </a:spcAft>
+            <a:buNone/>
+          </a:pPr>
+          <a:r>
+            <a:rPr lang="ru-RU" sz="3200" kern="1200" dirty="0">
+              <a:latin typeface="Roboto" panose="02000000000000000000" pitchFamily="2" charset="0"/>
+              <a:ea typeface="Roboto" panose="02000000000000000000" pitchFamily="2" charset="0"/>
+              <a:cs typeface="Roboto" panose="02000000000000000000" pitchFamily="2" charset="0"/>
+            </a:rPr>
+            <a:t>Система будет применяться для облегчения учета производства изделий на предприятии.</a:t>
+          </a:r>
+        </a:p>
+      </dsp:txBody>
+      <dsp:txXfrm>
+        <a:off x="62141" y="1521835"/>
+        <a:ext cx="9268393" cy="1148678"/>
+      </dsp:txXfrm>
+    </dsp:sp>
+  </dsp:spTree>
+</dsp:drawing>
+</file>
+
+<file path=ppt/diagrams/drawing3.xml><?xml version="1.0" encoding="utf-8"?>
+<dsp:drawing xmlns:dgm="http://schemas.openxmlformats.org/drawingml/2006/diagram" xmlns:dsp="http://schemas.microsoft.com/office/drawing/2008/diagram" xmlns:a="http://schemas.openxmlformats.org/drawingml/2006/main">
+  <dsp:spTree>
+    <dsp:nvGrpSpPr>
+      <dsp:cNvPr id="0" name=""/>
+      <dsp:cNvGrpSpPr/>
+    </dsp:nvGrpSpPr>
+    <dsp:grpSpPr/>
+    <dsp:sp modelId="{E269AA8F-8475-4CC2-9CD7-B60F5843B27D}">
+      <dsp:nvSpPr>
+        <dsp:cNvPr id="0" name=""/>
+        <dsp:cNvSpPr/>
+      </dsp:nvSpPr>
+      <dsp:spPr>
+        <a:xfrm>
+          <a:off x="3267" y="345643"/>
+          <a:ext cx="2591898" cy="1555138"/>
+        </a:xfrm>
+        <a:prstGeom prst="rect">
           <a:avLst/>
         </a:prstGeom>
         <a:solidFill>
@@ -4816,31 +4077,99 @@
             <a:buNone/>
           </a:pPr>
           <a:r>
-            <a:rPr lang="ru-RU" sz="2800" kern="1200" dirty="0">
-              <a:latin typeface="Roboto" panose="02000000000000000000" pitchFamily="2" charset="0"/>
-              <a:ea typeface="Roboto" panose="02000000000000000000" pitchFamily="2" charset="0"/>
-              <a:cs typeface="Roboto" panose="02000000000000000000" pitchFamily="2" charset="0"/>
-            </a:rPr>
-            <a:t>Разработанное приложение предназначено для бухгалтера предприятия.</a:t>
+            <a:rPr lang="ru-RU" sz="2800" kern="1200" dirty="0"/>
+            <a:t>Добавление</a:t>
           </a:r>
         </a:p>
       </dsp:txBody>
       <dsp:txXfrm>
-        <a:off x="54373" y="123331"/>
-        <a:ext cx="8018196" cy="1005094"/>
+        <a:off x="3267" y="345643"/>
+        <a:ext cx="2591898" cy="1555138"/>
       </dsp:txXfrm>
     </dsp:sp>
-    <dsp:sp modelId="{8C07BB67-AA15-4BEA-8562-124819712629}">
+    <dsp:sp modelId="{0EED200A-54A7-4F54-8CCB-3ACA85418EC5}">
       <dsp:nvSpPr>
         <dsp:cNvPr id="0" name=""/>
         <dsp:cNvSpPr/>
       </dsp:nvSpPr>
       <dsp:spPr>
         <a:xfrm>
-          <a:off x="0" y="1263439"/>
-          <a:ext cx="8126942" cy="1113840"/>
+          <a:off x="2854355" y="345643"/>
+          <a:ext cx="2591898" cy="1555138"/>
         </a:xfrm>
-        <a:prstGeom prst="roundRect">
+        <a:prstGeom prst="rect">
+          <a:avLst/>
+        </a:prstGeom>
+        <a:solidFill>
+          <a:srgbClr val="FF9933"/>
+        </a:solidFill>
+        <a:ln w="25400" cap="flat" cmpd="sng" algn="ctr">
+          <a:solidFill>
+            <a:schemeClr val="lt1">
+              <a:hueOff val="0"/>
+              <a:satOff val="0"/>
+              <a:lumOff val="0"/>
+              <a:alphaOff val="0"/>
+            </a:schemeClr>
+          </a:solidFill>
+          <a:prstDash val="solid"/>
+        </a:ln>
+        <a:effectLst/>
+      </dsp:spPr>
+      <dsp:style>
+        <a:lnRef idx="2">
+          <a:scrgbClr r="0" g="0" b="0"/>
+        </a:lnRef>
+        <a:fillRef idx="1">
+          <a:scrgbClr r="0" g="0" b="0"/>
+        </a:fillRef>
+        <a:effectRef idx="0">
+          <a:scrgbClr r="0" g="0" b="0"/>
+        </a:effectRef>
+        <a:fontRef idx="minor">
+          <a:schemeClr val="lt1"/>
+        </a:fontRef>
+      </dsp:style>
+      <dsp:txBody>
+        <a:bodyPr spcFirstLastPara="0" vert="horz" wrap="square" lIns="87630" tIns="87630" rIns="87630" bIns="87630" numCol="1" spcCol="1270" anchor="ctr" anchorCtr="0">
+          <a:noAutofit/>
+        </a:bodyPr>
+        <a:lstStyle/>
+        <a:p>
+          <a:pPr marL="0" lvl="0" indent="0" algn="ctr" defTabSz="1022350">
+            <a:lnSpc>
+              <a:spcPct val="90000"/>
+            </a:lnSpc>
+            <a:spcBef>
+              <a:spcPct val="0"/>
+            </a:spcBef>
+            <a:spcAft>
+              <a:spcPct val="35000"/>
+            </a:spcAft>
+            <a:buNone/>
+          </a:pPr>
+          <a:r>
+            <a:rPr lang="ru-RU" sz="2300" kern="1200" dirty="0"/>
+            <a:t>Редактирование</a:t>
+          </a:r>
+        </a:p>
+      </dsp:txBody>
+      <dsp:txXfrm>
+        <a:off x="2854355" y="345643"/>
+        <a:ext cx="2591898" cy="1555138"/>
+      </dsp:txXfrm>
+    </dsp:sp>
+    <dsp:sp modelId="{CE9A5F9F-DA15-47B0-8B5B-783E7296835A}">
+      <dsp:nvSpPr>
+        <dsp:cNvPr id="0" name=""/>
+        <dsp:cNvSpPr/>
+      </dsp:nvSpPr>
+      <dsp:spPr>
+        <a:xfrm>
+          <a:off x="5705442" y="345643"/>
+          <a:ext cx="2591898" cy="1555138"/>
+        </a:xfrm>
+        <a:prstGeom prst="rect">
           <a:avLst/>
         </a:prstGeom>
         <a:solidFill>
@@ -4892,41 +4221,25 @@
             <a:buNone/>
           </a:pPr>
           <a:r>
-            <a:rPr lang="ru-RU" sz="2800" kern="1200" dirty="0">
-              <a:latin typeface="Roboto" panose="02000000000000000000" pitchFamily="2" charset="0"/>
-              <a:ea typeface="Roboto" panose="02000000000000000000" pitchFamily="2" charset="0"/>
-              <a:cs typeface="Roboto" panose="02000000000000000000" pitchFamily="2" charset="0"/>
-            </a:rPr>
-            <a:t>Система будет применяться для облегчения учета производства изделий на предприятии.</a:t>
+            <a:rPr lang="ru-RU" sz="2800" kern="1200" dirty="0"/>
+            <a:t>Удаление</a:t>
           </a:r>
         </a:p>
       </dsp:txBody>
       <dsp:txXfrm>
-        <a:off x="54373" y="1317812"/>
-        <a:ext cx="8018196" cy="1005094"/>
+        <a:off x="5705442" y="345643"/>
+        <a:ext cx="2591898" cy="1555138"/>
       </dsp:txXfrm>
     </dsp:sp>
-  </dsp:spTree>
-</dsp:drawing>
-</file>
-
-<file path=ppt/diagrams/drawing3.xml><?xml version="1.0" encoding="utf-8"?>
-<dsp:drawing xmlns:dgm="http://schemas.openxmlformats.org/drawingml/2006/diagram" xmlns:dsp="http://schemas.microsoft.com/office/drawing/2008/diagram" xmlns:a="http://schemas.openxmlformats.org/drawingml/2006/main">
-  <dsp:spTree>
-    <dsp:nvGrpSpPr>
-      <dsp:cNvPr id="0" name=""/>
-      <dsp:cNvGrpSpPr/>
-    </dsp:nvGrpSpPr>
-    <dsp:grpSpPr/>
-    <dsp:sp modelId="{B638280B-DDD8-4676-B152-07816F45B1BC}">
+    <dsp:sp modelId="{110A3CB5-48D1-4982-A32A-749AEC194503}">
       <dsp:nvSpPr>
         <dsp:cNvPr id="0" name=""/>
         <dsp:cNvSpPr/>
       </dsp:nvSpPr>
       <dsp:spPr>
         <a:xfrm>
-          <a:off x="3214" y="11933"/>
-          <a:ext cx="1707809" cy="683123"/>
+          <a:off x="8556530" y="345643"/>
+          <a:ext cx="2591898" cy="1555138"/>
         </a:xfrm>
         <a:prstGeom prst="rect">
           <a:avLst/>
@@ -4935,7 +4248,14 @@
           <a:srgbClr val="FF9933"/>
         </a:solidFill>
         <a:ln w="25400" cap="flat" cmpd="sng" algn="ctr">
-          <a:noFill/>
+          <a:solidFill>
+            <a:schemeClr val="lt1">
+              <a:hueOff val="0"/>
+              <a:satOff val="0"/>
+              <a:lumOff val="0"/>
+              <a:alphaOff val="0"/>
+            </a:schemeClr>
+          </a:solidFill>
           <a:prstDash val="solid"/>
         </a:ln>
         <a:effectLst/>
@@ -4955,121 +4275,43 @@
         </a:fontRef>
       </dsp:style>
       <dsp:txBody>
-        <a:bodyPr spcFirstLastPara="0" vert="horz" wrap="square" lIns="113792" tIns="65024" rIns="113792" bIns="65024" numCol="1" spcCol="1270" anchor="ctr" anchorCtr="0">
+        <a:bodyPr spcFirstLastPara="0" vert="horz" wrap="square" lIns="106680" tIns="106680" rIns="106680" bIns="106680" numCol="1" spcCol="1270" anchor="ctr" anchorCtr="0">
           <a:noAutofit/>
         </a:bodyPr>
         <a:lstStyle/>
         <a:p>
-          <a:pPr marL="0" lvl="0" indent="0" algn="ctr" defTabSz="711200">
+          <a:pPr marL="0" lvl="0" indent="0" algn="ctr" defTabSz="1244600">
             <a:lnSpc>
-              <a:spcPct val="100000"/>
+              <a:spcPct val="90000"/>
             </a:lnSpc>
             <a:spcBef>
               <a:spcPct val="0"/>
             </a:spcBef>
             <a:spcAft>
-              <a:spcPts val="0"/>
+              <a:spcPct val="35000"/>
             </a:spcAft>
             <a:buNone/>
           </a:pPr>
           <a:r>
-            <a:rPr lang="ru-RU" sz="1600" kern="1200" dirty="0">
-              <a:latin typeface="Roboto" panose="02000000000000000000" pitchFamily="2" charset="0"/>
-              <a:ea typeface="Roboto" panose="02000000000000000000" pitchFamily="2" charset="0"/>
-              <a:cs typeface="Roboto" panose="02000000000000000000" pitchFamily="2" charset="0"/>
-            </a:rPr>
-            <a:t>Добавление</a:t>
+            <a:rPr lang="ru-RU" sz="2800" kern="1200" dirty="0"/>
+            <a:t>Поиск</a:t>
           </a:r>
         </a:p>
       </dsp:txBody>
       <dsp:txXfrm>
-        <a:off x="3214" y="11933"/>
-        <a:ext cx="1707809" cy="683123"/>
+        <a:off x="8556530" y="345643"/>
+        <a:ext cx="2591898" cy="1555138"/>
       </dsp:txXfrm>
     </dsp:sp>
-    <dsp:sp modelId="{1B695FA3-1F9C-4AFC-A3A7-04258C474A34}">
+    <dsp:sp modelId="{A1B2C123-A03A-4F09-8954-DAB722ACD22D}">
       <dsp:nvSpPr>
         <dsp:cNvPr id="0" name=""/>
         <dsp:cNvSpPr/>
       </dsp:nvSpPr>
       <dsp:spPr>
         <a:xfrm>
-          <a:off x="3214" y="695057"/>
-          <a:ext cx="1707809" cy="1361520"/>
-        </a:xfrm>
-        <a:prstGeom prst="rect">
-          <a:avLst/>
-        </a:prstGeom>
-        <a:solidFill>
-          <a:schemeClr val="accent1">
-            <a:alpha val="90000"/>
-            <a:tint val="40000"/>
-            <a:hueOff val="0"/>
-            <a:satOff val="0"/>
-            <a:lumOff val="0"/>
-            <a:alphaOff val="0"/>
-          </a:schemeClr>
-        </a:solidFill>
-        <a:ln w="25400" cap="flat" cmpd="sng" algn="ctr">
-          <a:noFill/>
-          <a:prstDash val="solid"/>
-        </a:ln>
-        <a:effectLst/>
-      </dsp:spPr>
-      <dsp:style>
-        <a:lnRef idx="2">
-          <a:scrgbClr r="0" g="0" b="0"/>
-        </a:lnRef>
-        <a:fillRef idx="1">
-          <a:scrgbClr r="0" g="0" b="0"/>
-        </a:fillRef>
-        <a:effectRef idx="0">
-          <a:scrgbClr r="0" g="0" b="0"/>
-        </a:effectRef>
-        <a:fontRef idx="minor"/>
-      </dsp:style>
-      <dsp:txBody>
-        <a:bodyPr spcFirstLastPara="0" vert="horz" wrap="square" lIns="85344" tIns="85344" rIns="113792" bIns="128016" numCol="1" spcCol="1270" anchor="t" anchorCtr="0">
-          <a:noAutofit/>
-        </a:bodyPr>
-        <a:lstStyle/>
-        <a:p>
-          <a:pPr marL="0" lvl="1" indent="0" algn="l" defTabSz="711200">
-            <a:lnSpc>
-              <a:spcPct val="100000"/>
-            </a:lnSpc>
-            <a:spcBef>
-              <a:spcPct val="0"/>
-            </a:spcBef>
-            <a:spcAft>
-              <a:spcPts val="0"/>
-            </a:spcAft>
-            <a:buNone/>
-          </a:pPr>
-          <a:r>
-            <a:rPr lang="ru-RU" sz="1600" kern="1200" dirty="0">
-              <a:latin typeface="Roboto" panose="02000000000000000000" pitchFamily="2" charset="0"/>
-              <a:ea typeface="Roboto" panose="02000000000000000000" pitchFamily="2" charset="0"/>
-              <a:cs typeface="Roboto" panose="02000000000000000000" pitchFamily="2" charset="0"/>
-            </a:rPr>
-            <a:t>Возможность внесения новых данных</a:t>
-          </a:r>
-        </a:p>
-      </dsp:txBody>
-      <dsp:txXfrm>
-        <a:off x="3214" y="695057"/>
-        <a:ext cx="1707809" cy="1361520"/>
-      </dsp:txXfrm>
-    </dsp:sp>
-    <dsp:sp modelId="{536B36E1-3738-438C-87E2-6CCE21B7E3BE}">
-      <dsp:nvSpPr>
-        <dsp:cNvPr id="0" name=""/>
-        <dsp:cNvSpPr/>
-      </dsp:nvSpPr>
-      <dsp:spPr>
-        <a:xfrm>
-          <a:off x="1950116" y="11933"/>
-          <a:ext cx="1707809" cy="683123"/>
+          <a:off x="3267" y="2159971"/>
+          <a:ext cx="2591898" cy="1555138"/>
         </a:xfrm>
         <a:prstGeom prst="rect">
           <a:avLst/>
@@ -5078,7 +4320,14 @@
           <a:srgbClr val="FF9933"/>
         </a:solidFill>
         <a:ln w="25400" cap="flat" cmpd="sng" algn="ctr">
-          <a:noFill/>
+          <a:solidFill>
+            <a:schemeClr val="lt1">
+              <a:hueOff val="0"/>
+              <a:satOff val="0"/>
+              <a:lumOff val="0"/>
+              <a:alphaOff val="0"/>
+            </a:schemeClr>
+          </a:solidFill>
           <a:prstDash val="solid"/>
         </a:ln>
         <a:effectLst/>
@@ -5098,129 +4347,43 @@
         </a:fontRef>
       </dsp:style>
       <dsp:txBody>
-        <a:bodyPr spcFirstLastPara="0" vert="horz" wrap="square" lIns="106680" tIns="60960" rIns="106680" bIns="60960" numCol="1" spcCol="1270" anchor="ctr" anchorCtr="0">
+        <a:bodyPr spcFirstLastPara="0" vert="horz" wrap="square" lIns="106680" tIns="106680" rIns="106680" bIns="106680" numCol="1" spcCol="1270" anchor="ctr" anchorCtr="0">
           <a:noAutofit/>
         </a:bodyPr>
         <a:lstStyle/>
         <a:p>
-          <a:pPr marL="0" lvl="0" indent="0" algn="ctr" defTabSz="666750">
+          <a:pPr marL="0" lvl="0" indent="0" algn="ctr" defTabSz="1244600">
             <a:lnSpc>
-              <a:spcPct val="100000"/>
+              <a:spcPct val="90000"/>
             </a:lnSpc>
             <a:spcBef>
               <a:spcPct val="0"/>
             </a:spcBef>
             <a:spcAft>
-              <a:spcPts val="0"/>
+              <a:spcPct val="35000"/>
             </a:spcAft>
             <a:buNone/>
           </a:pPr>
           <a:r>
-            <a:rPr lang="ru-RU" sz="1500" kern="1200" dirty="0">
-              <a:latin typeface="Roboto" panose="02000000000000000000" pitchFamily="2" charset="0"/>
-              <a:ea typeface="Roboto" panose="02000000000000000000" pitchFamily="2" charset="0"/>
-              <a:cs typeface="Roboto" panose="02000000000000000000" pitchFamily="2" charset="0"/>
-            </a:rPr>
-            <a:t>Редактирование</a:t>
+            <a:rPr lang="ru-RU" sz="2800" kern="1200" dirty="0"/>
+            <a:t>Сортировка</a:t>
           </a:r>
         </a:p>
       </dsp:txBody>
       <dsp:txXfrm>
-        <a:off x="1950116" y="11933"/>
-        <a:ext cx="1707809" cy="683123"/>
+        <a:off x="3267" y="2159971"/>
+        <a:ext cx="2591898" cy="1555138"/>
       </dsp:txXfrm>
     </dsp:sp>
-    <dsp:sp modelId="{FA9DEC27-2D10-4D18-AF78-FB9CB7F2D45C}">
+    <dsp:sp modelId="{8C9B0AEB-D869-4E5D-8D68-7FF878FAAF73}">
       <dsp:nvSpPr>
         <dsp:cNvPr id="0" name=""/>
         <dsp:cNvSpPr/>
       </dsp:nvSpPr>
       <dsp:spPr>
         <a:xfrm>
-          <a:off x="1950116" y="695057"/>
-          <a:ext cx="1707809" cy="1361520"/>
-        </a:xfrm>
-        <a:prstGeom prst="rect">
-          <a:avLst/>
-        </a:prstGeom>
-        <a:solidFill>
-          <a:schemeClr val="accent1">
-            <a:alpha val="90000"/>
-            <a:tint val="40000"/>
-            <a:hueOff val="0"/>
-            <a:satOff val="0"/>
-            <a:lumOff val="0"/>
-            <a:alphaOff val="0"/>
-          </a:schemeClr>
-        </a:solidFill>
-        <a:ln w="25400" cap="flat" cmpd="sng" algn="ctr">
-          <a:noFill/>
-          <a:prstDash val="solid"/>
-        </a:ln>
-        <a:effectLst/>
-      </dsp:spPr>
-      <dsp:style>
-        <a:lnRef idx="2">
-          <a:scrgbClr r="0" g="0" b="0"/>
-        </a:lnRef>
-        <a:fillRef idx="1">
-          <a:scrgbClr r="0" g="0" b="0"/>
-        </a:fillRef>
-        <a:effectRef idx="0">
-          <a:scrgbClr r="0" g="0" b="0"/>
-        </a:effectRef>
-        <a:fontRef idx="minor"/>
-      </dsp:style>
-      <dsp:txBody>
-        <a:bodyPr spcFirstLastPara="0" vert="horz" wrap="square" lIns="85344" tIns="85344" rIns="113792" bIns="128016" numCol="1" spcCol="1270" anchor="t" anchorCtr="0">
-          <a:noAutofit/>
-        </a:bodyPr>
-        <a:lstStyle/>
-        <a:p>
-          <a:pPr marL="0" lvl="1" indent="0" algn="l" defTabSz="444500">
-            <a:lnSpc>
-              <a:spcPct val="100000"/>
-            </a:lnSpc>
-            <a:spcBef>
-              <a:spcPct val="0"/>
-            </a:spcBef>
-            <a:spcAft>
-              <a:spcPts val="0"/>
-            </a:spcAft>
-            <a:buNone/>
-          </a:pPr>
-          <a:r>
-            <a:rPr lang="ru-RU" sz="1600" kern="1200" dirty="0">
-              <a:solidFill>
-                <a:srgbClr val="4D4D4D">
-                  <a:hueOff val="0"/>
-                  <a:satOff val="0"/>
-                  <a:lumOff val="0"/>
-                  <a:alphaOff val="0"/>
-                </a:srgbClr>
-              </a:solidFill>
-              <a:latin typeface="Roboto" panose="02000000000000000000" pitchFamily="2" charset="0"/>
-              <a:ea typeface="Roboto" panose="02000000000000000000" pitchFamily="2" charset="0"/>
-              <a:cs typeface="Roboto" panose="02000000000000000000" pitchFamily="2" charset="0"/>
-            </a:rPr>
-            <a:t>Возможность изменения имеющихся данных</a:t>
-          </a:r>
-        </a:p>
-      </dsp:txBody>
-      <dsp:txXfrm>
-        <a:off x="1950116" y="695057"/>
-        <a:ext cx="1707809" cy="1361520"/>
-      </dsp:txXfrm>
-    </dsp:sp>
-    <dsp:sp modelId="{769B08D7-987A-4C21-BA1D-B363FC3933D8}">
-      <dsp:nvSpPr>
-        <dsp:cNvPr id="0" name=""/>
-        <dsp:cNvSpPr/>
-      </dsp:nvSpPr>
-      <dsp:spPr>
-        <a:xfrm>
-          <a:off x="3897019" y="11933"/>
-          <a:ext cx="1707809" cy="683123"/>
+          <a:off x="2854355" y="2159971"/>
+          <a:ext cx="2591898" cy="1555138"/>
         </a:xfrm>
         <a:prstGeom prst="rect">
           <a:avLst/>
@@ -5229,7 +4392,14 @@
           <a:srgbClr val="FF9933"/>
         </a:solidFill>
         <a:ln w="25400" cap="flat" cmpd="sng" algn="ctr">
-          <a:noFill/>
+          <a:solidFill>
+            <a:schemeClr val="lt1">
+              <a:hueOff val="0"/>
+              <a:satOff val="0"/>
+              <a:lumOff val="0"/>
+              <a:alphaOff val="0"/>
+            </a:schemeClr>
+          </a:solidFill>
           <a:prstDash val="solid"/>
         </a:ln>
         <a:effectLst/>
@@ -5249,140 +4419,43 @@
         </a:fontRef>
       </dsp:style>
       <dsp:txBody>
-        <a:bodyPr spcFirstLastPara="0" vert="horz" wrap="square" lIns="113792" tIns="65024" rIns="113792" bIns="65024" numCol="1" spcCol="1270" anchor="ctr" anchorCtr="0">
+        <a:bodyPr spcFirstLastPara="0" vert="horz" wrap="square" lIns="106680" tIns="106680" rIns="106680" bIns="106680" numCol="1" spcCol="1270" anchor="ctr" anchorCtr="0">
           <a:noAutofit/>
         </a:bodyPr>
         <a:lstStyle/>
         <a:p>
-          <a:pPr marL="0" lvl="0" indent="0" algn="ctr" defTabSz="711200">
+          <a:pPr marL="0" lvl="0" indent="0" algn="ctr" defTabSz="1244600">
             <a:lnSpc>
-              <a:spcPct val="100000"/>
+              <a:spcPct val="90000"/>
             </a:lnSpc>
             <a:spcBef>
               <a:spcPct val="0"/>
             </a:spcBef>
             <a:spcAft>
-              <a:spcPts val="0"/>
+              <a:spcPct val="35000"/>
             </a:spcAft>
             <a:buNone/>
           </a:pPr>
           <a:r>
-            <a:rPr lang="ru-RU" sz="1600" kern="1200" dirty="0">
-              <a:latin typeface="Roboto" panose="02000000000000000000" pitchFamily="2" charset="0"/>
-              <a:ea typeface="Roboto" panose="02000000000000000000" pitchFamily="2" charset="0"/>
-              <a:cs typeface="Roboto" panose="02000000000000000000" pitchFamily="2" charset="0"/>
-            </a:rPr>
-            <a:t>Удаление</a:t>
+            <a:rPr lang="ru-RU" sz="2800" kern="1200" dirty="0"/>
+            <a:t>Фильтрация</a:t>
           </a:r>
         </a:p>
       </dsp:txBody>
       <dsp:txXfrm>
-        <a:off x="3897019" y="11933"/>
-        <a:ext cx="1707809" cy="683123"/>
+        <a:off x="2854355" y="2159971"/>
+        <a:ext cx="2591898" cy="1555138"/>
       </dsp:txXfrm>
     </dsp:sp>
-    <dsp:sp modelId="{3929DDE7-8BF8-45CB-A373-58140828A69C}">
+    <dsp:sp modelId="{E1A00944-15CE-425B-84AC-10C745328DBA}">
       <dsp:nvSpPr>
         <dsp:cNvPr id="0" name=""/>
         <dsp:cNvSpPr/>
       </dsp:nvSpPr>
       <dsp:spPr>
         <a:xfrm>
-          <a:off x="3897019" y="695057"/>
-          <a:ext cx="1707809" cy="1361520"/>
-        </a:xfrm>
-        <a:prstGeom prst="rect">
-          <a:avLst/>
-        </a:prstGeom>
-        <a:solidFill>
-          <a:schemeClr val="accent1">
-            <a:alpha val="90000"/>
-            <a:tint val="40000"/>
-            <a:hueOff val="0"/>
-            <a:satOff val="0"/>
-            <a:lumOff val="0"/>
-            <a:alphaOff val="0"/>
-          </a:schemeClr>
-        </a:solidFill>
-        <a:ln w="25400" cap="flat" cmpd="sng" algn="ctr">
-          <a:noFill/>
-          <a:prstDash val="solid"/>
-        </a:ln>
-        <a:effectLst/>
-      </dsp:spPr>
-      <dsp:style>
-        <a:lnRef idx="2">
-          <a:scrgbClr r="0" g="0" b="0"/>
-        </a:lnRef>
-        <a:fillRef idx="1">
-          <a:scrgbClr r="0" g="0" b="0"/>
-        </a:fillRef>
-        <a:effectRef idx="0">
-          <a:scrgbClr r="0" g="0" b="0"/>
-        </a:effectRef>
-        <a:fontRef idx="minor"/>
-      </dsp:style>
-      <dsp:txBody>
-        <a:bodyPr spcFirstLastPara="0" vert="horz" wrap="square" lIns="85344" tIns="85344" rIns="113792" bIns="128016" numCol="1" spcCol="1270" anchor="t" anchorCtr="0">
-          <a:noAutofit/>
-        </a:bodyPr>
-        <a:lstStyle/>
-        <a:p>
-          <a:pPr marL="0" lvl="1" indent="0" algn="l" defTabSz="711200">
-            <a:lnSpc>
-              <a:spcPct val="100000"/>
-            </a:lnSpc>
-            <a:spcBef>
-              <a:spcPct val="0"/>
-            </a:spcBef>
-            <a:spcAft>
-              <a:spcPts val="0"/>
-            </a:spcAft>
-            <a:buNone/>
-          </a:pPr>
-          <a:r>
-            <a:rPr lang="ru-RU" sz="1600" kern="1200" dirty="0">
-              <a:latin typeface="Roboto" panose="02000000000000000000" pitchFamily="2" charset="0"/>
-              <a:ea typeface="Roboto" panose="02000000000000000000" pitchFamily="2" charset="0"/>
-              <a:cs typeface="Roboto" panose="02000000000000000000" pitchFamily="2" charset="0"/>
-            </a:rPr>
-            <a:t>Возможность удаления данных</a:t>
-          </a:r>
-        </a:p>
-        <a:p>
-          <a:pPr marL="0" lvl="1" indent="0" algn="l" defTabSz="711200">
-            <a:lnSpc>
-              <a:spcPct val="100000"/>
-            </a:lnSpc>
-            <a:spcBef>
-              <a:spcPct val="0"/>
-            </a:spcBef>
-            <a:spcAft>
-              <a:spcPts val="0"/>
-            </a:spcAft>
-            <a:buNone/>
-          </a:pPr>
-          <a:endParaRPr lang="ru-RU" sz="1600" kern="1200" dirty="0">
-            <a:latin typeface="Roboto" panose="02000000000000000000" pitchFamily="2" charset="0"/>
-            <a:ea typeface="Roboto" panose="02000000000000000000" pitchFamily="2" charset="0"/>
-            <a:cs typeface="Roboto" panose="02000000000000000000" pitchFamily="2" charset="0"/>
-          </a:endParaRPr>
-        </a:p>
-      </dsp:txBody>
-      <dsp:txXfrm>
-        <a:off x="3897019" y="695057"/>
-        <a:ext cx="1707809" cy="1361520"/>
-      </dsp:txXfrm>
-    </dsp:sp>
-    <dsp:sp modelId="{425EE077-74C2-4863-989E-903BD3C49E79}">
-      <dsp:nvSpPr>
-        <dsp:cNvPr id="0" name=""/>
-        <dsp:cNvSpPr/>
-      </dsp:nvSpPr>
-      <dsp:spPr>
-        <a:xfrm>
-          <a:off x="5843921" y="11933"/>
-          <a:ext cx="1707809" cy="683123"/>
+          <a:off x="5705442" y="2159971"/>
+          <a:ext cx="2591898" cy="1555138"/>
         </a:xfrm>
         <a:prstGeom prst="rect">
           <a:avLst/>
@@ -5391,7 +4464,14 @@
           <a:srgbClr val="FF9933"/>
         </a:solidFill>
         <a:ln w="25400" cap="flat" cmpd="sng" algn="ctr">
-          <a:noFill/>
+          <a:solidFill>
+            <a:schemeClr val="lt1">
+              <a:hueOff val="0"/>
+              <a:satOff val="0"/>
+              <a:lumOff val="0"/>
+              <a:alphaOff val="0"/>
+            </a:schemeClr>
+          </a:solidFill>
           <a:prstDash val="solid"/>
         </a:ln>
         <a:effectLst/>
@@ -5411,121 +4491,43 @@
         </a:fontRef>
       </dsp:style>
       <dsp:txBody>
-        <a:bodyPr spcFirstLastPara="0" vert="horz" wrap="square" lIns="113792" tIns="65024" rIns="113792" bIns="65024" numCol="1" spcCol="1270" anchor="ctr" anchorCtr="0">
+        <a:bodyPr spcFirstLastPara="0" vert="horz" wrap="square" lIns="91440" tIns="91440" rIns="91440" bIns="91440" numCol="1" spcCol="1270" anchor="ctr" anchorCtr="0">
           <a:noAutofit/>
         </a:bodyPr>
         <a:lstStyle/>
         <a:p>
-          <a:pPr marL="0" lvl="0" indent="0" algn="ctr" defTabSz="711200">
+          <a:pPr marL="0" lvl="0" indent="0" algn="ctr" defTabSz="1066800">
             <a:lnSpc>
-              <a:spcPct val="100000"/>
+              <a:spcPct val="90000"/>
             </a:lnSpc>
             <a:spcBef>
               <a:spcPct val="0"/>
             </a:spcBef>
             <a:spcAft>
-              <a:spcPts val="0"/>
+              <a:spcPct val="35000"/>
             </a:spcAft>
             <a:buNone/>
           </a:pPr>
           <a:r>
-            <a:rPr lang="ru-RU" sz="1600" kern="1200" dirty="0">
-              <a:latin typeface="Roboto" panose="02000000000000000000" pitchFamily="2" charset="0"/>
-              <a:ea typeface="Roboto" panose="02000000000000000000" pitchFamily="2" charset="0"/>
-              <a:cs typeface="Roboto" panose="02000000000000000000" pitchFamily="2" charset="0"/>
-            </a:rPr>
-            <a:t>Поиск</a:t>
+            <a:rPr lang="ru-RU" sz="2400" kern="1200" dirty="0"/>
+            <a:t>Автоматический подсчет</a:t>
           </a:r>
         </a:p>
       </dsp:txBody>
       <dsp:txXfrm>
-        <a:off x="5843921" y="11933"/>
-        <a:ext cx="1707809" cy="683123"/>
+        <a:off x="5705442" y="2159971"/>
+        <a:ext cx="2591898" cy="1555138"/>
       </dsp:txXfrm>
     </dsp:sp>
-    <dsp:sp modelId="{09A45F08-B745-4F2E-8B50-9A66160CD233}">
+    <dsp:sp modelId="{1EB7980F-2192-493C-A97F-07AF142FD65A}">
       <dsp:nvSpPr>
         <dsp:cNvPr id="0" name=""/>
         <dsp:cNvSpPr/>
       </dsp:nvSpPr>
       <dsp:spPr>
         <a:xfrm>
-          <a:off x="5843921" y="695057"/>
-          <a:ext cx="1707809" cy="1361520"/>
-        </a:xfrm>
-        <a:prstGeom prst="rect">
-          <a:avLst/>
-        </a:prstGeom>
-        <a:solidFill>
-          <a:schemeClr val="accent1">
-            <a:alpha val="90000"/>
-            <a:tint val="40000"/>
-            <a:hueOff val="0"/>
-            <a:satOff val="0"/>
-            <a:lumOff val="0"/>
-            <a:alphaOff val="0"/>
-          </a:schemeClr>
-        </a:solidFill>
-        <a:ln w="25400" cap="flat" cmpd="sng" algn="ctr">
-          <a:noFill/>
-          <a:prstDash val="solid"/>
-        </a:ln>
-        <a:effectLst/>
-      </dsp:spPr>
-      <dsp:style>
-        <a:lnRef idx="2">
-          <a:scrgbClr r="0" g="0" b="0"/>
-        </a:lnRef>
-        <a:fillRef idx="1">
-          <a:scrgbClr r="0" g="0" b="0"/>
-        </a:fillRef>
-        <a:effectRef idx="0">
-          <a:scrgbClr r="0" g="0" b="0"/>
-        </a:effectRef>
-        <a:fontRef idx="minor"/>
-      </dsp:style>
-      <dsp:txBody>
-        <a:bodyPr spcFirstLastPara="0" vert="horz" wrap="square" lIns="85344" tIns="85344" rIns="113792" bIns="128016" numCol="1" spcCol="1270" anchor="t" anchorCtr="0">
-          <a:noAutofit/>
-        </a:bodyPr>
-        <a:lstStyle/>
-        <a:p>
-          <a:pPr marL="0" lvl="1" indent="0" algn="l" defTabSz="711200">
-            <a:lnSpc>
-              <a:spcPct val="100000"/>
-            </a:lnSpc>
-            <a:spcBef>
-              <a:spcPct val="0"/>
-            </a:spcBef>
-            <a:spcAft>
-              <a:spcPts val="0"/>
-            </a:spcAft>
-            <a:buNone/>
-          </a:pPr>
-          <a:r>
-            <a:rPr lang="ru-RU" sz="1600" kern="1200" dirty="0">
-              <a:latin typeface="Roboto" panose="02000000000000000000" pitchFamily="2" charset="0"/>
-              <a:ea typeface="Roboto" panose="02000000000000000000" pitchFamily="2" charset="0"/>
-              <a:cs typeface="Roboto" panose="02000000000000000000" pitchFamily="2" charset="0"/>
-            </a:rPr>
-            <a:t>Возможность поиска данных по ключевым словам</a:t>
-          </a:r>
-        </a:p>
-      </dsp:txBody>
-      <dsp:txXfrm>
-        <a:off x="5843921" y="695057"/>
-        <a:ext cx="1707809" cy="1361520"/>
-      </dsp:txXfrm>
-    </dsp:sp>
-    <dsp:sp modelId="{B6360353-E10D-4DE8-8DFB-34495E320BE7}">
-      <dsp:nvSpPr>
-        <dsp:cNvPr id="0" name=""/>
-        <dsp:cNvSpPr/>
-      </dsp:nvSpPr>
-      <dsp:spPr>
-        <a:xfrm>
-          <a:off x="7790824" y="11933"/>
-          <a:ext cx="1707809" cy="683123"/>
+          <a:off x="8556530" y="2159971"/>
+          <a:ext cx="2591898" cy="1555138"/>
         </a:xfrm>
         <a:prstGeom prst="rect">
           <a:avLst/>
@@ -5534,7 +4536,14 @@
           <a:srgbClr val="FF9933"/>
         </a:solidFill>
         <a:ln w="25400" cap="flat" cmpd="sng" algn="ctr">
-          <a:noFill/>
+          <a:solidFill>
+            <a:schemeClr val="lt1">
+              <a:hueOff val="0"/>
+              <a:satOff val="0"/>
+              <a:lumOff val="0"/>
+              <a:alphaOff val="0"/>
+            </a:schemeClr>
+          </a:solidFill>
           <a:prstDash val="solid"/>
         </a:ln>
         <a:effectLst/>
@@ -5554,243 +4563,32 @@
         </a:fontRef>
       </dsp:style>
       <dsp:txBody>
-        <a:bodyPr spcFirstLastPara="0" vert="horz" wrap="square" lIns="113792" tIns="65024" rIns="113792" bIns="65024" numCol="1" spcCol="1270" anchor="ctr" anchorCtr="0">
+        <a:bodyPr spcFirstLastPara="0" vert="horz" wrap="square" lIns="95250" tIns="95250" rIns="95250" bIns="95250" numCol="1" spcCol="1270" anchor="ctr" anchorCtr="0">
           <a:noAutofit/>
         </a:bodyPr>
         <a:lstStyle/>
         <a:p>
-          <a:pPr marL="0" lvl="0" indent="0" algn="ctr" defTabSz="711200">
+          <a:pPr marL="0" lvl="0" indent="0" algn="ctr" defTabSz="1111250">
             <a:lnSpc>
-              <a:spcPct val="100000"/>
+              <a:spcPct val="90000"/>
             </a:lnSpc>
             <a:spcBef>
               <a:spcPct val="0"/>
             </a:spcBef>
             <a:spcAft>
-              <a:spcPts val="0"/>
+              <a:spcPct val="35000"/>
             </a:spcAft>
             <a:buNone/>
           </a:pPr>
           <a:r>
-            <a:rPr lang="ru-RU" sz="1600" kern="1200" dirty="0">
-              <a:latin typeface="Roboto" panose="02000000000000000000" pitchFamily="2" charset="0"/>
-              <a:ea typeface="Roboto" panose="02000000000000000000" pitchFamily="2" charset="0"/>
-              <a:cs typeface="Roboto" panose="02000000000000000000" pitchFamily="2" charset="0"/>
-            </a:rPr>
-            <a:t>Сортировка</a:t>
+            <a:rPr lang="ru-RU" sz="2500" kern="1200" dirty="0"/>
+            <a:t>Формирование отчета</a:t>
           </a:r>
         </a:p>
       </dsp:txBody>
       <dsp:txXfrm>
-        <a:off x="7790824" y="11933"/>
-        <a:ext cx="1707809" cy="683123"/>
-      </dsp:txXfrm>
-    </dsp:sp>
-    <dsp:sp modelId="{92876A7C-E7EA-46F3-AC06-601C3A35B1DC}">
-      <dsp:nvSpPr>
-        <dsp:cNvPr id="0" name=""/>
-        <dsp:cNvSpPr/>
-      </dsp:nvSpPr>
-      <dsp:spPr>
-        <a:xfrm>
-          <a:off x="7790824" y="695057"/>
-          <a:ext cx="1707809" cy="1361520"/>
-        </a:xfrm>
-        <a:prstGeom prst="rect">
-          <a:avLst/>
-        </a:prstGeom>
-        <a:solidFill>
-          <a:srgbClr val="F9D8D1">
-            <a:alpha val="90000"/>
-          </a:srgbClr>
-        </a:solidFill>
-        <a:ln w="25400" cap="flat" cmpd="sng" algn="ctr">
-          <a:noFill/>
-          <a:prstDash val="solid"/>
-        </a:ln>
-        <a:effectLst/>
-      </dsp:spPr>
-      <dsp:style>
-        <a:lnRef idx="2">
-          <a:scrgbClr r="0" g="0" b="0"/>
-        </a:lnRef>
-        <a:fillRef idx="1">
-          <a:scrgbClr r="0" g="0" b="0"/>
-        </a:fillRef>
-        <a:effectRef idx="0">
-          <a:scrgbClr r="0" g="0" b="0"/>
-        </a:effectRef>
-        <a:fontRef idx="minor"/>
-      </dsp:style>
-      <dsp:txBody>
-        <a:bodyPr spcFirstLastPara="0" vert="horz" wrap="square" lIns="85344" tIns="85344" rIns="113792" bIns="128016" numCol="1" spcCol="1270" anchor="t" anchorCtr="0">
-          <a:noAutofit/>
-        </a:bodyPr>
-        <a:lstStyle/>
-        <a:p>
-          <a:pPr marL="0" lvl="1" indent="0" algn="l" defTabSz="711200">
-            <a:lnSpc>
-              <a:spcPct val="100000"/>
-            </a:lnSpc>
-            <a:spcBef>
-              <a:spcPct val="0"/>
-            </a:spcBef>
-            <a:spcAft>
-              <a:spcPts val="0"/>
-            </a:spcAft>
-            <a:buNone/>
-          </a:pPr>
-          <a:r>
-            <a:rPr lang="ru-RU" sz="1600" kern="1200" dirty="0">
-              <a:latin typeface="Roboto" panose="02000000000000000000" pitchFamily="2" charset="0"/>
-              <a:ea typeface="Roboto" panose="02000000000000000000" pitchFamily="2" charset="0"/>
-              <a:cs typeface="Roboto" panose="02000000000000000000" pitchFamily="2" charset="0"/>
-            </a:rPr>
-            <a:t>Возможность сортирования данных по критерию</a:t>
-          </a:r>
-        </a:p>
-      </dsp:txBody>
-      <dsp:txXfrm>
-        <a:off x="7790824" y="695057"/>
-        <a:ext cx="1707809" cy="1361520"/>
-      </dsp:txXfrm>
-    </dsp:sp>
-    <dsp:sp modelId="{7DE1910B-4301-4261-AF13-326DB917A39B}">
-      <dsp:nvSpPr>
-        <dsp:cNvPr id="0" name=""/>
-        <dsp:cNvSpPr/>
-      </dsp:nvSpPr>
-      <dsp:spPr>
-        <a:xfrm>
-          <a:off x="9737726" y="11933"/>
-          <a:ext cx="1707809" cy="683123"/>
-        </a:xfrm>
-        <a:prstGeom prst="rect">
-          <a:avLst/>
-        </a:prstGeom>
-        <a:solidFill>
-          <a:srgbClr val="FF9933"/>
-        </a:solidFill>
-        <a:ln w="25400" cap="flat" cmpd="sng" algn="ctr">
-          <a:noFill/>
-          <a:prstDash val="solid"/>
-        </a:ln>
-        <a:effectLst/>
-      </dsp:spPr>
-      <dsp:style>
-        <a:lnRef idx="2">
-          <a:scrgbClr r="0" g="0" b="0"/>
-        </a:lnRef>
-        <a:fillRef idx="1">
-          <a:scrgbClr r="0" g="0" b="0"/>
-        </a:fillRef>
-        <a:effectRef idx="0">
-          <a:scrgbClr r="0" g="0" b="0"/>
-        </a:effectRef>
-        <a:fontRef idx="minor">
-          <a:schemeClr val="lt1"/>
-        </a:fontRef>
-      </dsp:style>
-      <dsp:txBody>
-        <a:bodyPr spcFirstLastPara="0" vert="horz" wrap="square" lIns="113792" tIns="65024" rIns="113792" bIns="65024" numCol="1" spcCol="1270" anchor="ctr" anchorCtr="0">
-          <a:noAutofit/>
-        </a:bodyPr>
-        <a:lstStyle/>
-        <a:p>
-          <a:pPr marL="0" lvl="0" indent="0" algn="ctr" defTabSz="711200">
-            <a:lnSpc>
-              <a:spcPct val="100000"/>
-            </a:lnSpc>
-            <a:spcBef>
-              <a:spcPct val="0"/>
-            </a:spcBef>
-            <a:spcAft>
-              <a:spcPts val="0"/>
-            </a:spcAft>
-            <a:buNone/>
-          </a:pPr>
-          <a:r>
-            <a:rPr lang="ru-RU" sz="1600" kern="1200" dirty="0">
-              <a:latin typeface="Roboto" panose="02000000000000000000" pitchFamily="2" charset="0"/>
-              <a:ea typeface="Roboto" panose="02000000000000000000" pitchFamily="2" charset="0"/>
-              <a:cs typeface="Roboto" panose="02000000000000000000" pitchFamily="2" charset="0"/>
-            </a:rPr>
-            <a:t>Фильтрация</a:t>
-          </a:r>
-        </a:p>
-      </dsp:txBody>
-      <dsp:txXfrm>
-        <a:off x="9737726" y="11933"/>
-        <a:ext cx="1707809" cy="683123"/>
-      </dsp:txXfrm>
-    </dsp:sp>
-    <dsp:sp modelId="{F1F7A45A-478D-4255-B9DA-5007A561E6D3}">
-      <dsp:nvSpPr>
-        <dsp:cNvPr id="0" name=""/>
-        <dsp:cNvSpPr/>
-      </dsp:nvSpPr>
-      <dsp:spPr>
-        <a:xfrm>
-          <a:off x="9737726" y="695057"/>
-          <a:ext cx="1707809" cy="1361520"/>
-        </a:xfrm>
-        <a:prstGeom prst="rect">
-          <a:avLst/>
-        </a:prstGeom>
-        <a:solidFill>
-          <a:srgbClr val="F9D8D1">
-            <a:alpha val="90000"/>
-          </a:srgbClr>
-        </a:solidFill>
-        <a:ln w="25400" cap="flat" cmpd="sng" algn="ctr">
-          <a:noFill/>
-          <a:prstDash val="solid"/>
-        </a:ln>
-        <a:effectLst/>
-      </dsp:spPr>
-      <dsp:style>
-        <a:lnRef idx="2">
-          <a:scrgbClr r="0" g="0" b="0"/>
-        </a:lnRef>
-        <a:fillRef idx="1">
-          <a:scrgbClr r="0" g="0" b="0"/>
-        </a:fillRef>
-        <a:effectRef idx="0">
-          <a:scrgbClr r="0" g="0" b="0"/>
-        </a:effectRef>
-        <a:fontRef idx="minor"/>
-      </dsp:style>
-      <dsp:txBody>
-        <a:bodyPr spcFirstLastPara="0" vert="horz" wrap="square" lIns="85344" tIns="85344" rIns="113792" bIns="128016" numCol="1" spcCol="1270" anchor="t" anchorCtr="0">
-          <a:noAutofit/>
-        </a:bodyPr>
-        <a:lstStyle/>
-        <a:p>
-          <a:pPr marL="0" lvl="1" indent="0" algn="l" defTabSz="711200">
-            <a:lnSpc>
-              <a:spcPct val="100000"/>
-            </a:lnSpc>
-            <a:spcBef>
-              <a:spcPct val="0"/>
-            </a:spcBef>
-            <a:spcAft>
-              <a:spcPts val="0"/>
-            </a:spcAft>
-            <a:buNone/>
-          </a:pPr>
-          <a:r>
-            <a:rPr lang="ru-RU" sz="1600" kern="1200" dirty="0">
-              <a:latin typeface="Roboto" panose="02000000000000000000" pitchFamily="2" charset="0"/>
-              <a:ea typeface="Roboto" panose="02000000000000000000" pitchFamily="2" charset="0"/>
-              <a:cs typeface="Roboto" panose="02000000000000000000" pitchFamily="2" charset="0"/>
-            </a:rPr>
-            <a:t>Возможность фильтрования данных по критериям</a:t>
-          </a:r>
-        </a:p>
-      </dsp:txBody>
-      <dsp:txXfrm>
-        <a:off x="9737726" y="695057"/>
-        <a:ext cx="1707809" cy="1361520"/>
+        <a:off x="8556530" y="2159971"/>
+        <a:ext cx="2591898" cy="1555138"/>
       </dsp:txXfrm>
     </dsp:sp>
   </dsp:spTree>
@@ -6112,80 +4910,13 @@
 </file>
 
 <file path=ppt/diagrams/layout3.xml><?xml version="1.0" encoding="utf-8"?>
-<dgm:layoutDef xmlns:dgm="http://schemas.openxmlformats.org/drawingml/2006/diagram" xmlns:a="http://schemas.openxmlformats.org/drawingml/2006/main" uniqueId="urn:microsoft.com/office/officeart/2005/8/layout/hList1">
+<dgm:layoutDef xmlns:dgm="http://schemas.openxmlformats.org/drawingml/2006/diagram" xmlns:a="http://schemas.openxmlformats.org/drawingml/2006/main" uniqueId="urn:microsoft.com/office/officeart/2005/8/layout/default">
   <dgm:title val=""/>
   <dgm:desc val=""/>
   <dgm:catLst>
-    <dgm:cat type="list" pri="5000"/>
-    <dgm:cat type="convert" pri="5000"/>
+    <dgm:cat type="list" pri="400"/>
   </dgm:catLst>
   <dgm:sampData>
-    <dgm:dataModel>
-      <dgm:ptLst>
-        <dgm:pt modelId="0" type="doc"/>
-        <dgm:pt modelId="1">
-          <dgm:prSet phldr="1"/>
-        </dgm:pt>
-        <dgm:pt modelId="11">
-          <dgm:prSet phldr="1"/>
-        </dgm:pt>
-        <dgm:pt modelId="12">
-          <dgm:prSet phldr="1"/>
-        </dgm:pt>
-        <dgm:pt modelId="2">
-          <dgm:prSet phldr="1"/>
-        </dgm:pt>
-        <dgm:pt modelId="21">
-          <dgm:prSet phldr="1"/>
-        </dgm:pt>
-        <dgm:pt modelId="22">
-          <dgm:prSet phldr="1"/>
-        </dgm:pt>
-        <dgm:pt modelId="3">
-          <dgm:prSet phldr="1"/>
-        </dgm:pt>
-        <dgm:pt modelId="31">
-          <dgm:prSet phldr="1"/>
-        </dgm:pt>
-        <dgm:pt modelId="32">
-          <dgm:prSet phldr="1"/>
-        </dgm:pt>
-      </dgm:ptLst>
-      <dgm:cxnLst>
-        <dgm:cxn modelId="4" srcId="0" destId="1" srcOrd="0" destOrd="0"/>
-        <dgm:cxn modelId="5" srcId="0" destId="2" srcOrd="1" destOrd="0"/>
-        <dgm:cxn modelId="6" srcId="0" destId="3" srcOrd="2" destOrd="0"/>
-        <dgm:cxn modelId="13" srcId="1" destId="11" srcOrd="0" destOrd="0"/>
-        <dgm:cxn modelId="14" srcId="1" destId="12" srcOrd="1" destOrd="0"/>
-        <dgm:cxn modelId="23" srcId="2" destId="21" srcOrd="0" destOrd="0"/>
-        <dgm:cxn modelId="24" srcId="2" destId="22" srcOrd="1" destOrd="0"/>
-        <dgm:cxn modelId="33" srcId="3" destId="31" srcOrd="0" destOrd="0"/>
-        <dgm:cxn modelId="34" srcId="3" destId="32" srcOrd="1" destOrd="0"/>
-      </dgm:cxnLst>
-      <dgm:bg/>
-      <dgm:whole/>
-    </dgm:dataModel>
-  </dgm:sampData>
-  <dgm:styleData>
-    <dgm:dataModel>
-      <dgm:ptLst>
-        <dgm:pt modelId="0" type="doc"/>
-        <dgm:pt modelId="1">
-          <dgm:prSet phldr="1"/>
-        </dgm:pt>
-        <dgm:pt modelId="2">
-          <dgm:prSet phldr="1"/>
-        </dgm:pt>
-      </dgm:ptLst>
-      <dgm:cxnLst>
-        <dgm:cxn modelId="3" srcId="0" destId="1" srcOrd="0" destOrd="0"/>
-        <dgm:cxn modelId="4" srcId="0" destId="2" srcOrd="1" destOrd="0"/>
-      </dgm:cxnLst>
-      <dgm:bg/>
-      <dgm:whole/>
-    </dgm:dataModel>
-  </dgm:styleData>
-  <dgm:clrData>
     <dgm:dataModel>
       <dgm:ptLst>
         <dgm:pt modelId="0" type="doc"/>
@@ -6201,30 +4932,79 @@
         <dgm:pt modelId="4">
           <dgm:prSet phldr="1"/>
         </dgm:pt>
+        <dgm:pt modelId="5">
+          <dgm:prSet phldr="1"/>
+        </dgm:pt>
       </dgm:ptLst>
       <dgm:cxnLst>
-        <dgm:cxn modelId="5" srcId="0" destId="1" srcOrd="0" destOrd="0"/>
-        <dgm:cxn modelId="6" srcId="0" destId="2" srcOrd="1" destOrd="0"/>
-        <dgm:cxn modelId="7" srcId="0" destId="3" srcOrd="2" destOrd="0"/>
-        <dgm:cxn modelId="8" srcId="0" destId="4" srcOrd="3" destOrd="0"/>
+        <dgm:cxn modelId="6" srcId="0" destId="1" srcOrd="0" destOrd="0"/>
+        <dgm:cxn modelId="7" srcId="0" destId="2" srcOrd="1" destOrd="0"/>
+        <dgm:cxn modelId="8" srcId="0" destId="3" srcOrd="2" destOrd="0"/>
+        <dgm:cxn modelId="9" srcId="0" destId="4" srcOrd="3" destOrd="0"/>
+        <dgm:cxn modelId="10" srcId="0" destId="5" srcOrd="4" destOrd="0"/>
+      </dgm:cxnLst>
+      <dgm:bg/>
+      <dgm:whole/>
+    </dgm:dataModel>
+  </dgm:sampData>
+  <dgm:styleData>
+    <dgm:dataModel>
+      <dgm:ptLst>
+        <dgm:pt modelId="0" type="doc"/>
+        <dgm:pt modelId="1"/>
+        <dgm:pt modelId="2"/>
+      </dgm:ptLst>
+      <dgm:cxnLst>
+        <dgm:cxn modelId="3" srcId="0" destId="1" srcOrd="0" destOrd="0"/>
+        <dgm:cxn modelId="4" srcId="0" destId="2" srcOrd="1" destOrd="0"/>
+      </dgm:cxnLst>
+      <dgm:bg/>
+      <dgm:whole/>
+    </dgm:dataModel>
+  </dgm:styleData>
+  <dgm:clrData>
+    <dgm:dataModel>
+      <dgm:ptLst>
+        <dgm:pt modelId="0" type="doc"/>
+        <dgm:pt modelId="1"/>
+        <dgm:pt modelId="2"/>
+        <dgm:pt modelId="3"/>
+        <dgm:pt modelId="4"/>
+        <dgm:pt modelId="5"/>
+        <dgm:pt modelId="6"/>
+      </dgm:ptLst>
+      <dgm:cxnLst>
+        <dgm:cxn modelId="7" srcId="0" destId="1" srcOrd="0" destOrd="0"/>
+        <dgm:cxn modelId="8" srcId="0" destId="2" srcOrd="1" destOrd="0"/>
+        <dgm:cxn modelId="9" srcId="0" destId="3" srcOrd="2" destOrd="0"/>
+        <dgm:cxn modelId="10" srcId="0" destId="4" srcOrd="3" destOrd="0"/>
+        <dgm:cxn modelId="11" srcId="0" destId="5" srcOrd="4" destOrd="0"/>
+        <dgm:cxn modelId="12" srcId="0" destId="6" srcOrd="5" destOrd="0"/>
       </dgm:cxnLst>
       <dgm:bg/>
       <dgm:whole/>
     </dgm:dataModel>
   </dgm:clrData>
-  <dgm:layoutNode name="Name0">
+  <dgm:layoutNode name="diagram">
     <dgm:varLst>
       <dgm:dir/>
-      <dgm:animLvl val="lvl"/>
       <dgm:resizeHandles val="exact"/>
     </dgm:varLst>
-    <dgm:choose name="Name1">
-      <dgm:if name="Name2" func="var" arg="dir" op="equ" val="norm">
-        <dgm:alg type="lin"/>
+    <dgm:choose name="Name0">
+      <dgm:if name="Name1" func="var" arg="dir" op="equ" val="norm">
+        <dgm:alg type="snake">
+          <dgm:param type="grDir" val="tL"/>
+          <dgm:param type="flowDir" val="row"/>
+          <dgm:param type="contDir" val="sameDir"/>
+          <dgm:param type="off" val="ctr"/>
+        </dgm:alg>
       </dgm:if>
-      <dgm:else name="Name3">
-        <dgm:alg type="lin">
-          <dgm:param type="linDir" val="fromR"/>
+      <dgm:else name="Name2">
+        <dgm:alg type="snake">
+          <dgm:param type="grDir" val="tR"/>
+          <dgm:param type="flowDir" val="row"/>
+          <dgm:param type="contDir" val="sameDir"/>
+          <dgm:param type="off" val="ctr"/>
         </dgm:alg>
       </dgm:else>
     </dgm:choose>
@@ -6233,87 +5013,35 @@
     </dgm:shape>
     <dgm:presOf/>
     <dgm:constrLst>
-      <dgm:constr type="h" for="ch" forName="composite" refType="h"/>
-      <dgm:constr type="w" for="ch" forName="composite" refType="w"/>
-      <dgm:constr type="w" for="des" forName="parTx"/>
-      <dgm:constr type="h" for="des" forName="parTx" op="equ"/>
-      <dgm:constr type="w" for="des" forName="desTx"/>
-      <dgm:constr type="h" for="des" forName="desTx" op="equ"/>
-      <dgm:constr type="primFontSz" for="des" forName="parTx" val="65"/>
-      <dgm:constr type="secFontSz" for="des" forName="desTx" refType="primFontSz" refFor="des" refForName="parTx" op="equ"/>
-      <dgm:constr type="h" for="des" forName="parTx" refType="primFontSz" refFor="des" refForName="parTx" fact="0.8"/>
-      <dgm:constr type="h" for="des" forName="desTx" refType="primFontSz" refFor="des" refForName="parTx" fact="1.22"/>
-      <dgm:constr type="w" for="ch" forName="space" refType="w" refFor="ch" refForName="composite" op="equ" fact="0.14"/>
+      <dgm:constr type="w" for="ch" forName="node" refType="w"/>
+      <dgm:constr type="h" for="ch" forName="node" refType="w" refFor="ch" refForName="node" fact="0.6"/>
+      <dgm:constr type="w" for="ch" forName="sibTrans" refType="w" refFor="ch" refForName="node" fact="0.1"/>
+      <dgm:constr type="sp" refType="w" refFor="ch" refForName="sibTrans"/>
+      <dgm:constr type="primFontSz" for="ch" forName="node" op="equ" val="65"/>
     </dgm:constrLst>
-    <dgm:ruleLst>
-      <dgm:rule type="w" for="ch" forName="composite" val="0" fact="NaN" max="NaN"/>
-      <dgm:rule type="primFontSz" for="des" forName="parTx" val="5" fact="NaN" max="NaN"/>
-    </dgm:ruleLst>
-    <dgm:forEach name="Name4" axis="ch" ptType="node">
-      <dgm:layoutNode name="composite">
-        <dgm:alg type="composite"/>
-        <dgm:shape xmlns:r="http://schemas.openxmlformats.org/officeDocument/2006/relationships" r:blip="">
+    <dgm:ruleLst/>
+    <dgm:forEach name="Name3" axis="ch" ptType="node">
+      <dgm:layoutNode name="node">
+        <dgm:varLst>
+          <dgm:bulletEnabled val="1"/>
+        </dgm:varLst>
+        <dgm:alg type="tx"/>
+        <dgm:shape xmlns:r="http://schemas.openxmlformats.org/officeDocument/2006/relationships" type="rect" r:blip="">
           <dgm:adjLst/>
         </dgm:shape>
-        <dgm:presOf/>
+        <dgm:presOf axis="desOrSelf" ptType="node"/>
         <dgm:constrLst>
-          <dgm:constr type="l" for="ch" forName="parTx"/>
-          <dgm:constr type="w" for="ch" forName="parTx" refType="w"/>
-          <dgm:constr type="t" for="ch" forName="parTx"/>
-          <dgm:constr type="l" for="ch" forName="desTx"/>
-          <dgm:constr type="w" for="ch" forName="desTx" refType="w" refFor="ch" refForName="parTx"/>
-          <dgm:constr type="t" for="ch" forName="desTx" refType="h" refFor="ch" refForName="parTx"/>
+          <dgm:constr type="lMarg" refType="primFontSz" fact="0.3"/>
+          <dgm:constr type="rMarg" refType="primFontSz" fact="0.3"/>
+          <dgm:constr type="tMarg" refType="primFontSz" fact="0.3"/>
+          <dgm:constr type="bMarg" refType="primFontSz" fact="0.3"/>
         </dgm:constrLst>
         <dgm:ruleLst>
-          <dgm:rule type="h" val="INF" fact="NaN" max="NaN"/>
+          <dgm:rule type="primFontSz" val="5" fact="NaN" max="NaN"/>
         </dgm:ruleLst>
-        <dgm:layoutNode name="parTx" styleLbl="alignNode1">
-          <dgm:varLst>
-            <dgm:chMax val="0"/>
-            <dgm:chPref val="0"/>
-            <dgm:bulletEnabled val="1"/>
-          </dgm:varLst>
-          <dgm:alg type="tx"/>
-          <dgm:shape xmlns:r="http://schemas.openxmlformats.org/officeDocument/2006/relationships" type="rect" r:blip="">
-            <dgm:adjLst/>
-          </dgm:shape>
-          <dgm:presOf axis="self" ptType="node"/>
-          <dgm:constrLst>
-            <dgm:constr type="h" refType="w" op="lte" fact="0.4"/>
-            <dgm:constr type="h"/>
-            <dgm:constr type="tMarg" refType="primFontSz" fact="0.32"/>
-            <dgm:constr type="bMarg" refType="primFontSz" fact="0.32"/>
-          </dgm:constrLst>
-          <dgm:ruleLst>
-            <dgm:rule type="h" val="INF" fact="NaN" max="NaN"/>
-          </dgm:ruleLst>
-        </dgm:layoutNode>
-        <dgm:layoutNode name="desTx" styleLbl="alignAccFollowNode1">
-          <dgm:varLst>
-            <dgm:bulletEnabled val="1"/>
-          </dgm:varLst>
-          <dgm:alg type="tx">
-            <dgm:param type="stBulletLvl" val="1"/>
-          </dgm:alg>
-          <dgm:shape xmlns:r="http://schemas.openxmlformats.org/officeDocument/2006/relationships" type="rect" r:blip="">
-            <dgm:adjLst/>
-          </dgm:shape>
-          <dgm:presOf axis="des" ptType="node"/>
-          <dgm:constrLst>
-            <dgm:constr type="secFontSz" val="65"/>
-            <dgm:constr type="primFontSz" refType="secFontSz"/>
-            <dgm:constr type="h"/>
-            <dgm:constr type="lMarg" refType="primFontSz" fact="0.42"/>
-            <dgm:constr type="tMarg" refType="primFontSz" fact="0.42"/>
-            <dgm:constr type="bMarg" refType="primFontSz" fact="0.63"/>
-          </dgm:constrLst>
-          <dgm:ruleLst>
-            <dgm:rule type="h" val="INF" fact="NaN" max="NaN"/>
-          </dgm:ruleLst>
-        </dgm:layoutNode>
       </dgm:layoutNode>
-      <dgm:forEach name="Name5" axis="followSib" ptType="sibTrans" cnt="1">
-        <dgm:layoutNode name="space">
+      <dgm:forEach name="Name4" axis="followSib" ptType="sibTrans" cnt="1">
+        <dgm:layoutNode name="sibTrans">
           <dgm:alg type="sp"/>
           <dgm:shape xmlns:r="http://schemas.openxmlformats.org/officeDocument/2006/relationships" r:blip="">
             <dgm:adjLst/>
@@ -14545,6 +13273,9 @@
               <a:alpha val="70000"/>
             </a:srgbClr>
           </a:solidFill>
+          <a:ln>
+            <a:round/>
+          </a:ln>
         </p:spPr>
         <p:style>
           <a:lnRef idx="1">
@@ -14714,7 +13445,7 @@
                 <a:ea typeface="Roboto" panose="02000000000000000000" pitchFamily="2" charset="0"/>
                 <a:cs typeface="Roboto" panose="02000000000000000000" pitchFamily="2" charset="0"/>
               </a:rPr>
-              <a:t>Автор проекта:</a:t>
+              <a:t>Автор дипломного проекта:</a:t>
             </a:r>
           </a:p>
           <a:p>
@@ -14859,24 +13590,22 @@
         </p:nvSpPr>
         <p:spPr bwMode="auto">
           <a:xfrm>
-            <a:off x="381001" y="1449388"/>
-            <a:ext cx="6552384" cy="1393825"/>
+            <a:off x="381000" y="53316"/>
+            <a:ext cx="6552384" cy="938142"/>
           </a:xfrm>
           <a:prstGeom prst="rect">
             <a:avLst/>
           </a:prstGeom>
-          <a:noFill/>
+          <a:solidFill>
+            <a:schemeClr val="accent2">
+              <a:lumMod val="75000"/>
+              <a:alpha val="10000"/>
+            </a:schemeClr>
+          </a:solidFill>
           <a:ln>
             <a:noFill/>
           </a:ln>
           <a:extLst>
-            <a:ext uri="{909E8E84-426E-40DD-AFC4-6F175D3DCCD1}">
-              <a14:hiddenFill xmlns:a14="http://schemas.microsoft.com/office/drawing/2010/main">
-                <a:solidFill>
-                  <a:srgbClr val="FFFFFF"/>
-                </a:solidFill>
-              </a14:hiddenFill>
-            </a:ext>
             <a:ext uri="{91240B29-F687-4F45-9708-019B960494DF}">
               <a14:hiddenLine xmlns:a14="http://schemas.microsoft.com/office/drawing/2010/main" w="9525">
                 <a:solidFill>
@@ -14896,7 +13625,37 @@
             </a:prstTxWarp>
           </a:bodyPr>
           <a:lstStyle>
-            <a:lvl1pPr algn="l" rtl="0" eaLnBrk="0" fontAlgn="base" hangingPunct="0">
+            <a:lvl1pPr algn="l" eaLnBrk="1" hangingPunct="1">
+              <a:defRPr sz="4400" b="1">
+                <a:solidFill>
+                  <a:schemeClr val="bg1"/>
+                </a:solidFill>
+                <a:latin typeface="Lato" panose="020F0502020204030203" pitchFamily="34" charset="0"/>
+                <a:ea typeface="Lato" panose="020F0502020204030203" pitchFamily="34" charset="0"/>
+                <a:cs typeface="Lato" panose="020F0502020204030203" pitchFamily="34" charset="0"/>
+              </a:defRPr>
+            </a:lvl1pPr>
+            <a:lvl2pPr algn="l" eaLnBrk="0" hangingPunct="0">
+              <a:defRPr sz="4900">
+                <a:latin typeface="Microsoft Sans Serif" pitchFamily="34" charset="0"/>
+              </a:defRPr>
+            </a:lvl2pPr>
+            <a:lvl3pPr algn="l" eaLnBrk="0" hangingPunct="0">
+              <a:defRPr sz="4900">
+                <a:latin typeface="Microsoft Sans Serif" pitchFamily="34" charset="0"/>
+              </a:defRPr>
+            </a:lvl3pPr>
+            <a:lvl4pPr algn="l" eaLnBrk="0" hangingPunct="0">
+              <a:defRPr sz="4900">
+                <a:latin typeface="Microsoft Sans Serif" pitchFamily="34" charset="0"/>
+              </a:defRPr>
+            </a:lvl4pPr>
+            <a:lvl5pPr algn="l" eaLnBrk="0" hangingPunct="0">
+              <a:defRPr sz="4900">
+                <a:latin typeface="Microsoft Sans Serif" pitchFamily="34" charset="0"/>
+              </a:defRPr>
+            </a:lvl5pPr>
+            <a:lvl6pPr marL="509412" eaLnBrk="0" fontAlgn="base" hangingPunct="0">
               <a:spcBef>
                 <a:spcPct val="0"/>
               </a:spcBef>
@@ -14904,15 +13663,10 @@
                 <a:spcPct val="0"/>
               </a:spcAft>
               <a:defRPr sz="4900">
-                <a:solidFill>
-                  <a:schemeClr val="tx1"/>
-                </a:solidFill>
-                <a:latin typeface="+mj-lt"/>
-                <a:ea typeface="+mj-ea"/>
-                <a:cs typeface="+mj-cs"/>
+                <a:latin typeface="Microsoft Sans Serif" pitchFamily="34" charset="0"/>
               </a:defRPr>
-            </a:lvl1pPr>
-            <a:lvl2pPr algn="l" rtl="0" eaLnBrk="0" fontAlgn="base" hangingPunct="0">
+            </a:lvl6pPr>
+            <a:lvl7pPr marL="1018824" eaLnBrk="0" fontAlgn="base" hangingPunct="0">
               <a:spcBef>
                 <a:spcPct val="0"/>
               </a:spcBef>
@@ -14920,13 +13674,10 @@
                 <a:spcPct val="0"/>
               </a:spcAft>
               <a:defRPr sz="4900">
-                <a:solidFill>
-                  <a:schemeClr val="tx1"/>
-                </a:solidFill>
                 <a:latin typeface="Microsoft Sans Serif" pitchFamily="34" charset="0"/>
               </a:defRPr>
-            </a:lvl2pPr>
-            <a:lvl3pPr algn="l" rtl="0" eaLnBrk="0" fontAlgn="base" hangingPunct="0">
+            </a:lvl7pPr>
+            <a:lvl8pPr marL="1528237" eaLnBrk="0" fontAlgn="base" hangingPunct="0">
               <a:spcBef>
                 <a:spcPct val="0"/>
               </a:spcBef>
@@ -14934,13 +13685,10 @@
                 <a:spcPct val="0"/>
               </a:spcAft>
               <a:defRPr sz="4900">
-                <a:solidFill>
-                  <a:schemeClr val="tx1"/>
-                </a:solidFill>
                 <a:latin typeface="Microsoft Sans Serif" pitchFamily="34" charset="0"/>
               </a:defRPr>
-            </a:lvl3pPr>
-            <a:lvl4pPr algn="l" rtl="0" eaLnBrk="0" fontAlgn="base" hangingPunct="0">
+            </a:lvl8pPr>
+            <a:lvl9pPr marL="2037649" eaLnBrk="0" fontAlgn="base" hangingPunct="0">
               <a:spcBef>
                 <a:spcPct val="0"/>
               </a:spcBef>
@@ -14948,98 +13696,16 @@
                 <a:spcPct val="0"/>
               </a:spcAft>
               <a:defRPr sz="4900">
-                <a:solidFill>
-                  <a:schemeClr val="tx1"/>
-                </a:solidFill>
-                <a:latin typeface="Microsoft Sans Serif" pitchFamily="34" charset="0"/>
-              </a:defRPr>
-            </a:lvl4pPr>
-            <a:lvl5pPr algn="l" rtl="0" eaLnBrk="0" fontAlgn="base" hangingPunct="0">
-              <a:spcBef>
-                <a:spcPct val="0"/>
-              </a:spcBef>
-              <a:spcAft>
-                <a:spcPct val="0"/>
-              </a:spcAft>
-              <a:defRPr sz="4900">
-                <a:solidFill>
-                  <a:schemeClr val="tx1"/>
-                </a:solidFill>
-                <a:latin typeface="Microsoft Sans Serif" pitchFamily="34" charset="0"/>
-              </a:defRPr>
-            </a:lvl5pPr>
-            <a:lvl6pPr marL="509412" algn="l" rtl="0" eaLnBrk="0" fontAlgn="base" hangingPunct="0">
-              <a:spcBef>
-                <a:spcPct val="0"/>
-              </a:spcBef>
-              <a:spcAft>
-                <a:spcPct val="0"/>
-              </a:spcAft>
-              <a:defRPr sz="4900">
-                <a:solidFill>
-                  <a:schemeClr val="tx1"/>
-                </a:solidFill>
-                <a:latin typeface="Microsoft Sans Serif" pitchFamily="34" charset="0"/>
-              </a:defRPr>
-            </a:lvl6pPr>
-            <a:lvl7pPr marL="1018824" algn="l" rtl="0" eaLnBrk="0" fontAlgn="base" hangingPunct="0">
-              <a:spcBef>
-                <a:spcPct val="0"/>
-              </a:spcBef>
-              <a:spcAft>
-                <a:spcPct val="0"/>
-              </a:spcAft>
-              <a:defRPr sz="4900">
-                <a:solidFill>
-                  <a:schemeClr val="tx1"/>
-                </a:solidFill>
-                <a:latin typeface="Microsoft Sans Serif" pitchFamily="34" charset="0"/>
-              </a:defRPr>
-            </a:lvl7pPr>
-            <a:lvl8pPr marL="1528237" algn="l" rtl="0" eaLnBrk="0" fontAlgn="base" hangingPunct="0">
-              <a:spcBef>
-                <a:spcPct val="0"/>
-              </a:spcBef>
-              <a:spcAft>
-                <a:spcPct val="0"/>
-              </a:spcAft>
-              <a:defRPr sz="4900">
-                <a:solidFill>
-                  <a:schemeClr val="tx1"/>
-                </a:solidFill>
-                <a:latin typeface="Microsoft Sans Serif" pitchFamily="34" charset="0"/>
-              </a:defRPr>
-            </a:lvl8pPr>
-            <a:lvl9pPr marL="2037649" algn="l" rtl="0" eaLnBrk="0" fontAlgn="base" hangingPunct="0">
-              <a:spcBef>
-                <a:spcPct val="0"/>
-              </a:spcBef>
-              <a:spcAft>
-                <a:spcPct val="0"/>
-              </a:spcAft>
-              <a:defRPr sz="4900">
-                <a:solidFill>
-                  <a:schemeClr val="tx1"/>
-                </a:solidFill>
                 <a:latin typeface="Microsoft Sans Serif" pitchFamily="34" charset="0"/>
               </a:defRPr>
             </a:lvl9pPr>
           </a:lstStyle>
           <a:p>
-            <a:pPr eaLnBrk="1" hangingPunct="1"/>
             <a:r>
-              <a:rPr lang="ru-RU" b="1" kern="0" dirty="0">
-                <a:latin typeface="Lato" panose="020F0502020204030203" pitchFamily="34" charset="0"/>
-                <a:ea typeface="Lato" panose="020F0502020204030203" pitchFamily="34" charset="0"/>
-                <a:cs typeface="Lato" panose="020F0502020204030203" pitchFamily="34" charset="0"/>
-              </a:rPr>
+              <a:rPr lang="ru-RU" dirty="0"/>
               <a:t>Экономическая часть</a:t>
             </a:r>
-            <a:endParaRPr lang="en-US" b="1" kern="0" dirty="0">
-              <a:latin typeface="Lato" panose="020F0502020204030203" pitchFamily="34" charset="0"/>
-              <a:ea typeface="Lato" panose="020F0502020204030203" pitchFamily="34" charset="0"/>
-              <a:cs typeface="Lato" panose="020F0502020204030203" pitchFamily="34" charset="0"/>
-            </a:endParaRPr>
+            <a:endParaRPr lang="en-US" dirty="0"/>
           </a:p>
         </p:txBody>
       </p:sp>
@@ -15058,14 +13724,14 @@
           <p:nvPr>
             <p:extLst>
               <p:ext uri="{D42A27DB-BD31-4B8C-83A1-F6EECF244321}">
-                <p14:modId xmlns:p14="http://schemas.microsoft.com/office/powerpoint/2010/main" val="38655450"/>
+                <p14:modId xmlns:p14="http://schemas.microsoft.com/office/powerpoint/2010/main" val="2623818084"/>
               </p:ext>
             </p:extLst>
           </p:nvPr>
         </p:nvGraphicFramePr>
         <p:xfrm>
-          <a:off x="910183" y="2744012"/>
-          <a:ext cx="10370046" cy="3884593"/>
+          <a:off x="514090" y="2210626"/>
+          <a:ext cx="11183697" cy="4189386"/>
         </p:xfrm>
         <a:graphic>
           <a:graphicData uri="http://schemas.openxmlformats.org/drawingml/2006/table">
@@ -15074,21 +13740,21 @@
                 <a:tableStyleId>{5C22544A-7EE6-4342-B048-85BDC9FD1C3A}</a:tableStyleId>
               </a:tblPr>
               <a:tblGrid>
-                <a:gridCol w="3456682">
+                <a:gridCol w="3727899">
                   <a:extLst>
                     <a:ext uri="{9D8B030D-6E8A-4147-A177-3AD203B41FA5}">
                       <a16:colId xmlns:a16="http://schemas.microsoft.com/office/drawing/2014/main" val="1449220326"/>
                     </a:ext>
                   </a:extLst>
                 </a:gridCol>
-                <a:gridCol w="3456682">
+                <a:gridCol w="3727899">
                   <a:extLst>
                     <a:ext uri="{9D8B030D-6E8A-4147-A177-3AD203B41FA5}">
                       <a16:colId xmlns:a16="http://schemas.microsoft.com/office/drawing/2014/main" val="285301770"/>
                     </a:ext>
                   </a:extLst>
                 </a:gridCol>
-                <a:gridCol w="3456682">
+                <a:gridCol w="3727899">
                   <a:extLst>
                     <a:ext uri="{9D8B030D-6E8A-4147-A177-3AD203B41FA5}">
                       <a16:colId xmlns:a16="http://schemas.microsoft.com/office/drawing/2014/main" val="1045047532"/>
@@ -15096,7 +13762,7 @@
                   </a:extLst>
                 </a:gridCol>
               </a:tblGrid>
-              <a:tr h="894533">
+              <a:tr h="964720">
                 <a:tc>
                   <a:txBody>
                     <a:bodyPr/>
@@ -15111,7 +13777,7 @@
                         </a:spcAft>
                       </a:pPr>
                       <a:r>
-                        <a:rPr lang="ru-RU" sz="2400" dirty="0">
+                        <a:rPr lang="ru-RU" sz="2600" dirty="0">
                           <a:latin typeface="Roboto" panose="02000000000000000000" pitchFamily="2" charset="0"/>
                           <a:ea typeface="Roboto" panose="02000000000000000000" pitchFamily="2" charset="0"/>
                           <a:cs typeface="Roboto" panose="02000000000000000000" pitchFamily="2" charset="0"/>
@@ -15120,7 +13786,7 @@
                       </a:r>
                     </a:p>
                   </a:txBody>
-                  <a:tcPr marL="116678" marR="116678" marT="58339" marB="58339">
+                  <a:tcPr marL="125833" marR="125833" marT="62916" marB="62916">
                     <a:solidFill>
                       <a:srgbClr val="FF9933"/>
                     </a:solidFill>
@@ -15140,7 +13806,7 @@
                         </a:spcAft>
                       </a:pPr>
                       <a:r>
-                        <a:rPr lang="ru-RU" sz="2400" b="1" kern="1200" dirty="0">
+                        <a:rPr lang="ru-RU" sz="2600" b="1" kern="1200" dirty="0">
                           <a:solidFill>
                             <a:schemeClr val="lt1"/>
                           </a:solidFill>
@@ -15151,14 +13817,14 @@
                         </a:rPr>
                         <a:t>Сумма, руб.</a:t>
                       </a:r>
-                      <a:endParaRPr lang="ru-RU" sz="2400" dirty="0">
+                      <a:endParaRPr lang="ru-RU" sz="2600" dirty="0">
                         <a:latin typeface="Roboto" panose="02000000000000000000" pitchFamily="2" charset="0"/>
                         <a:ea typeface="Roboto" panose="02000000000000000000" pitchFamily="2" charset="0"/>
                         <a:cs typeface="Roboto" panose="02000000000000000000" pitchFamily="2" charset="0"/>
                       </a:endParaRPr>
                     </a:p>
                   </a:txBody>
-                  <a:tcPr marL="116678" marR="116678" marT="58339" marB="58339">
+                  <a:tcPr marL="125833" marR="125833" marT="62916" marB="62916">
                     <a:solidFill>
                       <a:srgbClr val="FF9933"/>
                     </a:solidFill>
@@ -15178,7 +13844,7 @@
                         </a:spcAft>
                       </a:pPr>
                       <a:r>
-                        <a:rPr lang="ru-RU" sz="2400" b="1" kern="1200" dirty="0">
+                        <a:rPr lang="ru-RU" sz="2600" b="1" kern="1200" dirty="0">
                           <a:solidFill>
                             <a:schemeClr val="lt1"/>
                           </a:solidFill>
@@ -15189,14 +13855,14 @@
                         </a:rPr>
                         <a:t>Структура, %</a:t>
                       </a:r>
-                      <a:endParaRPr lang="ru-RU" sz="2400" dirty="0">
+                      <a:endParaRPr lang="ru-RU" sz="2600" dirty="0">
                         <a:latin typeface="Roboto" panose="02000000000000000000" pitchFamily="2" charset="0"/>
                         <a:ea typeface="Roboto" panose="02000000000000000000" pitchFamily="2" charset="0"/>
                         <a:cs typeface="Roboto" panose="02000000000000000000" pitchFamily="2" charset="0"/>
                       </a:endParaRPr>
                     </a:p>
                   </a:txBody>
-                  <a:tcPr marL="116678" marR="116678" marT="58339" marB="58339">
+                  <a:tcPr marL="125833" marR="125833" marT="62916" marB="62916">
                     <a:solidFill>
                       <a:srgbClr val="FF9933"/>
                     </a:solidFill>
@@ -15208,13 +13874,13 @@
                   </a:ext>
                 </a:extLst>
               </a:tr>
-              <a:tr h="473195">
+              <a:tr h="510323">
                 <a:tc>
                   <a:txBody>
                     <a:bodyPr/>
                     <a:lstStyle/>
                     <a:p>
-                      <a:pPr algn="ctr">
+                      <a:pPr algn="l">
                         <a:lnSpc>
                           <a:spcPct val="100000"/>
                         </a:lnSpc>
@@ -15223,7 +13889,7 @@
                         </a:spcAft>
                       </a:pPr>
                       <a:r>
-                        <a:rPr lang="ru-RU" sz="1800" dirty="0">
+                        <a:rPr lang="ru-RU" sz="1900" dirty="0">
                           <a:effectLst/>
                           <a:latin typeface="Roboto" panose="02000000000000000000" pitchFamily="2" charset="0"/>
                           <a:ea typeface="Roboto" panose="02000000000000000000" pitchFamily="2" charset="0"/>
@@ -15233,7 +13899,7 @@
                       </a:r>
                     </a:p>
                   </a:txBody>
-                  <a:tcPr marL="87509" marR="87509" marT="0" marB="0"/>
+                  <a:tcPr marL="94375" marR="94375" marT="0" marB="0"/>
                 </a:tc>
                 <a:tc>
                   <a:txBody>
@@ -15249,7 +13915,7 @@
                         </a:spcAft>
                       </a:pPr>
                       <a:r>
-                        <a:rPr lang="ru-RU" sz="1800" dirty="0">
+                        <a:rPr lang="ru-RU" sz="1900" dirty="0">
                           <a:effectLst/>
                           <a:latin typeface="Roboto" panose="02000000000000000000" pitchFamily="2" charset="0"/>
                           <a:ea typeface="Roboto" panose="02000000000000000000" pitchFamily="2" charset="0"/>
@@ -15259,7 +13925,7 @@
                       </a:r>
                     </a:p>
                   </a:txBody>
-                  <a:tcPr marL="87509" marR="87509" marT="0" marB="0"/>
+                  <a:tcPr marL="94375" marR="94375" marT="0" marB="0"/>
                 </a:tc>
                 <a:tc>
                   <a:txBody>
@@ -15275,7 +13941,7 @@
                         </a:spcAft>
                       </a:pPr>
                       <a:r>
-                        <a:rPr lang="ru-RU" sz="1800" dirty="0">
+                        <a:rPr lang="ru-RU" sz="1900" dirty="0">
                           <a:effectLst/>
                           <a:latin typeface="Roboto" panose="02000000000000000000" pitchFamily="2" charset="0"/>
                           <a:ea typeface="Roboto" panose="02000000000000000000" pitchFamily="2" charset="0"/>
@@ -15285,7 +13951,7 @@
                       </a:r>
                     </a:p>
                   </a:txBody>
-                  <a:tcPr marL="87509" marR="87509" marT="0" marB="0"/>
+                  <a:tcPr marL="94375" marR="94375" marT="0" marB="0"/>
                 </a:tc>
                 <a:extLst>
                   <a:ext uri="{0D108BD9-81ED-4DB2-BD59-A6C34878D82A}">
@@ -15293,13 +13959,13 @@
                   </a:ext>
                 </a:extLst>
               </a:tr>
-              <a:tr h="473195">
+              <a:tr h="510323">
                 <a:tc>
                   <a:txBody>
                     <a:bodyPr/>
                     <a:lstStyle/>
                     <a:p>
-                      <a:pPr algn="ctr">
+                      <a:pPr algn="l">
                         <a:lnSpc>
                           <a:spcPct val="100000"/>
                         </a:lnSpc>
@@ -15308,7 +13974,7 @@
                         </a:spcAft>
                       </a:pPr>
                       <a:r>
-                        <a:rPr lang="ru-RU" sz="1800" dirty="0">
+                        <a:rPr lang="ru-RU" sz="1900" dirty="0">
                           <a:effectLst/>
                           <a:latin typeface="Roboto" panose="02000000000000000000" pitchFamily="2" charset="0"/>
                           <a:ea typeface="Roboto" panose="02000000000000000000" pitchFamily="2" charset="0"/>
@@ -15318,7 +13984,7 @@
                       </a:r>
                     </a:p>
                   </a:txBody>
-                  <a:tcPr marL="87509" marR="87509" marT="0" marB="0"/>
+                  <a:tcPr marL="94375" marR="94375" marT="0" marB="0"/>
                 </a:tc>
                 <a:tc>
                   <a:txBody>
@@ -15334,7 +14000,7 @@
                         </a:spcAft>
                       </a:pPr>
                       <a:r>
-                        <a:rPr lang="ru-RU" sz="1800" dirty="0">
+                        <a:rPr lang="ru-RU" sz="1900" dirty="0">
                           <a:effectLst/>
                           <a:latin typeface="Roboto" panose="02000000000000000000" pitchFamily="2" charset="0"/>
                           <a:ea typeface="Roboto" panose="02000000000000000000" pitchFamily="2" charset="0"/>
@@ -15344,7 +14010,7 @@
                       </a:r>
                     </a:p>
                   </a:txBody>
-                  <a:tcPr marL="87509" marR="87509" marT="0" marB="0"/>
+                  <a:tcPr marL="94375" marR="94375" marT="0" marB="0"/>
                 </a:tc>
                 <a:tc>
                   <a:txBody>
@@ -15360,7 +14026,7 @@
                         </a:spcAft>
                       </a:pPr>
                       <a:r>
-                        <a:rPr lang="ru-RU" sz="1800">
+                        <a:rPr lang="ru-RU" sz="1900">
                           <a:effectLst/>
                           <a:latin typeface="Roboto" panose="02000000000000000000" pitchFamily="2" charset="0"/>
                           <a:ea typeface="Roboto" panose="02000000000000000000" pitchFamily="2" charset="0"/>
@@ -15370,7 +14036,7 @@
                       </a:r>
                     </a:p>
                   </a:txBody>
-                  <a:tcPr marL="87509" marR="87509" marT="0" marB="0"/>
+                  <a:tcPr marL="94375" marR="94375" marT="0" marB="0"/>
                 </a:tc>
                 <a:extLst>
                   <a:ext uri="{0D108BD9-81ED-4DB2-BD59-A6C34878D82A}">
@@ -15378,13 +14044,13 @@
                   </a:ext>
                 </a:extLst>
               </a:tr>
-              <a:tr h="473195">
+              <a:tr h="591687">
                 <a:tc>
                   <a:txBody>
                     <a:bodyPr/>
                     <a:lstStyle/>
                     <a:p>
-                      <a:pPr algn="ctr">
+                      <a:pPr algn="l">
                         <a:lnSpc>
                           <a:spcPct val="100000"/>
                         </a:lnSpc>
@@ -15393,7 +14059,7 @@
                         </a:spcAft>
                       </a:pPr>
                       <a:r>
-                        <a:rPr lang="ru-RU" sz="1800">
+                        <a:rPr lang="ru-RU" sz="1900">
                           <a:effectLst/>
                           <a:latin typeface="Roboto" panose="02000000000000000000" pitchFamily="2" charset="0"/>
                           <a:ea typeface="Roboto" panose="02000000000000000000" pitchFamily="2" charset="0"/>
@@ -15403,7 +14069,7 @@
                       </a:r>
                     </a:p>
                   </a:txBody>
-                  <a:tcPr marL="87509" marR="87509" marT="0" marB="0"/>
+                  <a:tcPr marL="94375" marR="94375" marT="0" marB="0"/>
                 </a:tc>
                 <a:tc>
                   <a:txBody>
@@ -15419,7 +14085,7 @@
                         </a:spcAft>
                       </a:pPr>
                       <a:r>
-                        <a:rPr lang="ru-RU" sz="1800" dirty="0">
+                        <a:rPr lang="ru-RU" sz="1900" dirty="0">
                           <a:effectLst/>
                           <a:latin typeface="Roboto" panose="02000000000000000000" pitchFamily="2" charset="0"/>
                           <a:ea typeface="Roboto" panose="02000000000000000000" pitchFamily="2" charset="0"/>
@@ -15429,7 +14095,7 @@
                       </a:r>
                     </a:p>
                   </a:txBody>
-                  <a:tcPr marL="87509" marR="87509" marT="0" marB="0"/>
+                  <a:tcPr marL="94375" marR="94375" marT="0" marB="0"/>
                 </a:tc>
                 <a:tc>
                   <a:txBody>
@@ -15445,7 +14111,7 @@
                         </a:spcAft>
                       </a:pPr>
                       <a:r>
-                        <a:rPr lang="ru-RU" sz="1800">
+                        <a:rPr lang="ru-RU" sz="1900">
                           <a:effectLst/>
                           <a:latin typeface="Roboto" panose="02000000000000000000" pitchFamily="2" charset="0"/>
                           <a:ea typeface="Roboto" panose="02000000000000000000" pitchFamily="2" charset="0"/>
@@ -15455,7 +14121,7 @@
                       </a:r>
                     </a:p>
                   </a:txBody>
-                  <a:tcPr marL="87509" marR="87509" marT="0" marB="0"/>
+                  <a:tcPr marL="94375" marR="94375" marT="0" marB="0"/>
                 </a:tc>
                 <a:extLst>
                   <a:ext uri="{0D108BD9-81ED-4DB2-BD59-A6C34878D82A}">
@@ -15463,13 +14129,13 @@
                   </a:ext>
                 </a:extLst>
               </a:tr>
-              <a:tr h="473195">
+              <a:tr h="591687">
                 <a:tc>
                   <a:txBody>
                     <a:bodyPr/>
                     <a:lstStyle/>
                     <a:p>
-                      <a:pPr algn="ctr">
+                      <a:pPr algn="l">
                         <a:lnSpc>
                           <a:spcPct val="100000"/>
                         </a:lnSpc>
@@ -15478,7 +14144,7 @@
                         </a:spcAft>
                       </a:pPr>
                       <a:r>
-                        <a:rPr lang="ru-RU" sz="1800">
+                        <a:rPr lang="ru-RU" sz="1900">
                           <a:effectLst/>
                           <a:latin typeface="Roboto" panose="02000000000000000000" pitchFamily="2" charset="0"/>
                           <a:ea typeface="Roboto" panose="02000000000000000000" pitchFamily="2" charset="0"/>
@@ -15488,7 +14154,7 @@
                       </a:r>
                     </a:p>
                   </a:txBody>
-                  <a:tcPr marL="87509" marR="87509" marT="0" marB="0"/>
+                  <a:tcPr marL="94375" marR="94375" marT="0" marB="0"/>
                 </a:tc>
                 <a:tc>
                   <a:txBody>
@@ -15504,7 +14170,7 @@
                         </a:spcAft>
                       </a:pPr>
                       <a:r>
-                        <a:rPr lang="ru-RU" sz="1800" dirty="0">
+                        <a:rPr lang="ru-RU" sz="1900" dirty="0">
                           <a:effectLst/>
                           <a:latin typeface="Roboto" panose="02000000000000000000" pitchFamily="2" charset="0"/>
                           <a:ea typeface="Roboto" panose="02000000000000000000" pitchFamily="2" charset="0"/>
@@ -15514,7 +14180,7 @@
                       </a:r>
                     </a:p>
                   </a:txBody>
-                  <a:tcPr marL="87509" marR="87509" marT="0" marB="0"/>
+                  <a:tcPr marL="94375" marR="94375" marT="0" marB="0"/>
                 </a:tc>
                 <a:tc>
                   <a:txBody>
@@ -15530,7 +14196,7 @@
                         </a:spcAft>
                       </a:pPr>
                       <a:r>
-                        <a:rPr lang="ru-RU" sz="1800" dirty="0">
+                        <a:rPr lang="ru-RU" sz="1900" dirty="0">
                           <a:effectLst/>
                           <a:latin typeface="Roboto" panose="02000000000000000000" pitchFamily="2" charset="0"/>
                           <a:ea typeface="Roboto" panose="02000000000000000000" pitchFamily="2" charset="0"/>
@@ -15540,7 +14206,7 @@
                       </a:r>
                     </a:p>
                   </a:txBody>
-                  <a:tcPr marL="87509" marR="87509" marT="0" marB="0"/>
+                  <a:tcPr marL="94375" marR="94375" marT="0" marB="0"/>
                 </a:tc>
                 <a:extLst>
                   <a:ext uri="{0D108BD9-81ED-4DB2-BD59-A6C34878D82A}">
@@ -15548,13 +14214,13 @@
                   </a:ext>
                 </a:extLst>
               </a:tr>
-              <a:tr h="473195">
+              <a:tr h="510323">
                 <a:tc>
                   <a:txBody>
                     <a:bodyPr/>
                     <a:lstStyle/>
                     <a:p>
-                      <a:pPr algn="ctr">
+                      <a:pPr algn="l">
                         <a:lnSpc>
                           <a:spcPct val="100000"/>
                         </a:lnSpc>
@@ -15563,7 +14229,7 @@
                         </a:spcAft>
                       </a:pPr>
                       <a:r>
-                        <a:rPr lang="ru-RU" sz="1800">
+                        <a:rPr lang="ru-RU" sz="1900" dirty="0">
                           <a:effectLst/>
                           <a:latin typeface="Roboto" panose="02000000000000000000" pitchFamily="2" charset="0"/>
                           <a:ea typeface="Roboto" panose="02000000000000000000" pitchFamily="2" charset="0"/>
@@ -15573,7 +14239,7 @@
                       </a:r>
                     </a:p>
                   </a:txBody>
-                  <a:tcPr marL="87509" marR="87509" marT="0" marB="0"/>
+                  <a:tcPr marL="94375" marR="94375" marT="0" marB="0"/>
                 </a:tc>
                 <a:tc>
                   <a:txBody>
@@ -15589,7 +14255,7 @@
                         </a:spcAft>
                       </a:pPr>
                       <a:r>
-                        <a:rPr lang="ru-RU" sz="1800">
+                        <a:rPr lang="ru-RU" sz="1900">
                           <a:effectLst/>
                           <a:latin typeface="Roboto" panose="02000000000000000000" pitchFamily="2" charset="0"/>
                           <a:ea typeface="Roboto" panose="02000000000000000000" pitchFamily="2" charset="0"/>
@@ -15599,7 +14265,7 @@
                       </a:r>
                     </a:p>
                   </a:txBody>
-                  <a:tcPr marL="87509" marR="87509" marT="0" marB="0"/>
+                  <a:tcPr marL="94375" marR="94375" marT="0" marB="0"/>
                 </a:tc>
                 <a:tc>
                   <a:txBody>
@@ -15615,7 +14281,7 @@
                         </a:spcAft>
                       </a:pPr>
                       <a:r>
-                        <a:rPr lang="ru-RU" sz="1800" dirty="0">
+                        <a:rPr lang="ru-RU" sz="1900" dirty="0">
                           <a:effectLst/>
                           <a:latin typeface="Roboto" panose="02000000000000000000" pitchFamily="2" charset="0"/>
                           <a:ea typeface="Roboto" panose="02000000000000000000" pitchFamily="2" charset="0"/>
@@ -15625,7 +14291,7 @@
                       </a:r>
                     </a:p>
                   </a:txBody>
-                  <a:tcPr marL="87509" marR="87509" marT="0" marB="0"/>
+                  <a:tcPr marL="94375" marR="94375" marT="0" marB="0"/>
                 </a:tc>
                 <a:extLst>
                   <a:ext uri="{0D108BD9-81ED-4DB2-BD59-A6C34878D82A}">
@@ -15633,7 +14299,7 @@
                   </a:ext>
                 </a:extLst>
               </a:tr>
-              <a:tr h="473195">
+              <a:tr h="510323">
                 <a:tc>
                   <a:txBody>
                     <a:bodyPr/>
@@ -15648,7 +14314,10 @@
                         </a:spcAft>
                       </a:pPr>
                       <a:r>
-                        <a:rPr lang="ru-RU" sz="1800" dirty="0">
+                        <a:rPr lang="ru-RU" sz="1900" dirty="0">
+                          <a:solidFill>
+                            <a:srgbClr val="C00000"/>
+                          </a:solidFill>
                           <a:effectLst/>
                           <a:latin typeface="Roboto" panose="02000000000000000000" pitchFamily="2" charset="0"/>
                           <a:ea typeface="Roboto" panose="02000000000000000000" pitchFamily="2" charset="0"/>
@@ -15658,7 +14327,7 @@
                       </a:r>
                     </a:p>
                   </a:txBody>
-                  <a:tcPr marL="87509" marR="87509" marT="0" marB="0"/>
+                  <a:tcPr marL="94375" marR="94375" marT="0" marB="0"/>
                 </a:tc>
                 <a:tc>
                   <a:txBody>
@@ -15674,7 +14343,10 @@
                         </a:spcAft>
                       </a:pPr>
                       <a:r>
-                        <a:rPr lang="ru-RU" sz="1800">
+                        <a:rPr lang="ru-RU" sz="1900">
+                          <a:solidFill>
+                            <a:srgbClr val="C00000"/>
+                          </a:solidFill>
                           <a:effectLst/>
                           <a:latin typeface="Roboto" panose="02000000000000000000" pitchFamily="2" charset="0"/>
                           <a:ea typeface="Roboto" panose="02000000000000000000" pitchFamily="2" charset="0"/>
@@ -15684,7 +14356,7 @@
                       </a:r>
                     </a:p>
                   </a:txBody>
-                  <a:tcPr marL="87509" marR="87509" marT="0" marB="0"/>
+                  <a:tcPr marL="94375" marR="94375" marT="0" marB="0"/>
                 </a:tc>
                 <a:tc>
                   <a:txBody>
@@ -15700,7 +14372,10 @@
                         </a:spcAft>
                       </a:pPr>
                       <a:r>
-                        <a:rPr lang="ru-RU" sz="1800" dirty="0">
+                        <a:rPr lang="ru-RU" sz="1900" dirty="0">
+                          <a:solidFill>
+                            <a:srgbClr val="C00000"/>
+                          </a:solidFill>
                           <a:effectLst/>
                           <a:latin typeface="Roboto" panose="02000000000000000000" pitchFamily="2" charset="0"/>
                           <a:ea typeface="Roboto" panose="02000000000000000000" pitchFamily="2" charset="0"/>
@@ -15710,7 +14385,7 @@
                       </a:r>
                     </a:p>
                   </a:txBody>
-                  <a:tcPr marL="87509" marR="87509" marT="0" marB="0"/>
+                  <a:tcPr marL="94375" marR="94375" marT="0" marB="0"/>
                 </a:tc>
                 <a:extLst>
                   <a:ext uri="{0D108BD9-81ED-4DB2-BD59-A6C34878D82A}">
@@ -15748,6 +14423,426 @@
 </file>
 
 <file path=ppt/slides/slide11.xml><?xml version="1.0" encoding="utf-8"?>
+<p:sld xmlns:a="http://schemas.openxmlformats.org/drawingml/2006/main" xmlns:r="http://schemas.openxmlformats.org/officeDocument/2006/relationships" xmlns:p="http://schemas.openxmlformats.org/presentationml/2006/main">
+  <p:cSld>
+    <p:spTree>
+      <p:nvGrpSpPr>
+        <p:cNvPr id="1" name=""/>
+        <p:cNvGrpSpPr/>
+        <p:nvPr/>
+      </p:nvGrpSpPr>
+      <p:grpSpPr>
+        <a:xfrm>
+          <a:off x="0" y="0"/>
+          <a:ext cx="0" cy="0"/>
+          <a:chOff x="0" y="0"/>
+          <a:chExt cx="0" cy="0"/>
+        </a:xfrm>
+      </p:grpSpPr>
+      <p:sp>
+        <p:nvSpPr>
+          <p:cNvPr id="2" name="Rectangle 2">
+            <a:extLst>
+              <a:ext uri="{FF2B5EF4-FFF2-40B4-BE49-F238E27FC236}">
+                <a16:creationId xmlns:a16="http://schemas.microsoft.com/office/drawing/2014/main" id="{F11D6C22-826E-4412-87E6-E82E4A3E1F70}"/>
+              </a:ext>
+            </a:extLst>
+          </p:cNvPr>
+          <p:cNvSpPr txBox="1">
+            <a:spLocks noChangeArrowheads="1"/>
+          </p:cNvSpPr>
+          <p:nvPr/>
+        </p:nvSpPr>
+        <p:spPr bwMode="auto">
+          <a:xfrm>
+            <a:off x="381000" y="54079"/>
+            <a:ext cx="4037850" cy="1089775"/>
+          </a:xfrm>
+          <a:prstGeom prst="rect">
+            <a:avLst/>
+          </a:prstGeom>
+          <a:solidFill>
+            <a:schemeClr val="accent2">
+              <a:lumMod val="75000"/>
+              <a:alpha val="10000"/>
+            </a:schemeClr>
+          </a:solidFill>
+          <a:ln>
+            <a:noFill/>
+          </a:ln>
+          <a:extLst>
+            <a:ext uri="{91240B29-F687-4F45-9708-019B960494DF}">
+              <a14:hiddenLine xmlns:a14="http://schemas.microsoft.com/office/drawing/2010/main" w="9525">
+                <a:solidFill>
+                  <a:srgbClr val="000000"/>
+                </a:solidFill>
+                <a:miter lim="800000"/>
+                <a:headEnd/>
+                <a:tailEnd/>
+              </a14:hiddenLine>
+            </a:ext>
+          </a:extLst>
+        </p:spPr>
+        <p:txBody>
+          <a:bodyPr vert="horz" wrap="square" lIns="101882" tIns="50941" rIns="101882" bIns="50941" numCol="1" anchor="ctr" anchorCtr="0" compatLnSpc="1">
+            <a:prstTxWarp prst="textNoShape">
+              <a:avLst/>
+            </a:prstTxWarp>
+          </a:bodyPr>
+          <a:lstStyle>
+            <a:defPPr>
+              <a:defRPr lang="en-US"/>
+            </a:defPPr>
+            <a:lvl1pPr algn="l" eaLnBrk="1" hangingPunct="1">
+              <a:defRPr sz="4400" b="1">
+                <a:solidFill>
+                  <a:schemeClr val="bg1"/>
+                </a:solidFill>
+                <a:latin typeface="Lato" panose="020F0502020204030203" pitchFamily="34" charset="0"/>
+                <a:ea typeface="Lato" panose="020F0502020204030203" pitchFamily="34" charset="0"/>
+                <a:cs typeface="Lato" panose="020F0502020204030203" pitchFamily="34" charset="0"/>
+              </a:defRPr>
+            </a:lvl1pPr>
+            <a:lvl2pPr algn="l" eaLnBrk="0" hangingPunct="0">
+              <a:defRPr sz="4900">
+                <a:latin typeface="Microsoft Sans Serif" pitchFamily="34" charset="0"/>
+              </a:defRPr>
+            </a:lvl2pPr>
+            <a:lvl3pPr algn="l" eaLnBrk="0" hangingPunct="0">
+              <a:defRPr sz="4900">
+                <a:latin typeface="Microsoft Sans Serif" pitchFamily="34" charset="0"/>
+              </a:defRPr>
+            </a:lvl3pPr>
+            <a:lvl4pPr algn="l" eaLnBrk="0" hangingPunct="0">
+              <a:defRPr sz="4900">
+                <a:latin typeface="Microsoft Sans Serif" pitchFamily="34" charset="0"/>
+              </a:defRPr>
+            </a:lvl4pPr>
+            <a:lvl5pPr algn="l" eaLnBrk="0" hangingPunct="0">
+              <a:defRPr sz="4900">
+                <a:latin typeface="Microsoft Sans Serif" pitchFamily="34" charset="0"/>
+              </a:defRPr>
+            </a:lvl5pPr>
+            <a:lvl6pPr marL="509412" eaLnBrk="0" fontAlgn="base" hangingPunct="0">
+              <a:spcBef>
+                <a:spcPct val="0"/>
+              </a:spcBef>
+              <a:spcAft>
+                <a:spcPct val="0"/>
+              </a:spcAft>
+              <a:defRPr sz="4900">
+                <a:latin typeface="Microsoft Sans Serif" pitchFamily="34" charset="0"/>
+              </a:defRPr>
+            </a:lvl6pPr>
+            <a:lvl7pPr marL="1018824" eaLnBrk="0" fontAlgn="base" hangingPunct="0">
+              <a:spcBef>
+                <a:spcPct val="0"/>
+              </a:spcBef>
+              <a:spcAft>
+                <a:spcPct val="0"/>
+              </a:spcAft>
+              <a:defRPr sz="4900">
+                <a:latin typeface="Microsoft Sans Serif" pitchFamily="34" charset="0"/>
+              </a:defRPr>
+            </a:lvl7pPr>
+            <a:lvl8pPr marL="1528237" eaLnBrk="0" fontAlgn="base" hangingPunct="0">
+              <a:spcBef>
+                <a:spcPct val="0"/>
+              </a:spcBef>
+              <a:spcAft>
+                <a:spcPct val="0"/>
+              </a:spcAft>
+              <a:defRPr sz="4900">
+                <a:latin typeface="Microsoft Sans Serif" pitchFamily="34" charset="0"/>
+              </a:defRPr>
+            </a:lvl8pPr>
+            <a:lvl9pPr marL="2037649" eaLnBrk="0" fontAlgn="base" hangingPunct="0">
+              <a:spcBef>
+                <a:spcPct val="0"/>
+              </a:spcBef>
+              <a:spcAft>
+                <a:spcPct val="0"/>
+              </a:spcAft>
+              <a:defRPr sz="4900">
+                <a:latin typeface="Microsoft Sans Serif" pitchFamily="34" charset="0"/>
+              </a:defRPr>
+            </a:lvl9pPr>
+          </a:lstStyle>
+          <a:p>
+            <a:r>
+              <a:rPr lang="ru-RU" dirty="0"/>
+              <a:t>Заключение</a:t>
+            </a:r>
+            <a:endParaRPr lang="en-US" dirty="0"/>
+          </a:p>
+        </p:txBody>
+      </p:sp>
+      <p:sp>
+        <p:nvSpPr>
+          <p:cNvPr id="3" name="TextBox 8">
+            <a:extLst>
+              <a:ext uri="{FF2B5EF4-FFF2-40B4-BE49-F238E27FC236}">
+                <a16:creationId xmlns:a16="http://schemas.microsoft.com/office/drawing/2014/main" id="{975763EF-6AD7-4EC6-A714-02569E5DDA03}"/>
+              </a:ext>
+            </a:extLst>
+          </p:cNvPr>
+          <p:cNvSpPr txBox="1">
+            <a:spLocks noChangeArrowheads="1"/>
+          </p:cNvSpPr>
+          <p:nvPr/>
+        </p:nvSpPr>
+        <p:spPr bwMode="auto">
+          <a:xfrm>
+            <a:off x="304158" y="2395758"/>
+            <a:ext cx="11505254" cy="1338828"/>
+          </a:xfrm>
+          <a:prstGeom prst="rect">
+            <a:avLst/>
+          </a:prstGeom>
+          <a:noFill/>
+          <a:ln>
+            <a:noFill/>
+          </a:ln>
+          <a:extLst>
+            <a:ext uri="{909E8E84-426E-40DD-AFC4-6F175D3DCCD1}">
+              <a14:hiddenFill xmlns:a14="http://schemas.microsoft.com/office/drawing/2010/main">
+                <a:solidFill>
+                  <a:srgbClr val="FFFFFF"/>
+                </a:solidFill>
+              </a14:hiddenFill>
+            </a:ext>
+            <a:ext uri="{91240B29-F687-4F45-9708-019B960494DF}">
+              <a14:hiddenLine xmlns:a14="http://schemas.microsoft.com/office/drawing/2010/main" w="9525">
+                <a:solidFill>
+                  <a:srgbClr val="000000"/>
+                </a:solidFill>
+                <a:miter lim="800000"/>
+                <a:headEnd/>
+                <a:tailEnd/>
+              </a14:hiddenLine>
+            </a:ext>
+          </a:extLst>
+        </p:spPr>
+        <p:txBody>
+          <a:bodyPr wrap="square">
+            <a:spAutoFit/>
+          </a:bodyPr>
+          <a:lstStyle>
+            <a:lvl1pPr eaLnBrk="0" hangingPunct="0">
+              <a:defRPr sz="2700">
+                <a:solidFill>
+                  <a:schemeClr val="tx1"/>
+                </a:solidFill>
+                <a:latin typeface="Arial" charset="0"/>
+              </a:defRPr>
+            </a:lvl1pPr>
+            <a:lvl2pPr marL="742950" indent="-285750" eaLnBrk="0" hangingPunct="0">
+              <a:defRPr sz="2700">
+                <a:solidFill>
+                  <a:schemeClr val="tx1"/>
+                </a:solidFill>
+                <a:latin typeface="Arial" charset="0"/>
+              </a:defRPr>
+            </a:lvl2pPr>
+            <a:lvl3pPr marL="1143000" indent="-228600" eaLnBrk="0" hangingPunct="0">
+              <a:defRPr sz="2700">
+                <a:solidFill>
+                  <a:schemeClr val="tx1"/>
+                </a:solidFill>
+                <a:latin typeface="Arial" charset="0"/>
+              </a:defRPr>
+            </a:lvl3pPr>
+            <a:lvl4pPr marL="1600200" indent="-228600" eaLnBrk="0" hangingPunct="0">
+              <a:defRPr sz="2700">
+                <a:solidFill>
+                  <a:schemeClr val="tx1"/>
+                </a:solidFill>
+                <a:latin typeface="Arial" charset="0"/>
+              </a:defRPr>
+            </a:lvl4pPr>
+            <a:lvl5pPr marL="2057400" indent="-228600" eaLnBrk="0" hangingPunct="0">
+              <a:defRPr sz="2700">
+                <a:solidFill>
+                  <a:schemeClr val="tx1"/>
+                </a:solidFill>
+                <a:latin typeface="Arial" charset="0"/>
+              </a:defRPr>
+            </a:lvl5pPr>
+            <a:lvl6pPr marL="2514600" indent="-228600" algn="ctr" eaLnBrk="0" fontAlgn="base" hangingPunct="0">
+              <a:spcBef>
+                <a:spcPct val="0"/>
+              </a:spcBef>
+              <a:spcAft>
+                <a:spcPct val="0"/>
+              </a:spcAft>
+              <a:defRPr sz="2700">
+                <a:solidFill>
+                  <a:schemeClr val="tx1"/>
+                </a:solidFill>
+                <a:latin typeface="Arial" charset="0"/>
+              </a:defRPr>
+            </a:lvl6pPr>
+            <a:lvl7pPr marL="2971800" indent="-228600" algn="ctr" eaLnBrk="0" fontAlgn="base" hangingPunct="0">
+              <a:spcBef>
+                <a:spcPct val="0"/>
+              </a:spcBef>
+              <a:spcAft>
+                <a:spcPct val="0"/>
+              </a:spcAft>
+              <a:defRPr sz="2700">
+                <a:solidFill>
+                  <a:schemeClr val="tx1"/>
+                </a:solidFill>
+                <a:latin typeface="Arial" charset="0"/>
+              </a:defRPr>
+            </a:lvl7pPr>
+            <a:lvl8pPr marL="3429000" indent="-228600" algn="ctr" eaLnBrk="0" fontAlgn="base" hangingPunct="0">
+              <a:spcBef>
+                <a:spcPct val="0"/>
+              </a:spcBef>
+              <a:spcAft>
+                <a:spcPct val="0"/>
+              </a:spcAft>
+              <a:defRPr sz="2700">
+                <a:solidFill>
+                  <a:schemeClr val="tx1"/>
+                </a:solidFill>
+                <a:latin typeface="Arial" charset="0"/>
+              </a:defRPr>
+            </a:lvl8pPr>
+            <a:lvl9pPr marL="3886200" indent="-228600" algn="ctr" eaLnBrk="0" fontAlgn="base" hangingPunct="0">
+              <a:spcBef>
+                <a:spcPct val="0"/>
+              </a:spcBef>
+              <a:spcAft>
+                <a:spcPct val="0"/>
+              </a:spcAft>
+              <a:defRPr sz="2700">
+                <a:solidFill>
+                  <a:schemeClr val="tx1"/>
+                </a:solidFill>
+                <a:latin typeface="Arial" charset="0"/>
+              </a:defRPr>
+            </a:lvl9pPr>
+          </a:lstStyle>
+          <a:p>
+            <a:pPr algn="just" eaLnBrk="1" hangingPunct="1"/>
+            <a:r>
+              <a:rPr lang="ru-RU" dirty="0">
+                <a:latin typeface="Roboto" panose="02000000000000000000" pitchFamily="2" charset="0"/>
+                <a:ea typeface="Roboto" panose="02000000000000000000" pitchFamily="2" charset="0"/>
+                <a:cs typeface="Roboto" panose="02000000000000000000" pitchFamily="2" charset="0"/>
+              </a:rPr>
+              <a:t>Итогом дипломного проекта стала информационная система учета изделий, разработанная с помощью языка C# и системы управления базами данных Microsoft SQL Server.</a:t>
+            </a:r>
+          </a:p>
+        </p:txBody>
+      </p:sp>
+    </p:spTree>
+    <p:extLst>
+      <p:ext uri="{BB962C8B-B14F-4D97-AF65-F5344CB8AC3E}">
+        <p14:creationId xmlns:p14="http://schemas.microsoft.com/office/powerpoint/2010/main" val="1846483733"/>
+      </p:ext>
+    </p:extLst>
+  </p:cSld>
+  <p:clrMapOvr>
+    <a:masterClrMapping/>
+  </p:clrMapOvr>
+  <mc:AlternateContent xmlns:mc="http://schemas.openxmlformats.org/markup-compatibility/2006" xmlns:p14="http://schemas.microsoft.com/office/powerpoint/2010/main">
+    <mc:Choice Requires="p14">
+      <p:transition spd="med" p14:dur="700">
+        <p:fade/>
+      </p:transition>
+    </mc:Choice>
+    <mc:Fallback xmlns="">
+      <p:transition spd="med">
+        <p:fade/>
+      </p:transition>
+    </mc:Fallback>
+  </mc:AlternateContent>
+</p:sld>
+</file>
+
+<file path=ppt/slides/slide12.xml><?xml version="1.0" encoding="utf-8"?>
+<p:sld xmlns:a="http://schemas.openxmlformats.org/drawingml/2006/main" xmlns:r="http://schemas.openxmlformats.org/officeDocument/2006/relationships" xmlns:p="http://schemas.openxmlformats.org/presentationml/2006/main">
+  <p:cSld>
+    <p:bg bwMode="auto">
+      <p:bgPr>
+        <a:blipFill dpi="0" rotWithShape="0">
+          <a:blip r:embed="rId2"/>
+          <a:srcRect/>
+          <a:stretch>
+            <a:fillRect/>
+          </a:stretch>
+        </a:blipFill>
+        <a:effectLst/>
+      </p:bgPr>
+    </p:bg>
+    <p:spTree>
+      <p:nvGrpSpPr>
+        <p:cNvPr id="1" name=""/>
+        <p:cNvGrpSpPr/>
+        <p:nvPr/>
+      </p:nvGrpSpPr>
+      <p:grpSpPr>
+        <a:xfrm>
+          <a:off x="0" y="0"/>
+          <a:ext cx="0" cy="0"/>
+          <a:chOff x="0" y="0"/>
+          <a:chExt cx="0" cy="0"/>
+        </a:xfrm>
+      </p:grpSpPr>
+      <p:sp>
+        <p:nvSpPr>
+          <p:cNvPr id="5122" name="Rectangle 2"/>
+          <p:cNvSpPr>
+            <a:spLocks noGrp="1" noChangeArrowheads="1"/>
+          </p:cNvSpPr>
+          <p:nvPr>
+            <p:ph type="title" idx="4294967295"/>
+          </p:nvPr>
+        </p:nvSpPr>
+        <p:spPr>
+          <a:xfrm>
+            <a:off x="2497138" y="2058988"/>
+            <a:ext cx="9677400" cy="2284412"/>
+          </a:xfrm>
+        </p:spPr>
+        <p:txBody>
+          <a:bodyPr/>
+          <a:lstStyle/>
+          <a:p>
+            <a:pPr algn="ctr" eaLnBrk="1" hangingPunct="1">
+              <a:defRPr/>
+            </a:pPr>
+            <a:r>
+              <a:rPr lang="ru-RU" sz="5400" dirty="0">
+                <a:latin typeface="Lato" panose="020F0502020204030203" pitchFamily="34" charset="0"/>
+                <a:ea typeface="Lato" panose="020F0502020204030203" pitchFamily="34" charset="0"/>
+                <a:cs typeface="Lato" panose="020F0502020204030203" pitchFamily="34" charset="0"/>
+              </a:rPr>
+              <a:t>Демонстрация работы информационной системы</a:t>
+            </a:r>
+            <a:endParaRPr lang="en-US" sz="5400" dirty="0">
+              <a:latin typeface="Lato" panose="020F0502020204030203" pitchFamily="34" charset="0"/>
+              <a:ea typeface="Lato" panose="020F0502020204030203" pitchFamily="34" charset="0"/>
+              <a:cs typeface="Lato" panose="020F0502020204030203" pitchFamily="34" charset="0"/>
+            </a:endParaRPr>
+          </a:p>
+        </p:txBody>
+      </p:sp>
+    </p:spTree>
+  </p:cSld>
+  <p:clrMapOvr>
+    <a:masterClrMapping/>
+  </p:clrMapOvr>
+  <p:transition spd="med">
+    <p:fade/>
+  </p:transition>
+</p:sld>
+</file>
+
+<file path=ppt/slides/slide13.xml><?xml version="1.0" encoding="utf-8"?>
 <p:sld xmlns:a="http://schemas.openxmlformats.org/drawingml/2006/main" xmlns:r="http://schemas.openxmlformats.org/officeDocument/2006/relationships" xmlns:p="http://schemas.openxmlformats.org/presentationml/2006/main">
   <p:cSld>
     <p:spTree>
@@ -15981,7 +15076,7 @@
         <p:spPr bwMode="auto">
           <a:xfrm>
             <a:off x="304158" y="2843213"/>
-            <a:ext cx="11505254" cy="1338828"/>
+            <a:ext cx="11505254" cy="1754326"/>
           </a:xfrm>
           <a:prstGeom prst="rect">
             <a:avLst/>
@@ -16120,15 +15215,45 @@
                 <a:ea typeface="Roboto" panose="02000000000000000000" pitchFamily="2" charset="0"/>
                 <a:cs typeface="Roboto" panose="02000000000000000000" pitchFamily="2" charset="0"/>
               </a:rPr>
-              <a:t>Итогом выпускной квалификационной работы стала информационная система учета изделий, разработанная с помощью языка C# и системы управления базами данных Microsoft SQL Server.</a:t>
+              <a:t>Это просто слайд для копирования форматов текста или чтобы посмотреть такое расположение элементов на слайде, какое оно было раньше (если это вообще потребуется). После правки презентации этот слайд удалить!</a:t>
             </a:r>
           </a:p>
         </p:txBody>
       </p:sp>
+      <p:pic>
+        <p:nvPicPr>
+          <p:cNvPr id="4" name="Рисунок 3">
+            <a:extLst>
+              <a:ext uri="{FF2B5EF4-FFF2-40B4-BE49-F238E27FC236}">
+                <a16:creationId xmlns:a16="http://schemas.microsoft.com/office/drawing/2014/main" id="{D8476E37-396F-46DA-A3C5-D1F935873367}"/>
+              </a:ext>
+            </a:extLst>
+          </p:cNvPr>
+          <p:cNvPicPr>
+            <a:picLocks noChangeAspect="1"/>
+          </p:cNvPicPr>
+          <p:nvPr/>
+        </p:nvPicPr>
+        <p:blipFill>
+          <a:blip r:embed="rId2"/>
+          <a:stretch>
+            <a:fillRect/>
+          </a:stretch>
+        </p:blipFill>
+        <p:spPr>
+          <a:xfrm>
+            <a:off x="6780988" y="4420368"/>
+            <a:ext cx="4006753" cy="2022073"/>
+          </a:xfrm>
+          <a:prstGeom prst="rect">
+            <a:avLst/>
+          </a:prstGeom>
+        </p:spPr>
+      </p:pic>
     </p:spTree>
     <p:extLst>
       <p:ext uri="{BB962C8B-B14F-4D97-AF65-F5344CB8AC3E}">
-        <p14:creationId xmlns:p14="http://schemas.microsoft.com/office/powerpoint/2010/main" val="1846483733"/>
+        <p14:creationId xmlns:p14="http://schemas.microsoft.com/office/powerpoint/2010/main" val="3194922691"/>
       </p:ext>
     </p:extLst>
   </p:cSld>
@@ -16147,85 +15272,6 @@
       </p:transition>
     </mc:Fallback>
   </mc:AlternateContent>
-</p:sld>
-</file>
-
-<file path=ppt/slides/slide12.xml><?xml version="1.0" encoding="utf-8"?>
-<p:sld xmlns:a="http://schemas.openxmlformats.org/drawingml/2006/main" xmlns:r="http://schemas.openxmlformats.org/officeDocument/2006/relationships" xmlns:p="http://schemas.openxmlformats.org/presentationml/2006/main">
-  <p:cSld>
-    <p:bg bwMode="auto">
-      <p:bgPr>
-        <a:blipFill dpi="0" rotWithShape="0">
-          <a:blip r:embed="rId2"/>
-          <a:srcRect/>
-          <a:stretch>
-            <a:fillRect/>
-          </a:stretch>
-        </a:blipFill>
-        <a:effectLst/>
-      </p:bgPr>
-    </p:bg>
-    <p:spTree>
-      <p:nvGrpSpPr>
-        <p:cNvPr id="1" name=""/>
-        <p:cNvGrpSpPr/>
-        <p:nvPr/>
-      </p:nvGrpSpPr>
-      <p:grpSpPr>
-        <a:xfrm>
-          <a:off x="0" y="0"/>
-          <a:ext cx="0" cy="0"/>
-          <a:chOff x="0" y="0"/>
-          <a:chExt cx="0" cy="0"/>
-        </a:xfrm>
-      </p:grpSpPr>
-      <p:sp>
-        <p:nvSpPr>
-          <p:cNvPr id="5122" name="Rectangle 2"/>
-          <p:cNvSpPr>
-            <a:spLocks noGrp="1" noChangeArrowheads="1"/>
-          </p:cNvSpPr>
-          <p:nvPr>
-            <p:ph type="title" idx="4294967295"/>
-          </p:nvPr>
-        </p:nvSpPr>
-        <p:spPr>
-          <a:xfrm>
-            <a:off x="2497138" y="2058988"/>
-            <a:ext cx="9677400" cy="2284412"/>
-          </a:xfrm>
-        </p:spPr>
-        <p:txBody>
-          <a:bodyPr/>
-          <a:lstStyle/>
-          <a:p>
-            <a:pPr algn="ctr" eaLnBrk="1" hangingPunct="1">
-              <a:defRPr/>
-            </a:pPr>
-            <a:r>
-              <a:rPr lang="ru-RU" sz="5400" dirty="0">
-                <a:latin typeface="Lato" panose="020F0502020204030203" pitchFamily="34" charset="0"/>
-                <a:ea typeface="Lato" panose="020F0502020204030203" pitchFamily="34" charset="0"/>
-                <a:cs typeface="Lato" panose="020F0502020204030203" pitchFamily="34" charset="0"/>
-              </a:rPr>
-              <a:t>Демонстрация работы информационной системы</a:t>
-            </a:r>
-            <a:endParaRPr lang="en-US" sz="5400" dirty="0">
-              <a:latin typeface="Lato" panose="020F0502020204030203" pitchFamily="34" charset="0"/>
-              <a:ea typeface="Lato" panose="020F0502020204030203" pitchFamily="34" charset="0"/>
-              <a:cs typeface="Lato" panose="020F0502020204030203" pitchFamily="34" charset="0"/>
-            </a:endParaRPr>
-          </a:p>
-        </p:txBody>
-      </p:sp>
-    </p:spTree>
-  </p:cSld>
-  <p:clrMapOvr>
-    <a:masterClrMapping/>
-  </p:clrMapOvr>
-  <p:transition spd="med">
-    <p:fade/>
-  </p:transition>
 </p:sld>
 </file>
 
@@ -16258,9 +15304,15 @@
         </p:nvSpPr>
         <p:spPr>
           <a:xfrm>
-            <a:off x="381000" y="1830388"/>
-            <a:ext cx="11352858" cy="792162"/>
+            <a:off x="380356" y="89176"/>
+            <a:ext cx="8991364" cy="1359470"/>
           </a:xfrm>
+          <a:solidFill>
+            <a:schemeClr val="accent2">
+              <a:lumMod val="75000"/>
+              <a:alpha val="10000"/>
+            </a:schemeClr>
+          </a:solidFill>
         </p:spPr>
         <p:txBody>
           <a:bodyPr/>
@@ -16268,7 +15320,10 @@
           <a:p>
             <a:pPr eaLnBrk="1" hangingPunct="1"/>
             <a:r>
-              <a:rPr lang="ru-RU" b="1" dirty="0">
+              <a:rPr lang="ru-RU" sz="4400" b="1" dirty="0">
+                <a:solidFill>
+                  <a:schemeClr val="bg1"/>
+                </a:solidFill>
                 <a:latin typeface="Lato" panose="020F0502020204030203" pitchFamily="34" charset="0"/>
                 <a:ea typeface="Lato" panose="020F0502020204030203" pitchFamily="34" charset="0"/>
                 <a:cs typeface="Lato" panose="020F0502020204030203" pitchFamily="34" charset="0"/>
@@ -16276,7 +15331,10 @@
               <a:t>Цели и задачи</a:t>
             </a:r>
             <a:r>
-              <a:rPr lang="en-US" b="1" dirty="0">
+              <a:rPr lang="en-US" sz="4400" b="1" dirty="0">
+                <a:solidFill>
+                  <a:schemeClr val="bg1"/>
+                </a:solidFill>
                 <a:latin typeface="Lato" panose="020F0502020204030203" pitchFamily="34" charset="0"/>
                 <a:ea typeface="Lato" panose="020F0502020204030203" pitchFamily="34" charset="0"/>
                 <a:cs typeface="Lato" panose="020F0502020204030203" pitchFamily="34" charset="0"/>
@@ -16284,7 +15342,10 @@
               <a:t> </a:t>
             </a:r>
             <a:r>
-              <a:rPr lang="ru-RU" b="1" dirty="0">
+              <a:rPr lang="ru-RU" sz="4400" b="1" dirty="0">
+                <a:solidFill>
+                  <a:schemeClr val="bg1"/>
+                </a:solidFill>
                 <a:latin typeface="Lato" panose="020F0502020204030203" pitchFamily="34" charset="0"/>
                 <a:ea typeface="Lato" panose="020F0502020204030203" pitchFamily="34" charset="0"/>
                 <a:cs typeface="Lato" panose="020F0502020204030203" pitchFamily="34" charset="0"/>
@@ -16292,7 +15353,10 @@
               <a:t>дипломного</a:t>
             </a:r>
             <a:r>
-              <a:rPr lang="en-US" b="1" dirty="0">
+              <a:rPr lang="en-US" sz="4400" b="1" dirty="0">
+                <a:solidFill>
+                  <a:schemeClr val="bg1"/>
+                </a:solidFill>
                 <a:latin typeface="Lato" panose="020F0502020204030203" pitchFamily="34" charset="0"/>
                 <a:ea typeface="Lato" panose="020F0502020204030203" pitchFamily="34" charset="0"/>
                 <a:cs typeface="Lato" panose="020F0502020204030203" pitchFamily="34" charset="0"/>
@@ -16300,14 +15364,20 @@
               <a:t> </a:t>
             </a:r>
             <a:r>
-              <a:rPr lang="ru-RU" b="1" dirty="0">
+              <a:rPr lang="ru-RU" sz="4400" b="1" dirty="0">
+                <a:solidFill>
+                  <a:schemeClr val="bg1"/>
+                </a:solidFill>
                 <a:latin typeface="Lato" panose="020F0502020204030203" pitchFamily="34" charset="0"/>
                 <a:ea typeface="Lato" panose="020F0502020204030203" pitchFamily="34" charset="0"/>
                 <a:cs typeface="Lato" panose="020F0502020204030203" pitchFamily="34" charset="0"/>
               </a:rPr>
               <a:t>проекта</a:t>
             </a:r>
-            <a:endParaRPr lang="en-US" b="1" dirty="0">
+            <a:endParaRPr lang="en-US" sz="4400" b="1" dirty="0">
+              <a:solidFill>
+                <a:schemeClr val="bg1"/>
+              </a:solidFill>
               <a:latin typeface="Lato" panose="020F0502020204030203" pitchFamily="34" charset="0"/>
               <a:ea typeface="Lato" panose="020F0502020204030203" pitchFamily="34" charset="0"/>
               <a:cs typeface="Lato" panose="020F0502020204030203" pitchFamily="34" charset="0"/>
@@ -16322,14 +15392,14 @@
           <p:nvPr>
             <p:extLst>
               <p:ext uri="{D42A27DB-BD31-4B8C-83A1-F6EECF244321}">
-                <p14:modId xmlns:p14="http://schemas.microsoft.com/office/powerpoint/2010/main" val="2564701856"/>
+                <p14:modId xmlns:p14="http://schemas.microsoft.com/office/powerpoint/2010/main" val="1527856180"/>
               </p:ext>
             </p:extLst>
           </p:nvPr>
         </p:nvGraphicFramePr>
         <p:xfrm>
-          <a:off x="1142336" y="2896408"/>
-          <a:ext cx="9829542" cy="3513011"/>
+          <a:off x="456554" y="2210626"/>
+          <a:ext cx="11277304" cy="4030431"/>
         </p:xfrm>
         <a:graphic>
           <a:graphicData uri="http://schemas.openxmlformats.org/drawingml/2006/diagram">
@@ -16377,9 +15447,15 @@
         </p:nvSpPr>
         <p:spPr>
           <a:xfrm>
-            <a:off x="457200" y="1754188"/>
+            <a:off x="381681" y="54823"/>
             <a:ext cx="9980613" cy="1317625"/>
           </a:xfrm>
+          <a:solidFill>
+            <a:schemeClr val="accent2">
+              <a:lumMod val="75000"/>
+              <a:alpha val="10000"/>
+            </a:schemeClr>
+          </a:solidFill>
         </p:spPr>
         <p:txBody>
           <a:bodyPr/>
@@ -16387,7 +15463,10 @@
           <a:p>
             <a:pPr eaLnBrk="1" hangingPunct="1"/>
             <a:r>
-              <a:rPr lang="ru-RU" b="1" dirty="0">
+              <a:rPr lang="ru-RU" sz="4400" b="1" dirty="0">
+                <a:solidFill>
+                  <a:schemeClr val="bg1"/>
+                </a:solidFill>
                 <a:latin typeface="Lato" panose="020F0502020204030203" pitchFamily="34" charset="0"/>
                 <a:ea typeface="Lato" panose="020F0502020204030203" pitchFamily="34" charset="0"/>
                 <a:cs typeface="Lato" panose="020F0502020204030203" pitchFamily="34" charset="0"/>
@@ -16395,22 +15474,41 @@
               <a:t>Назначение и область</a:t>
             </a:r>
             <a:r>
-              <a:rPr lang="en-US" b="1" dirty="0">
+              <a:rPr lang="en-US" sz="4400" b="1" dirty="0">
+                <a:solidFill>
+                  <a:schemeClr val="bg1"/>
+                </a:solidFill>
                 <a:latin typeface="Lato" panose="020F0502020204030203" pitchFamily="34" charset="0"/>
                 <a:ea typeface="Lato" panose="020F0502020204030203" pitchFamily="34" charset="0"/>
                 <a:cs typeface="Lato" panose="020F0502020204030203" pitchFamily="34" charset="0"/>
               </a:rPr>
               <a:t> </a:t>
             </a:r>
+            <a:br>
+              <a:rPr lang="ru-RU" sz="4400" b="1" dirty="0">
+                <a:solidFill>
+                  <a:schemeClr val="bg1"/>
+                </a:solidFill>
+                <a:latin typeface="Lato" panose="020F0502020204030203" pitchFamily="34" charset="0"/>
+                <a:ea typeface="Lato" panose="020F0502020204030203" pitchFamily="34" charset="0"/>
+                <a:cs typeface="Lato" panose="020F0502020204030203" pitchFamily="34" charset="0"/>
+              </a:rPr>
+            </a:br>
             <a:r>
-              <a:rPr lang="ru-RU" b="1" dirty="0">
+              <a:rPr lang="ru-RU" sz="4400" b="1" dirty="0">
+                <a:solidFill>
+                  <a:schemeClr val="bg1"/>
+                </a:solidFill>
                 <a:latin typeface="Lato" panose="020F0502020204030203" pitchFamily="34" charset="0"/>
                 <a:ea typeface="Lato" panose="020F0502020204030203" pitchFamily="34" charset="0"/>
                 <a:cs typeface="Lato" panose="020F0502020204030203" pitchFamily="34" charset="0"/>
               </a:rPr>
               <a:t>применения программы</a:t>
             </a:r>
-            <a:endParaRPr lang="en-US" b="1" dirty="0">
+            <a:endParaRPr lang="en-US" sz="4400" b="1" dirty="0">
+              <a:solidFill>
+                <a:schemeClr val="bg1"/>
+              </a:solidFill>
               <a:latin typeface="Lato" panose="020F0502020204030203" pitchFamily="34" charset="0"/>
               <a:ea typeface="Lato" panose="020F0502020204030203" pitchFamily="34" charset="0"/>
               <a:cs typeface="Lato" panose="020F0502020204030203" pitchFamily="34" charset="0"/>
@@ -16425,14 +15523,14 @@
           <p:nvPr>
             <p:extLst>
               <p:ext uri="{D42A27DB-BD31-4B8C-83A1-F6EECF244321}">
-                <p14:modId xmlns:p14="http://schemas.microsoft.com/office/powerpoint/2010/main" val="3638231635"/>
+                <p14:modId xmlns:p14="http://schemas.microsoft.com/office/powerpoint/2010/main" val="441495495"/>
               </p:ext>
             </p:extLst>
           </p:nvPr>
         </p:nvGraphicFramePr>
         <p:xfrm>
-          <a:off x="1980514" y="3582190"/>
-          <a:ext cx="8126942" cy="2446238"/>
+          <a:off x="1398868" y="2820210"/>
+          <a:ext cx="9392675" cy="2827228"/>
         </p:xfrm>
         <a:graphic>
           <a:graphicData uri="http://schemas.openxmlformats.org/drawingml/2006/diagram">
@@ -16468,36 +15566,6 @@
           <a:chExt cx="0" cy="0"/>
         </a:xfrm>
       </p:grpSpPr>
-      <p:pic>
-        <p:nvPicPr>
-          <p:cNvPr id="4" name="Рисунок 3">
-            <a:extLst>
-              <a:ext uri="{FF2B5EF4-FFF2-40B4-BE49-F238E27FC236}">
-                <a16:creationId xmlns:a16="http://schemas.microsoft.com/office/drawing/2014/main" id="{4EB617D2-08BE-46EA-8598-25F7D6BC02F1}"/>
-              </a:ext>
-            </a:extLst>
-          </p:cNvPr>
-          <p:cNvPicPr>
-            <a:picLocks noChangeAspect="1"/>
-          </p:cNvPicPr>
-          <p:nvPr/>
-        </p:nvPicPr>
-        <p:blipFill>
-          <a:blip r:embed="rId2"/>
-          <a:stretch>
-            <a:fillRect/>
-          </a:stretch>
-        </p:blipFill>
-        <p:spPr>
-          <a:xfrm>
-            <a:off x="2513900" y="2058230"/>
-            <a:ext cx="8838335" cy="4460409"/>
-          </a:xfrm>
-          <a:prstGeom prst="rect">
-            <a:avLst/>
-          </a:prstGeom>
-        </p:spPr>
-      </p:pic>
       <p:sp>
         <p:nvSpPr>
           <p:cNvPr id="2" name="Rectangle 2">
@@ -16514,24 +15582,22 @@
         </p:nvSpPr>
         <p:spPr bwMode="auto">
           <a:xfrm>
-            <a:off x="457200" y="1754188"/>
+            <a:off x="380356" y="54823"/>
             <a:ext cx="9980613" cy="1317625"/>
           </a:xfrm>
           <a:prstGeom prst="rect">
             <a:avLst/>
           </a:prstGeom>
-          <a:noFill/>
+          <a:solidFill>
+            <a:schemeClr val="accent2">
+              <a:lumMod val="75000"/>
+              <a:alpha val="10000"/>
+            </a:schemeClr>
+          </a:solidFill>
           <a:ln>
             <a:noFill/>
           </a:ln>
           <a:extLst>
-            <a:ext uri="{909E8E84-426E-40DD-AFC4-6F175D3DCCD1}">
-              <a14:hiddenFill xmlns:a14="http://schemas.microsoft.com/office/drawing/2010/main">
-                <a:solidFill>
-                  <a:srgbClr val="FFFFFF"/>
-                </a:solidFill>
-              </a14:hiddenFill>
-            </a:ext>
             <a:ext uri="{91240B29-F687-4F45-9708-019B960494DF}">
               <a14:hiddenLine xmlns:a14="http://schemas.microsoft.com/office/drawing/2010/main" w="9525">
                 <a:solidFill>
@@ -16551,7 +15617,37 @@
             </a:prstTxWarp>
           </a:bodyPr>
           <a:lstStyle>
-            <a:lvl1pPr algn="l" rtl="0" eaLnBrk="0" fontAlgn="base" hangingPunct="0">
+            <a:lvl1pPr algn="l" eaLnBrk="1" hangingPunct="1">
+              <a:defRPr sz="4900" b="1">
+                <a:solidFill>
+                  <a:schemeClr val="bg1"/>
+                </a:solidFill>
+                <a:latin typeface="Lato" panose="020F0502020204030203" pitchFamily="34" charset="0"/>
+                <a:ea typeface="Lato" panose="020F0502020204030203" pitchFamily="34" charset="0"/>
+                <a:cs typeface="Lato" panose="020F0502020204030203" pitchFamily="34" charset="0"/>
+              </a:defRPr>
+            </a:lvl1pPr>
+            <a:lvl2pPr algn="l" eaLnBrk="0" hangingPunct="0">
+              <a:defRPr sz="4900">
+                <a:latin typeface="Microsoft Sans Serif" pitchFamily="34" charset="0"/>
+              </a:defRPr>
+            </a:lvl2pPr>
+            <a:lvl3pPr algn="l" eaLnBrk="0" hangingPunct="0">
+              <a:defRPr sz="4900">
+                <a:latin typeface="Microsoft Sans Serif" pitchFamily="34" charset="0"/>
+              </a:defRPr>
+            </a:lvl3pPr>
+            <a:lvl4pPr algn="l" eaLnBrk="0" hangingPunct="0">
+              <a:defRPr sz="4900">
+                <a:latin typeface="Microsoft Sans Serif" pitchFamily="34" charset="0"/>
+              </a:defRPr>
+            </a:lvl4pPr>
+            <a:lvl5pPr algn="l" eaLnBrk="0" hangingPunct="0">
+              <a:defRPr sz="4900">
+                <a:latin typeface="Microsoft Sans Serif" pitchFamily="34" charset="0"/>
+              </a:defRPr>
+            </a:lvl5pPr>
+            <a:lvl6pPr marL="509412" eaLnBrk="0" fontAlgn="base" hangingPunct="0">
               <a:spcBef>
                 <a:spcPct val="0"/>
               </a:spcBef>
@@ -16559,15 +15655,10 @@
                 <a:spcPct val="0"/>
               </a:spcAft>
               <a:defRPr sz="4900">
-                <a:solidFill>
-                  <a:schemeClr val="tx1"/>
-                </a:solidFill>
-                <a:latin typeface="+mj-lt"/>
-                <a:ea typeface="+mj-ea"/>
-                <a:cs typeface="+mj-cs"/>
+                <a:latin typeface="Microsoft Sans Serif" pitchFamily="34" charset="0"/>
               </a:defRPr>
-            </a:lvl1pPr>
-            <a:lvl2pPr algn="l" rtl="0" eaLnBrk="0" fontAlgn="base" hangingPunct="0">
+            </a:lvl6pPr>
+            <a:lvl7pPr marL="1018824" eaLnBrk="0" fontAlgn="base" hangingPunct="0">
               <a:spcBef>
                 <a:spcPct val="0"/>
               </a:spcBef>
@@ -16575,13 +15666,10 @@
                 <a:spcPct val="0"/>
               </a:spcAft>
               <a:defRPr sz="4900">
-                <a:solidFill>
-                  <a:schemeClr val="tx1"/>
-                </a:solidFill>
                 <a:latin typeface="Microsoft Sans Serif" pitchFamily="34" charset="0"/>
               </a:defRPr>
-            </a:lvl2pPr>
-            <a:lvl3pPr algn="l" rtl="0" eaLnBrk="0" fontAlgn="base" hangingPunct="0">
+            </a:lvl7pPr>
+            <a:lvl8pPr marL="1528237" eaLnBrk="0" fontAlgn="base" hangingPunct="0">
               <a:spcBef>
                 <a:spcPct val="0"/>
               </a:spcBef>
@@ -16589,13 +15677,10 @@
                 <a:spcPct val="0"/>
               </a:spcAft>
               <a:defRPr sz="4900">
-                <a:solidFill>
-                  <a:schemeClr val="tx1"/>
-                </a:solidFill>
                 <a:latin typeface="Microsoft Sans Serif" pitchFamily="34" charset="0"/>
               </a:defRPr>
-            </a:lvl3pPr>
-            <a:lvl4pPr algn="l" rtl="0" eaLnBrk="0" fontAlgn="base" hangingPunct="0">
+            </a:lvl8pPr>
+            <a:lvl9pPr marL="2037649" eaLnBrk="0" fontAlgn="base" hangingPunct="0">
               <a:spcBef>
                 <a:spcPct val="0"/>
               </a:spcBef>
@@ -16603,101 +15688,49 @@
                 <a:spcPct val="0"/>
               </a:spcAft>
               <a:defRPr sz="4900">
-                <a:solidFill>
-                  <a:schemeClr val="tx1"/>
-                </a:solidFill>
-                <a:latin typeface="Microsoft Sans Serif" pitchFamily="34" charset="0"/>
-              </a:defRPr>
-            </a:lvl4pPr>
-            <a:lvl5pPr algn="l" rtl="0" eaLnBrk="0" fontAlgn="base" hangingPunct="0">
-              <a:spcBef>
-                <a:spcPct val="0"/>
-              </a:spcBef>
-              <a:spcAft>
-                <a:spcPct val="0"/>
-              </a:spcAft>
-              <a:defRPr sz="4900">
-                <a:solidFill>
-                  <a:schemeClr val="tx1"/>
-                </a:solidFill>
-                <a:latin typeface="Microsoft Sans Serif" pitchFamily="34" charset="0"/>
-              </a:defRPr>
-            </a:lvl5pPr>
-            <a:lvl6pPr marL="509412" algn="l" rtl="0" eaLnBrk="0" fontAlgn="base" hangingPunct="0">
-              <a:spcBef>
-                <a:spcPct val="0"/>
-              </a:spcBef>
-              <a:spcAft>
-                <a:spcPct val="0"/>
-              </a:spcAft>
-              <a:defRPr sz="4900">
-                <a:solidFill>
-                  <a:schemeClr val="tx1"/>
-                </a:solidFill>
-                <a:latin typeface="Microsoft Sans Serif" pitchFamily="34" charset="0"/>
-              </a:defRPr>
-            </a:lvl6pPr>
-            <a:lvl7pPr marL="1018824" algn="l" rtl="0" eaLnBrk="0" fontAlgn="base" hangingPunct="0">
-              <a:spcBef>
-                <a:spcPct val="0"/>
-              </a:spcBef>
-              <a:spcAft>
-                <a:spcPct val="0"/>
-              </a:spcAft>
-              <a:defRPr sz="4900">
-                <a:solidFill>
-                  <a:schemeClr val="tx1"/>
-                </a:solidFill>
-                <a:latin typeface="Microsoft Sans Serif" pitchFamily="34" charset="0"/>
-              </a:defRPr>
-            </a:lvl7pPr>
-            <a:lvl8pPr marL="1528237" algn="l" rtl="0" eaLnBrk="0" fontAlgn="base" hangingPunct="0">
-              <a:spcBef>
-                <a:spcPct val="0"/>
-              </a:spcBef>
-              <a:spcAft>
-                <a:spcPct val="0"/>
-              </a:spcAft>
-              <a:defRPr sz="4900">
-                <a:solidFill>
-                  <a:schemeClr val="tx1"/>
-                </a:solidFill>
-                <a:latin typeface="Microsoft Sans Serif" pitchFamily="34" charset="0"/>
-              </a:defRPr>
-            </a:lvl8pPr>
-            <a:lvl9pPr marL="2037649" algn="l" rtl="0" eaLnBrk="0" fontAlgn="base" hangingPunct="0">
-              <a:spcBef>
-                <a:spcPct val="0"/>
-              </a:spcBef>
-              <a:spcAft>
-                <a:spcPct val="0"/>
-              </a:spcAft>
-              <a:defRPr sz="4900">
-                <a:solidFill>
-                  <a:schemeClr val="tx1"/>
-                </a:solidFill>
                 <a:latin typeface="Microsoft Sans Serif" pitchFamily="34" charset="0"/>
               </a:defRPr>
             </a:lvl9pPr>
           </a:lstStyle>
           <a:p>
-            <a:pPr eaLnBrk="1" hangingPunct="1"/>
             <a:r>
-              <a:rPr lang="ru-RU" b="1" kern="0" dirty="0">
-                <a:latin typeface="Lato" panose="020F0502020204030203" pitchFamily="34" charset="0"/>
-                <a:ea typeface="Lato" panose="020F0502020204030203" pitchFamily="34" charset="0"/>
-                <a:cs typeface="Lato" panose="020F0502020204030203" pitchFamily="34" charset="0"/>
-              </a:rPr>
+              <a:rPr lang="ru-RU" sz="4400" dirty="0"/>
               <a:t>Модель базы данных</a:t>
             </a:r>
-            <a:endParaRPr lang="en-US" b="1" kern="0" dirty="0">
-              <a:latin typeface="Lato" panose="020F0502020204030203" pitchFamily="34" charset="0"/>
-              <a:ea typeface="Lato" panose="020F0502020204030203" pitchFamily="34" charset="0"/>
-              <a:cs typeface="Lato" panose="020F0502020204030203" pitchFamily="34" charset="0"/>
-            </a:endParaRPr>
+            <a:endParaRPr lang="en-US" sz="4400" dirty="0"/>
           </a:p>
         </p:txBody>
       </p:sp>
+      <p:pic>
+        <p:nvPicPr>
+          <p:cNvPr id="7" name="Рисунок 6">
+            <a:extLst>
+              <a:ext uri="{FF2B5EF4-FFF2-40B4-BE49-F238E27FC236}">
+                <a16:creationId xmlns:a16="http://schemas.microsoft.com/office/drawing/2014/main" id="{BD715FF4-EE6F-455D-ACA1-90BB6F534EA6}"/>
+              </a:ext>
+            </a:extLst>
+          </p:cNvPr>
+          <p:cNvPicPr>
+            <a:picLocks noChangeAspect="1"/>
+          </p:cNvPicPr>
+          <p:nvPr/>
+        </p:nvPicPr>
+        <p:blipFill>
+          <a:blip r:embed="rId2"/>
+          <a:stretch>
+            <a:fillRect/>
+          </a:stretch>
+        </p:blipFill>
+        <p:spPr>
+          <a:xfrm>
+            <a:off x="75564" y="2058229"/>
+            <a:ext cx="12047241" cy="4724277"/>
+          </a:xfrm>
+          <a:prstGeom prst="rect">
+            <a:avLst/>
+          </a:prstGeom>
+        </p:spPr>
+      </p:pic>
     </p:spTree>
     <p:extLst>
       <p:ext uri="{BB962C8B-B14F-4D97-AF65-F5344CB8AC3E}">
@@ -16752,24 +15785,55 @@
         </p:nvSpPr>
         <p:spPr>
           <a:xfrm>
-            <a:off x="304800" y="1754188"/>
+            <a:off x="370831" y="54821"/>
             <a:ext cx="9447213" cy="1393825"/>
           </a:xfrm>
+          <a:solidFill>
+            <a:schemeClr val="accent2">
+              <a:lumMod val="75000"/>
+              <a:alpha val="10000"/>
+            </a:schemeClr>
+          </a:solidFill>
+          <a:ln>
+            <a:noFill/>
+          </a:ln>
+          <a:extLst>
+            <a:ext uri="{91240B29-F687-4F45-9708-019B960494DF}">
+              <a14:hiddenLine xmlns:a14="http://schemas.microsoft.com/office/drawing/2010/main" w="9525">
+                <a:solidFill>
+                  <a:srgbClr val="000000"/>
+                </a:solidFill>
+                <a:miter lim="800000"/>
+                <a:headEnd/>
+                <a:tailEnd/>
+              </a14:hiddenLine>
+            </a:ext>
+          </a:extLst>
         </p:spPr>
         <p:txBody>
-          <a:bodyPr/>
+          <a:bodyPr vert="horz" wrap="square" lIns="101882" tIns="50941" rIns="101882" bIns="50941" numCol="1" anchor="ctr" anchorCtr="0" compatLnSpc="1">
+            <a:prstTxWarp prst="textNoShape">
+              <a:avLst/>
+            </a:prstTxWarp>
+          </a:bodyPr>
           <a:lstStyle/>
           <a:p>
             <a:pPr eaLnBrk="1" hangingPunct="1"/>
             <a:r>
-              <a:rPr lang="ru-RU" b="1" dirty="0">
+              <a:rPr lang="ru-RU" sz="4400" b="1" kern="1200" dirty="0">
+                <a:solidFill>
+                  <a:schemeClr val="bg1"/>
+                </a:solidFill>
                 <a:latin typeface="Lato" panose="020F0502020204030203" pitchFamily="34" charset="0"/>
                 <a:ea typeface="Lato" panose="020F0502020204030203" pitchFamily="34" charset="0"/>
                 <a:cs typeface="Lato" panose="020F0502020204030203" pitchFamily="34" charset="0"/>
               </a:rPr>
               <a:t>Функциональные возможности информационной системы</a:t>
             </a:r>
-            <a:endParaRPr lang="en-US" b="1" dirty="0">
+            <a:endParaRPr lang="en-US" sz="4400" b="1" kern="1200" dirty="0">
+              <a:solidFill>
+                <a:schemeClr val="bg1"/>
+              </a:solidFill>
               <a:latin typeface="Lato" panose="020F0502020204030203" pitchFamily="34" charset="0"/>
               <a:ea typeface="Lato" panose="020F0502020204030203" pitchFamily="34" charset="0"/>
               <a:cs typeface="Lato" panose="020F0502020204030203" pitchFamily="34" charset="0"/>
@@ -16779,10 +15843,10 @@
       </p:sp>
       <p:graphicFrame>
         <p:nvGraphicFramePr>
-          <p:cNvPr id="4" name="Схема 3">
+          <p:cNvPr id="2" name="Схема 1">
             <a:extLst>
               <a:ext uri="{FF2B5EF4-FFF2-40B4-BE49-F238E27FC236}">
-                <a16:creationId xmlns:a16="http://schemas.microsoft.com/office/drawing/2014/main" id="{2C0E64F0-43C9-4094-89E5-A7D08296FB5B}"/>
+                <a16:creationId xmlns:a16="http://schemas.microsoft.com/office/drawing/2014/main" id="{0B935101-7E55-4A00-A0E3-4D38C721F4E4}"/>
               </a:ext>
             </a:extLst>
           </p:cNvPr>
@@ -16790,14 +15854,14 @@
           <p:nvPr>
             <p:extLst>
               <p:ext uri="{D42A27DB-BD31-4B8C-83A1-F6EECF244321}">
-                <p14:modId xmlns:p14="http://schemas.microsoft.com/office/powerpoint/2010/main" val="2427891301"/>
+                <p14:modId xmlns:p14="http://schemas.microsoft.com/office/powerpoint/2010/main" val="1573667334"/>
               </p:ext>
             </p:extLst>
           </p:nvPr>
         </p:nvGraphicFramePr>
         <p:xfrm>
-          <a:off x="370831" y="3658388"/>
-          <a:ext cx="11448750" cy="2068511"/>
+          <a:off x="519358" y="2107460"/>
+          <a:ext cx="11151696" cy="4060754"/>
         </p:xfrm>
         <a:graphic>
           <a:graphicData uri="http://schemas.openxmlformats.org/drawingml/2006/diagram">
@@ -16845,24 +15909,55 @@
         </p:nvSpPr>
         <p:spPr>
           <a:xfrm>
-            <a:off x="381000" y="1449388"/>
+            <a:off x="381695" y="54821"/>
             <a:ext cx="9447213" cy="1393825"/>
           </a:xfrm>
+          <a:solidFill>
+            <a:schemeClr val="accent2">
+              <a:lumMod val="75000"/>
+              <a:alpha val="10000"/>
+            </a:schemeClr>
+          </a:solidFill>
+          <a:ln>
+            <a:noFill/>
+          </a:ln>
+          <a:extLst>
+            <a:ext uri="{91240B29-F687-4F45-9708-019B960494DF}">
+              <a14:hiddenLine xmlns:a14="http://schemas.microsoft.com/office/drawing/2010/main" w="9525">
+                <a:solidFill>
+                  <a:srgbClr val="000000"/>
+                </a:solidFill>
+                <a:miter lim="800000"/>
+                <a:headEnd/>
+                <a:tailEnd/>
+              </a14:hiddenLine>
+            </a:ext>
+          </a:extLst>
         </p:spPr>
         <p:txBody>
-          <a:bodyPr/>
+          <a:bodyPr vert="horz" wrap="square" lIns="101882" tIns="50941" rIns="101882" bIns="50941" numCol="1" anchor="ctr" anchorCtr="0" compatLnSpc="1">
+            <a:prstTxWarp prst="textNoShape">
+              <a:avLst/>
+            </a:prstTxWarp>
+          </a:bodyPr>
           <a:lstStyle/>
           <a:p>
             <a:pPr eaLnBrk="1" hangingPunct="1"/>
             <a:r>
-              <a:rPr lang="ru-RU" b="1" dirty="0">
+              <a:rPr lang="ru-RU" sz="4400" b="1" kern="1200" dirty="0">
+                <a:solidFill>
+                  <a:schemeClr val="bg1"/>
+                </a:solidFill>
                 <a:latin typeface="Lato" panose="020F0502020204030203" pitchFamily="34" charset="0"/>
                 <a:ea typeface="Lato" panose="020F0502020204030203" pitchFamily="34" charset="0"/>
                 <a:cs typeface="Lato" panose="020F0502020204030203" pitchFamily="34" charset="0"/>
               </a:rPr>
               <a:t>Пользовательский интерфейс информационной системы</a:t>
             </a:r>
-            <a:endParaRPr lang="en-US" b="1" dirty="0">
+            <a:endParaRPr lang="en-US" sz="4400" b="1" kern="1200" dirty="0">
+              <a:solidFill>
+                <a:schemeClr val="bg1"/>
+              </a:solidFill>
               <a:latin typeface="Lato" panose="020F0502020204030203" pitchFamily="34" charset="0"/>
               <a:ea typeface="Lato" panose="020F0502020204030203" pitchFamily="34" charset="0"/>
               <a:cs typeface="Lato" panose="020F0502020204030203" pitchFamily="34" charset="0"/>
@@ -16872,14 +15967,16 @@
       </p:sp>
       <p:pic>
         <p:nvPicPr>
-          <p:cNvPr id="7" name="Рисунок 6">
+          <p:cNvPr id="3" name="Рисунок 2">
             <a:extLst>
               <a:ext uri="{FF2B5EF4-FFF2-40B4-BE49-F238E27FC236}">
-                <a16:creationId xmlns:a16="http://schemas.microsoft.com/office/drawing/2014/main" id="{45A4F5F6-DF06-4E70-8C05-0562F8E92365}"/>
+                <a16:creationId xmlns:a16="http://schemas.microsoft.com/office/drawing/2014/main" id="{058CEEB5-5B08-43A5-B46B-0D9E06DB28A0}"/>
               </a:ext>
             </a:extLst>
           </p:cNvPr>
-          <p:cNvPicPr/>
+          <p:cNvPicPr>
+            <a:picLocks noChangeAspect="1"/>
+          </p:cNvPicPr>
           <p:nvPr/>
         </p:nvPicPr>
         <p:blipFill>
@@ -16890,15 +15987,15 @@
         </p:blipFill>
         <p:spPr>
           <a:xfrm>
-            <a:off x="456554" y="3071509"/>
-            <a:ext cx="6705424" cy="3355280"/>
+            <a:off x="289818" y="2306001"/>
+            <a:ext cx="7238810" cy="3624744"/>
           </a:xfrm>
           <a:prstGeom prst="rect">
             <a:avLst/>
           </a:prstGeom>
           <a:effectLst>
             <a:outerShdw blurRad="292100" dist="139700" dir="2700000" algn="ctr" rotWithShape="0">
-              <a:schemeClr val="tx2">
+              <a:schemeClr val="tx1">
                 <a:alpha val="65000"/>
               </a:schemeClr>
             </a:outerShdw>
@@ -16907,26 +16004,27 @@
       </p:pic>
       <p:pic>
         <p:nvPicPr>
-          <p:cNvPr id="9" name="Рисунок 8">
+          <p:cNvPr id="5" name="Рисунок 4">
             <a:extLst>
               <a:ext uri="{FF2B5EF4-FFF2-40B4-BE49-F238E27FC236}">
-                <a16:creationId xmlns:a16="http://schemas.microsoft.com/office/drawing/2014/main" id="{E1B6EC9B-3C15-4D89-833D-F7764606E194}"/>
+                <a16:creationId xmlns:a16="http://schemas.microsoft.com/office/drawing/2014/main" id="{2E01F0E2-8A8F-4CD1-885E-F31EE8D15CEC}"/>
               </a:ext>
             </a:extLst>
           </p:cNvPr>
-          <p:cNvPicPr/>
+          <p:cNvPicPr>
+            <a:picLocks noChangeAspect="1"/>
+          </p:cNvPicPr>
           <p:nvPr/>
         </p:nvPicPr>
-        <p:blipFill>
+        <p:blipFill rotWithShape="1">
           <a:blip r:embed="rId3"/>
-          <a:stretch>
-            <a:fillRect/>
-          </a:stretch>
+          <a:srcRect l="699"/>
+          <a:stretch/>
         </p:blipFill>
         <p:spPr>
           <a:xfrm>
-            <a:off x="7756525" y="3568049"/>
-            <a:ext cx="4143375" cy="2362200"/>
+            <a:off x="7757219" y="2937108"/>
+            <a:ext cx="4143376" cy="2362530"/>
           </a:xfrm>
           <a:prstGeom prst="rect">
             <a:avLst/>
@@ -16980,17 +16078,45 @@
         </p:nvSpPr>
         <p:spPr>
           <a:xfrm>
-            <a:off x="457200" y="1601042"/>
+            <a:off x="380356" y="46900"/>
             <a:ext cx="8685926" cy="792162"/>
           </a:xfrm>
+          <a:solidFill>
+            <a:schemeClr val="accent2">
+              <a:lumMod val="75000"/>
+              <a:alpha val="10000"/>
+            </a:schemeClr>
+          </a:solidFill>
+          <a:ln>
+            <a:noFill/>
+          </a:ln>
+          <a:extLst>
+            <a:ext uri="{91240B29-F687-4F45-9708-019B960494DF}">
+              <a14:hiddenLine xmlns:a14="http://schemas.microsoft.com/office/drawing/2010/main" w="9525">
+                <a:solidFill>
+                  <a:srgbClr val="000000"/>
+                </a:solidFill>
+                <a:miter lim="800000"/>
+                <a:headEnd/>
+                <a:tailEnd/>
+              </a14:hiddenLine>
+            </a:ext>
+          </a:extLst>
         </p:spPr>
         <p:txBody>
-          <a:bodyPr/>
+          <a:bodyPr vert="horz" wrap="square" lIns="101882" tIns="50941" rIns="101882" bIns="50941" numCol="1" anchor="ctr" anchorCtr="0" compatLnSpc="1">
+            <a:prstTxWarp prst="textNoShape">
+              <a:avLst/>
+            </a:prstTxWarp>
+          </a:bodyPr>
           <a:lstStyle/>
           <a:p>
             <a:pPr eaLnBrk="1" hangingPunct="1"/>
             <a:r>
-              <a:rPr lang="ru-RU" b="1" dirty="0">
+              <a:rPr lang="ru-RU" sz="4400" b="1" kern="1200" dirty="0">
+                <a:solidFill>
+                  <a:schemeClr val="bg1"/>
+                </a:solidFill>
                 <a:latin typeface="Lato" panose="020F0502020204030203" pitchFamily="34" charset="0"/>
                 <a:ea typeface="Lato" panose="020F0502020204030203" pitchFamily="34" charset="0"/>
                 <a:cs typeface="Lato" panose="020F0502020204030203" pitchFamily="34" charset="0"/>
@@ -16998,7 +16124,10 @@
               <a:t>Входные</a:t>
             </a:r>
             <a:r>
-              <a:rPr lang="en-US" b="1" dirty="0">
+              <a:rPr lang="en-US" sz="4400" b="1" kern="1200" dirty="0">
+                <a:solidFill>
+                  <a:schemeClr val="bg1"/>
+                </a:solidFill>
                 <a:latin typeface="Lato" panose="020F0502020204030203" pitchFamily="34" charset="0"/>
                 <a:ea typeface="Lato" panose="020F0502020204030203" pitchFamily="34" charset="0"/>
                 <a:cs typeface="Lato" panose="020F0502020204030203" pitchFamily="34" charset="0"/>
@@ -17006,14 +16135,20 @@
               <a:t> </a:t>
             </a:r>
             <a:r>
-              <a:rPr lang="ru-RU" b="1" dirty="0">
+              <a:rPr lang="ru-RU" sz="4400" b="1" kern="1200" dirty="0">
+                <a:solidFill>
+                  <a:schemeClr val="bg1"/>
+                </a:solidFill>
                 <a:latin typeface="Lato" panose="020F0502020204030203" pitchFamily="34" charset="0"/>
                 <a:ea typeface="Lato" panose="020F0502020204030203" pitchFamily="34" charset="0"/>
                 <a:cs typeface="Lato" panose="020F0502020204030203" pitchFamily="34" charset="0"/>
               </a:rPr>
               <a:t>данные</a:t>
             </a:r>
-            <a:endParaRPr lang="en-US" b="1" dirty="0">
+            <a:endParaRPr lang="en-US" sz="4400" b="1" kern="1200" dirty="0">
+              <a:solidFill>
+                <a:schemeClr val="bg1"/>
+              </a:solidFill>
               <a:latin typeface="Lato" panose="020F0502020204030203" pitchFamily="34" charset="0"/>
               <a:ea typeface="Lato" panose="020F0502020204030203" pitchFamily="34" charset="0"/>
               <a:cs typeface="Lato" panose="020F0502020204030203" pitchFamily="34" charset="0"/>
@@ -17030,13 +16165,13 @@
           <p:nvPr>
             <p:extLst>
               <p:ext uri="{D42A27DB-BD31-4B8C-83A1-F6EECF244321}">
-                <p14:modId xmlns:p14="http://schemas.microsoft.com/office/powerpoint/2010/main" val="1505061282"/>
+                <p14:modId xmlns:p14="http://schemas.microsoft.com/office/powerpoint/2010/main" val="2008598676"/>
               </p:ext>
             </p:extLst>
           </p:nvPr>
         </p:nvGraphicFramePr>
         <p:xfrm>
-          <a:off x="1076902" y="5210438"/>
+          <a:off x="913742" y="4953754"/>
           <a:ext cx="4561116" cy="1528876"/>
         </p:xfrm>
         <a:graphic>
@@ -17494,13 +16629,13 @@
           <p:nvPr>
             <p:extLst>
               <p:ext uri="{D42A27DB-BD31-4B8C-83A1-F6EECF244321}">
-                <p14:modId xmlns:p14="http://schemas.microsoft.com/office/powerpoint/2010/main" val="1385633533"/>
+                <p14:modId xmlns:p14="http://schemas.microsoft.com/office/powerpoint/2010/main" val="3992317360"/>
               </p:ext>
             </p:extLst>
           </p:nvPr>
         </p:nvGraphicFramePr>
         <p:xfrm>
-          <a:off x="456553" y="2484870"/>
+          <a:off x="379674" y="1870162"/>
           <a:ext cx="5867247" cy="2621280"/>
         </p:xfrm>
         <a:graphic>
@@ -18234,13 +17369,13 @@
           <p:nvPr>
             <p:extLst>
               <p:ext uri="{D42A27DB-BD31-4B8C-83A1-F6EECF244321}">
-                <p14:modId xmlns:p14="http://schemas.microsoft.com/office/powerpoint/2010/main" val="2580049805"/>
+                <p14:modId xmlns:p14="http://schemas.microsoft.com/office/powerpoint/2010/main" val="3904883721"/>
               </p:ext>
             </p:extLst>
           </p:nvPr>
         </p:nvGraphicFramePr>
         <p:xfrm>
-          <a:off x="6496241" y="2809962"/>
+          <a:off x="6552396" y="2134428"/>
           <a:ext cx="5293770" cy="3362960"/>
         </p:xfrm>
         <a:graphic>
@@ -19196,24 +18331,55 @@
         </p:nvSpPr>
         <p:spPr>
           <a:xfrm>
-            <a:off x="457200" y="1601042"/>
+            <a:off x="381002" y="46900"/>
             <a:ext cx="8685926" cy="792162"/>
           </a:xfrm>
+          <a:solidFill>
+            <a:schemeClr val="accent2">
+              <a:lumMod val="75000"/>
+              <a:alpha val="10000"/>
+            </a:schemeClr>
+          </a:solidFill>
+          <a:ln>
+            <a:noFill/>
+          </a:ln>
+          <a:extLst>
+            <a:ext uri="{91240B29-F687-4F45-9708-019B960494DF}">
+              <a14:hiddenLine xmlns:a14="http://schemas.microsoft.com/office/drawing/2010/main" w="9525">
+                <a:solidFill>
+                  <a:srgbClr val="000000"/>
+                </a:solidFill>
+                <a:miter lim="800000"/>
+                <a:headEnd/>
+                <a:tailEnd/>
+              </a14:hiddenLine>
+            </a:ext>
+          </a:extLst>
         </p:spPr>
         <p:txBody>
-          <a:bodyPr/>
+          <a:bodyPr vert="horz" wrap="square" lIns="101882" tIns="50941" rIns="101882" bIns="50941" numCol="1" anchor="ctr" anchorCtr="0" compatLnSpc="1">
+            <a:prstTxWarp prst="textNoShape">
+              <a:avLst/>
+            </a:prstTxWarp>
+          </a:bodyPr>
           <a:lstStyle/>
           <a:p>
             <a:pPr eaLnBrk="1" hangingPunct="1"/>
             <a:r>
-              <a:rPr lang="ru-RU" b="1" dirty="0">
+              <a:rPr lang="ru-RU" sz="4400" b="1" kern="1200" dirty="0">
+                <a:solidFill>
+                  <a:schemeClr val="bg1"/>
+                </a:solidFill>
                 <a:latin typeface="Lato" panose="020F0502020204030203" pitchFamily="34" charset="0"/>
                 <a:ea typeface="Lato" panose="020F0502020204030203" pitchFamily="34" charset="0"/>
                 <a:cs typeface="Lato" panose="020F0502020204030203" pitchFamily="34" charset="0"/>
               </a:rPr>
               <a:t>Выходные данные</a:t>
             </a:r>
-            <a:endParaRPr lang="en-US" b="1" dirty="0">
+            <a:endParaRPr lang="en-US" sz="4400" b="1" kern="1200" dirty="0">
+              <a:solidFill>
+                <a:schemeClr val="bg1"/>
+              </a:solidFill>
               <a:latin typeface="Lato" panose="020F0502020204030203" pitchFamily="34" charset="0"/>
               <a:ea typeface="Lato" panose="020F0502020204030203" pitchFamily="34" charset="0"/>
               <a:cs typeface="Lato" panose="020F0502020204030203" pitchFamily="34" charset="0"/>
@@ -19223,14 +18389,16 @@
       </p:sp>
       <p:pic>
         <p:nvPicPr>
-          <p:cNvPr id="6" name="Рисунок 5">
+          <p:cNvPr id="3" name="Рисунок 2">
             <a:extLst>
               <a:ext uri="{FF2B5EF4-FFF2-40B4-BE49-F238E27FC236}">
-                <a16:creationId xmlns:a16="http://schemas.microsoft.com/office/drawing/2014/main" id="{A3ACD436-3B5E-4B6B-B998-80D0766155D6}"/>
+                <a16:creationId xmlns:a16="http://schemas.microsoft.com/office/drawing/2014/main" id="{F9DB4D7A-D4BF-47F4-AF58-37E2F050E602}"/>
               </a:ext>
             </a:extLst>
           </p:cNvPr>
-          <p:cNvPicPr/>
+          <p:cNvPicPr>
+            <a:picLocks noChangeAspect="1"/>
+          </p:cNvPicPr>
           <p:nvPr/>
         </p:nvPicPr>
         <p:blipFill>
@@ -19241,8 +18409,8 @@
         </p:blipFill>
         <p:spPr>
           <a:xfrm>
-            <a:off x="457200" y="2744012"/>
-            <a:ext cx="6633766" cy="3881477"/>
+            <a:off x="227960" y="2108235"/>
+            <a:ext cx="7238810" cy="4248708"/>
           </a:xfrm>
           <a:prstGeom prst="rect">
             <a:avLst/>
@@ -19258,14 +18426,16 @@
       </p:pic>
       <p:pic>
         <p:nvPicPr>
-          <p:cNvPr id="7" name="Рисунок 6">
+          <p:cNvPr id="10" name="Рисунок 9">
             <a:extLst>
               <a:ext uri="{FF2B5EF4-FFF2-40B4-BE49-F238E27FC236}">
-                <a16:creationId xmlns:a16="http://schemas.microsoft.com/office/drawing/2014/main" id="{83D5CDE6-95E5-4D1B-AD06-0E7C561E5437}"/>
+                <a16:creationId xmlns:a16="http://schemas.microsoft.com/office/drawing/2014/main" id="{BA333D97-7BBB-4164-84B2-6658EFE94957}"/>
               </a:ext>
             </a:extLst>
           </p:cNvPr>
-          <p:cNvPicPr/>
+          <p:cNvPicPr>
+            <a:picLocks noChangeAspect="1"/>
+          </p:cNvPicPr>
           <p:nvPr/>
         </p:nvPicPr>
         <p:blipFill>
@@ -19276,8 +18446,8 @@
         </p:blipFill>
         <p:spPr>
           <a:xfrm>
-            <a:off x="7695364" y="4397274"/>
-            <a:ext cx="3870960" cy="2228215"/>
+            <a:off x="7695365" y="2065580"/>
+            <a:ext cx="3870960" cy="2211977"/>
           </a:xfrm>
           <a:prstGeom prst="rect">
             <a:avLst/>
@@ -19293,14 +18463,16 @@
       </p:pic>
       <p:pic>
         <p:nvPicPr>
-          <p:cNvPr id="8" name="Рисунок 7">
+          <p:cNvPr id="12" name="Рисунок 11">
             <a:extLst>
               <a:ext uri="{FF2B5EF4-FFF2-40B4-BE49-F238E27FC236}">
-                <a16:creationId xmlns:a16="http://schemas.microsoft.com/office/drawing/2014/main" id="{1E309824-3D88-43CA-90FF-9AE1C2AB9B04}"/>
+                <a16:creationId xmlns:a16="http://schemas.microsoft.com/office/drawing/2014/main" id="{CAA6161C-B825-4C7F-87FD-45AD20041771}"/>
               </a:ext>
             </a:extLst>
           </p:cNvPr>
-          <p:cNvPicPr/>
+          <p:cNvPicPr>
+            <a:picLocks noChangeAspect="1"/>
+          </p:cNvPicPr>
           <p:nvPr/>
         </p:nvPicPr>
         <p:blipFill>
@@ -19311,12 +18483,19 @@
         </p:blipFill>
         <p:spPr>
           <a:xfrm>
-            <a:off x="7709059" y="2084730"/>
-            <a:ext cx="3857265" cy="2192829"/>
+            <a:off x="7695365" y="4420368"/>
+            <a:ext cx="3870960" cy="2197993"/>
           </a:xfrm>
           <a:prstGeom prst="rect">
             <a:avLst/>
           </a:prstGeom>
+          <a:effectLst>
+            <a:outerShdw blurRad="292100" dist="139700" dir="2700000" algn="tl" rotWithShape="0">
+              <a:schemeClr val="tx1">
+                <a:alpha val="65000"/>
+              </a:schemeClr>
+            </a:outerShdw>
+          </a:effectLst>
         </p:spPr>
       </p:pic>
     </p:spTree>
@@ -19364,24 +18543,55 @@
         </p:nvSpPr>
         <p:spPr>
           <a:xfrm>
-            <a:off x="380356" y="1601042"/>
-            <a:ext cx="11240932" cy="923330"/>
+            <a:off x="380356" y="68127"/>
+            <a:ext cx="9448552" cy="1338827"/>
           </a:xfrm>
+          <a:solidFill>
+            <a:schemeClr val="accent2">
+              <a:lumMod val="75000"/>
+              <a:alpha val="10000"/>
+            </a:schemeClr>
+          </a:solidFill>
+          <a:ln>
+            <a:noFill/>
+          </a:ln>
+          <a:extLst>
+            <a:ext uri="{91240B29-F687-4F45-9708-019B960494DF}">
+              <a14:hiddenLine xmlns:a14="http://schemas.microsoft.com/office/drawing/2010/main" w="9525">
+                <a:solidFill>
+                  <a:srgbClr val="000000"/>
+                </a:solidFill>
+                <a:miter lim="800000"/>
+                <a:headEnd/>
+                <a:tailEnd/>
+              </a14:hiddenLine>
+            </a:ext>
+          </a:extLst>
         </p:spPr>
         <p:txBody>
-          <a:bodyPr/>
+          <a:bodyPr vert="horz" wrap="square" lIns="101882" tIns="50941" rIns="101882" bIns="50941" numCol="1" anchor="ctr" anchorCtr="0" compatLnSpc="1">
+            <a:prstTxWarp prst="textNoShape">
+              <a:avLst/>
+            </a:prstTxWarp>
+          </a:bodyPr>
           <a:lstStyle/>
           <a:p>
             <a:pPr eaLnBrk="1" hangingPunct="1"/>
             <a:r>
-              <a:rPr lang="ru-RU" b="1" dirty="0">
+              <a:rPr lang="ru-RU" sz="4400" b="1" kern="1200" dirty="0">
+                <a:solidFill>
+                  <a:schemeClr val="bg1"/>
+                </a:solidFill>
                 <a:latin typeface="Lato" panose="020F0502020204030203" pitchFamily="34" charset="0"/>
                 <a:ea typeface="Lato" panose="020F0502020204030203" pitchFamily="34" charset="0"/>
                 <a:cs typeface="Lato" panose="020F0502020204030203" pitchFamily="34" charset="0"/>
               </a:rPr>
               <a:t>Используемые программные средства</a:t>
             </a:r>
-            <a:endParaRPr lang="en-US" b="1" dirty="0">
+            <a:endParaRPr lang="en-US" sz="4400" b="1" kern="1200" dirty="0">
+              <a:solidFill>
+                <a:schemeClr val="bg1"/>
+              </a:solidFill>
               <a:latin typeface="Lato" panose="020F0502020204030203" pitchFamily="34" charset="0"/>
               <a:ea typeface="Lato" panose="020F0502020204030203" pitchFamily="34" charset="0"/>
               <a:cs typeface="Lato" panose="020F0502020204030203" pitchFamily="34" charset="0"/>
@@ -19399,7 +18609,7 @@
         </p:nvGrpSpPr>
         <p:grpSpPr bwMode="auto">
           <a:xfrm>
-            <a:off x="456554" y="2363022"/>
+            <a:off x="532752" y="2001068"/>
             <a:ext cx="3429000" cy="4440261"/>
             <a:chOff x="522944" y="1799576"/>
             <a:chExt cx="2220686" cy="2612601"/>
@@ -19654,7 +18864,7 @@
         </p:nvGrpSpPr>
         <p:grpSpPr bwMode="auto">
           <a:xfrm>
-            <a:off x="4286250" y="2439220"/>
+            <a:off x="4172968" y="2001068"/>
             <a:ext cx="3873500" cy="3654056"/>
             <a:chOff x="3271055" y="1116643"/>
             <a:chExt cx="2220686" cy="2152171"/>
@@ -19893,7 +19103,7 @@
         </p:nvGrpSpPr>
         <p:grpSpPr bwMode="auto">
           <a:xfrm>
-            <a:off x="8304213" y="2591616"/>
+            <a:off x="8124942" y="2134428"/>
             <a:ext cx="3660775" cy="3485001"/>
             <a:chOff x="4888567" y="1491104"/>
             <a:chExt cx="2220686" cy="2187504"/>
